--- a/slides/pyspark/introduction/4.3_pyspark_shell.pptx
+++ b/slides/pyspark/introduction/4.3_pyspark_shell.pptx
@@ -8,16 +8,18 @@
     <p:sldId id="256" r:id="rId2"/>
     <p:sldId id="257" r:id="rId3"/>
     <p:sldId id="263" r:id="rId4"/>
-    <p:sldId id="264" r:id="rId5"/>
-    <p:sldId id="265" r:id="rId6"/>
-    <p:sldId id="269" r:id="rId7"/>
-    <p:sldId id="270" r:id="rId8"/>
-    <p:sldId id="266" r:id="rId9"/>
-    <p:sldId id="267" r:id="rId10"/>
-    <p:sldId id="268" r:id="rId11"/>
-    <p:sldId id="271" r:id="rId12"/>
-    <p:sldId id="272" r:id="rId13"/>
-    <p:sldId id="273" r:id="rId14"/>
+    <p:sldId id="274" r:id="rId5"/>
+    <p:sldId id="264" r:id="rId6"/>
+    <p:sldId id="265" r:id="rId7"/>
+    <p:sldId id="269" r:id="rId8"/>
+    <p:sldId id="270" r:id="rId9"/>
+    <p:sldId id="266" r:id="rId10"/>
+    <p:sldId id="267" r:id="rId11"/>
+    <p:sldId id="268" r:id="rId12"/>
+    <p:sldId id="275" r:id="rId13"/>
+    <p:sldId id="271" r:id="rId14"/>
+    <p:sldId id="272" r:id="rId15"/>
+    <p:sldId id="273" r:id="rId16"/>
   </p:sldIdLst>
   <p:sldSz cx="9144000" cy="5143500" type="screen16x9"/>
   <p:notesSz cx="6858000" cy="9144000"/>
@@ -6423,7 +6425,7 @@
           <a:p>
             <a:r>
               <a:rPr lang="en-US" dirty="0"/>
-              <a:t>PySpark Shell</a:t>
+              <a:t>PySpark Interactive Shell</a:t>
             </a:r>
           </a:p>
         </p:txBody>
@@ -6458,13 +6460,8 @@
           <a:p>
             <a:r>
               <a:rPr lang="en-US" dirty="0"/>
-              <a:t>Mahmoud </a:t>
-            </a:r>
-            <a:r>
-              <a:rPr lang="en-US"/>
-              <a:t>(Max) Parsian</a:t>
-            </a:r>
-            <a:endParaRPr lang="en-US" dirty="0"/>
+              <a:t>Mahmoud  Parsian</a:t>
+            </a:r>
           </a:p>
           <a:p>
             <a:r>
@@ -6520,25 +6517,26 @@
             <p:ph type="title"/>
           </p:nvPr>
         </p:nvSpPr>
-        <p:spPr>
-          <a:xfrm>
-            <a:off x="628650" y="273845"/>
-            <a:ext cx="7886700" cy="518636"/>
-          </a:xfrm>
-        </p:spPr>
-        <p:txBody>
-          <a:bodyPr>
-            <a:normAutofit fontScale="90000"/>
-          </a:bodyPr>
+        <p:spPr/>
+        <p:txBody>
+          <a:bodyPr/>
           <a:lstStyle/>
           <a:p>
             <a:r>
-              <a:rPr lang="en-US" dirty="0" err="1"/>
+              <a:rPr lang="en-US" dirty="0"/>
+              <a:t>What is </a:t>
+            </a:r>
+            <a:r>
+              <a:rPr lang="en-US" dirty="0">
+                <a:solidFill>
+                  <a:srgbClr val="0070C0"/>
+                </a:solidFill>
+              </a:rPr>
               <a:t>SparkContext</a:t>
             </a:r>
             <a:r>
               <a:rPr lang="en-US" dirty="0"/>
-              <a:t> Usage</a:t>
+              <a:t>?</a:t>
             </a:r>
           </a:p>
         </p:txBody>
@@ -6561,13 +6559,13 @@
         </p:nvSpPr>
         <p:spPr>
           <a:xfrm>
-            <a:off x="628650" y="792481"/>
-            <a:ext cx="7886700" cy="3918856"/>
+            <a:off x="628650" y="1179095"/>
+            <a:ext cx="7886700" cy="3532242"/>
           </a:xfrm>
         </p:spPr>
         <p:txBody>
           <a:bodyPr>
-            <a:normAutofit fontScale="70000" lnSpcReduction="20000"/>
+            <a:normAutofit/>
           </a:bodyPr>
           <a:lstStyle/>
           <a:p>
@@ -6575,322 +6573,83 @@
               <a:buNone/>
             </a:pPr>
             <a:r>
-              <a:rPr lang="en-US" b="1" dirty="0">
-                <a:latin typeface="Consolas" panose="020B0609020204030204" pitchFamily="49" charset="0"/>
-                <a:cs typeface="Consolas" panose="020B0609020204030204" pitchFamily="49" charset="0"/>
-              </a:rPr>
-              <a:t>&gt;&gt;&gt; </a:t>
-            </a:r>
-            <a:r>
-              <a:rPr lang="en-US" b="1" dirty="0" err="1">
-                <a:latin typeface="Consolas" panose="020B0609020204030204" pitchFamily="49" charset="0"/>
-                <a:cs typeface="Consolas" panose="020B0609020204030204" pitchFamily="49" charset="0"/>
-              </a:rPr>
-              <a:t>sc</a:t>
-            </a:r>
-            <a:endParaRPr lang="en-US" b="1" dirty="0">
+              <a:rPr lang="en-US" sz="2800" b="1" dirty="0" err="1">
+                <a:solidFill>
+                  <a:srgbClr val="0070C0"/>
+                </a:solidFill>
+                <a:latin typeface="Consolas" panose="020B0609020204030204" pitchFamily="49" charset="0"/>
+                <a:cs typeface="Consolas" panose="020B0609020204030204" pitchFamily="49" charset="0"/>
+              </a:rPr>
+              <a:t>pyspark.SparkContext</a:t>
+            </a:r>
+            <a:endParaRPr lang="en-US" sz="2800" b="1" dirty="0">
+              <a:solidFill>
+                <a:srgbClr val="0070C0"/>
+              </a:solidFill>
               <a:latin typeface="Consolas" panose="020B0609020204030204" pitchFamily="49" charset="0"/>
               <a:cs typeface="Consolas" panose="020B0609020204030204" pitchFamily="49" charset="0"/>
             </a:endParaRPr>
           </a:p>
           <a:p>
-            <a:pPr marL="0" indent="0">
-              <a:buNone/>
-            </a:pPr>
-            <a:r>
-              <a:rPr lang="en-US" b="1" dirty="0">
-                <a:latin typeface="Consolas" panose="020B0609020204030204" pitchFamily="49" charset="0"/>
-                <a:cs typeface="Consolas" panose="020B0609020204030204" pitchFamily="49" charset="0"/>
-              </a:rPr>
-              <a:t>&lt;</a:t>
-            </a:r>
-            <a:r>
-              <a:rPr lang="en-US" b="1" dirty="0" err="1">
+            <a:r>
+              <a:rPr lang="en-US" sz="2400" dirty="0"/>
+              <a:t>A </a:t>
+            </a:r>
+            <a:r>
+              <a:rPr lang="en-US" sz="2400" dirty="0">
+                <a:solidFill>
+                  <a:srgbClr val="0070C0"/>
+                </a:solidFill>
                 <a:latin typeface="Consolas" panose="020B0609020204030204" pitchFamily="49" charset="0"/>
                 <a:cs typeface="Consolas" panose="020B0609020204030204" pitchFamily="49" charset="0"/>
               </a:rPr>
               <a:t>SparkContext</a:t>
             </a:r>
             <a:r>
-              <a:rPr lang="en-US" b="1" dirty="0">
-                <a:latin typeface="Consolas" panose="020B0609020204030204" pitchFamily="49" charset="0"/>
-                <a:cs typeface="Consolas" panose="020B0609020204030204" pitchFamily="49" charset="0"/>
-              </a:rPr>
-              <a:t> master=local[*] </a:t>
-            </a:r>
-            <a:r>
-              <a:rPr lang="en-US" b="1" dirty="0" err="1">
-                <a:latin typeface="Consolas" panose="020B0609020204030204" pitchFamily="49" charset="0"/>
-                <a:cs typeface="Consolas" panose="020B0609020204030204" pitchFamily="49" charset="0"/>
-              </a:rPr>
-              <a:t>appName</a:t>
-            </a:r>
-            <a:r>
-              <a:rPr lang="en-US" b="1" dirty="0">
-                <a:latin typeface="Consolas" panose="020B0609020204030204" pitchFamily="49" charset="0"/>
-                <a:cs typeface="Consolas" panose="020B0609020204030204" pitchFamily="49" charset="0"/>
-              </a:rPr>
-              <a:t>=</a:t>
-            </a:r>
-            <a:r>
-              <a:rPr lang="en-US" b="1" dirty="0" err="1">
-                <a:latin typeface="Consolas" panose="020B0609020204030204" pitchFamily="49" charset="0"/>
-                <a:cs typeface="Consolas" panose="020B0609020204030204" pitchFamily="49" charset="0"/>
-              </a:rPr>
-              <a:t>PySparkShell</a:t>
-            </a:r>
-            <a:r>
-              <a:rPr lang="en-US" b="1" dirty="0">
-                <a:latin typeface="Consolas" panose="020B0609020204030204" pitchFamily="49" charset="0"/>
-                <a:cs typeface="Consolas" panose="020B0609020204030204" pitchFamily="49" charset="0"/>
-              </a:rPr>
-              <a:t>&gt;</a:t>
-            </a:r>
-          </a:p>
-          <a:p>
-            <a:pPr marL="0" indent="0">
-              <a:buNone/>
-            </a:pPr>
-            <a:r>
-              <a:rPr lang="en-US" b="1" dirty="0">
-                <a:latin typeface="Consolas" panose="020B0609020204030204" pitchFamily="49" charset="0"/>
-                <a:cs typeface="Consolas" panose="020B0609020204030204" pitchFamily="49" charset="0"/>
-              </a:rPr>
-              <a:t>&gt;&gt;&gt; numbers = [1, 2, 7, 8, 4, 5, 6, 9]</a:t>
-            </a:r>
-          </a:p>
-          <a:p>
-            <a:pPr marL="0" indent="0">
-              <a:buNone/>
-            </a:pPr>
-            <a:r>
-              <a:rPr lang="en-US" b="1" dirty="0">
-                <a:solidFill>
-                  <a:srgbClr val="00B050"/>
-                </a:solidFill>
-                <a:latin typeface="Consolas" panose="020B0609020204030204" pitchFamily="49" charset="0"/>
-                <a:cs typeface="Consolas" panose="020B0609020204030204" pitchFamily="49" charset="0"/>
-              </a:rPr>
-              <a:t>&gt;&gt;&gt; # create an RDD[Integer]</a:t>
-            </a:r>
-          </a:p>
-          <a:p>
-            <a:pPr marL="0" indent="0">
-              <a:buNone/>
-            </a:pPr>
-            <a:r>
-              <a:rPr lang="en-US" b="1" dirty="0">
-                <a:latin typeface="Consolas" panose="020B0609020204030204" pitchFamily="49" charset="0"/>
-                <a:cs typeface="Consolas" panose="020B0609020204030204" pitchFamily="49" charset="0"/>
-              </a:rPr>
-              <a:t>&gt;&gt;&gt; </a:t>
-            </a:r>
-            <a:r>
-              <a:rPr lang="en-US" b="1" dirty="0" err="1">
-                <a:latin typeface="Consolas" panose="020B0609020204030204" pitchFamily="49" charset="0"/>
-                <a:cs typeface="Consolas" panose="020B0609020204030204" pitchFamily="49" charset="0"/>
-              </a:rPr>
-              <a:t>rdd</a:t>
-            </a:r>
-            <a:r>
-              <a:rPr lang="en-US" b="1" dirty="0">
-                <a:latin typeface="Consolas" panose="020B0609020204030204" pitchFamily="49" charset="0"/>
-                <a:cs typeface="Consolas" panose="020B0609020204030204" pitchFamily="49" charset="0"/>
-              </a:rPr>
-              <a:t> = </a:t>
-            </a:r>
-            <a:r>
-              <a:rPr lang="en-US" b="1" dirty="0" err="1">
-                <a:latin typeface="Consolas" panose="020B0609020204030204" pitchFamily="49" charset="0"/>
-                <a:cs typeface="Consolas" panose="020B0609020204030204" pitchFamily="49" charset="0"/>
-              </a:rPr>
-              <a:t>sc.parallelize</a:t>
-            </a:r>
-            <a:r>
-              <a:rPr lang="en-US" b="1" dirty="0">
-                <a:latin typeface="Consolas" panose="020B0609020204030204" pitchFamily="49" charset="0"/>
-                <a:cs typeface="Consolas" panose="020B0609020204030204" pitchFamily="49" charset="0"/>
-              </a:rPr>
-              <a:t>(numbers)</a:t>
-            </a:r>
-          </a:p>
-          <a:p>
-            <a:pPr marL="0" indent="0">
-              <a:buNone/>
-            </a:pPr>
-            <a:r>
-              <a:rPr lang="en-US" b="1" dirty="0">
-                <a:latin typeface="Consolas" panose="020B0609020204030204" pitchFamily="49" charset="0"/>
-                <a:cs typeface="Consolas" panose="020B0609020204030204" pitchFamily="49" charset="0"/>
-              </a:rPr>
-              <a:t>&gt;&gt;&gt; </a:t>
-            </a:r>
-            <a:r>
-              <a:rPr lang="en-US" b="1" dirty="0" err="1">
-                <a:latin typeface="Consolas" panose="020B0609020204030204" pitchFamily="49" charset="0"/>
-                <a:cs typeface="Consolas" panose="020B0609020204030204" pitchFamily="49" charset="0"/>
-              </a:rPr>
-              <a:t>rdd.count</a:t>
-            </a:r>
-            <a:r>
-              <a:rPr lang="en-US" b="1" dirty="0">
-                <a:latin typeface="Consolas" panose="020B0609020204030204" pitchFamily="49" charset="0"/>
-                <a:cs typeface="Consolas" panose="020B0609020204030204" pitchFamily="49" charset="0"/>
-              </a:rPr>
-              <a:t>()</a:t>
-            </a:r>
-          </a:p>
-          <a:p>
-            <a:pPr marL="0" indent="0">
-              <a:buNone/>
-            </a:pPr>
-            <a:r>
-              <a:rPr lang="en-US" b="1" dirty="0">
-                <a:latin typeface="Consolas" panose="020B0609020204030204" pitchFamily="49" charset="0"/>
-                <a:cs typeface="Consolas" panose="020B0609020204030204" pitchFamily="49" charset="0"/>
-              </a:rPr>
-              <a:t>8</a:t>
-            </a:r>
-          </a:p>
-          <a:p>
-            <a:pPr marL="0" indent="0">
-              <a:buNone/>
-            </a:pPr>
-            <a:r>
-              <a:rPr lang="en-US" b="1" dirty="0">
-                <a:solidFill>
-                  <a:srgbClr val="00B050"/>
-                </a:solidFill>
-                <a:latin typeface="Consolas" panose="020B0609020204030204" pitchFamily="49" charset="0"/>
-                <a:cs typeface="Consolas" panose="020B0609020204030204" pitchFamily="49" charset="0"/>
-              </a:rPr>
-              <a:t>&gt;&gt;&gt; # apply an action</a:t>
-            </a:r>
-          </a:p>
-          <a:p>
-            <a:pPr marL="0" indent="0">
-              <a:buNone/>
-            </a:pPr>
-            <a:r>
-              <a:rPr lang="en-US" b="1" dirty="0">
-                <a:latin typeface="Consolas" panose="020B0609020204030204" pitchFamily="49" charset="0"/>
-                <a:cs typeface="Consolas" panose="020B0609020204030204" pitchFamily="49" charset="0"/>
-              </a:rPr>
-              <a:t>&gt;&gt;&gt; </a:t>
-            </a:r>
-            <a:r>
-              <a:rPr lang="en-US" b="1" dirty="0" err="1">
-                <a:latin typeface="Consolas" panose="020B0609020204030204" pitchFamily="49" charset="0"/>
-                <a:cs typeface="Consolas" panose="020B0609020204030204" pitchFamily="49" charset="0"/>
-              </a:rPr>
-              <a:t>rdd.collect</a:t>
-            </a:r>
-            <a:r>
-              <a:rPr lang="en-US" b="1" dirty="0">
-                <a:latin typeface="Consolas" panose="020B0609020204030204" pitchFamily="49" charset="0"/>
-                <a:cs typeface="Consolas" panose="020B0609020204030204" pitchFamily="49" charset="0"/>
-              </a:rPr>
-              <a:t>()</a:t>
-            </a:r>
-          </a:p>
-          <a:p>
-            <a:pPr marL="0" indent="0">
-              <a:buNone/>
-            </a:pPr>
-            <a:r>
-              <a:rPr lang="en-US" b="1" dirty="0">
-                <a:latin typeface="Consolas" panose="020B0609020204030204" pitchFamily="49" charset="0"/>
-                <a:cs typeface="Consolas" panose="020B0609020204030204" pitchFamily="49" charset="0"/>
-              </a:rPr>
-              <a:t>[1, 2, 7, 8, 4, 5, 6, 9]</a:t>
-            </a:r>
-          </a:p>
-          <a:p>
-            <a:pPr marL="0" indent="0">
-              <a:buNone/>
-            </a:pPr>
-            <a:r>
-              <a:rPr lang="en-US" b="1" dirty="0">
-                <a:solidFill>
-                  <a:srgbClr val="00B050"/>
-                </a:solidFill>
-                <a:latin typeface="Consolas" panose="020B0609020204030204" pitchFamily="49" charset="0"/>
-                <a:cs typeface="Consolas" panose="020B0609020204030204" pitchFamily="49" charset="0"/>
-              </a:rPr>
-              <a:t>&gt;&gt;&gt; # apply an action</a:t>
-            </a:r>
-          </a:p>
-          <a:p>
-            <a:pPr marL="0" indent="0">
-              <a:buNone/>
-            </a:pPr>
-            <a:r>
-              <a:rPr lang="en-US" b="1" dirty="0">
-                <a:latin typeface="Consolas" panose="020B0609020204030204" pitchFamily="49" charset="0"/>
-                <a:cs typeface="Consolas" panose="020B0609020204030204" pitchFamily="49" charset="0"/>
-              </a:rPr>
-              <a:t>&gt;&gt;&gt; total = </a:t>
-            </a:r>
-            <a:r>
-              <a:rPr lang="en-US" b="1" dirty="0" err="1">
-                <a:latin typeface="Consolas" panose="020B0609020204030204" pitchFamily="49" charset="0"/>
-                <a:cs typeface="Consolas" panose="020B0609020204030204" pitchFamily="49" charset="0"/>
-              </a:rPr>
-              <a:t>rdd.reduce</a:t>
-            </a:r>
-            <a:r>
-              <a:rPr lang="en-US" b="1" dirty="0">
-                <a:latin typeface="Consolas" panose="020B0609020204030204" pitchFamily="49" charset="0"/>
-                <a:cs typeface="Consolas" panose="020B0609020204030204" pitchFamily="49" charset="0"/>
-              </a:rPr>
-              <a:t>(lambda x, y: </a:t>
-            </a:r>
-            <a:r>
-              <a:rPr lang="en-US" b="1" dirty="0" err="1">
-                <a:latin typeface="Consolas" panose="020B0609020204030204" pitchFamily="49" charset="0"/>
-                <a:cs typeface="Consolas" panose="020B0609020204030204" pitchFamily="49" charset="0"/>
-              </a:rPr>
-              <a:t>x+y</a:t>
-            </a:r>
-            <a:r>
-              <a:rPr lang="en-US" b="1" dirty="0">
-                <a:latin typeface="Consolas" panose="020B0609020204030204" pitchFamily="49" charset="0"/>
-                <a:cs typeface="Consolas" panose="020B0609020204030204" pitchFamily="49" charset="0"/>
-              </a:rPr>
-              <a:t>)</a:t>
-            </a:r>
-          </a:p>
-          <a:p>
-            <a:pPr marL="0" indent="0">
-              <a:buNone/>
-            </a:pPr>
-            <a:r>
-              <a:rPr lang="en-US" b="1" dirty="0">
-                <a:latin typeface="Consolas" panose="020B0609020204030204" pitchFamily="49" charset="0"/>
-                <a:cs typeface="Consolas" panose="020B0609020204030204" pitchFamily="49" charset="0"/>
-              </a:rPr>
-              <a:t>&gt;&gt;&gt; total</a:t>
-            </a:r>
-          </a:p>
-          <a:p>
-            <a:pPr marL="0" indent="0">
-              <a:buNone/>
-            </a:pPr>
-            <a:r>
-              <a:rPr lang="en-US" b="1" dirty="0">
-                <a:latin typeface="Consolas" panose="020B0609020204030204" pitchFamily="49" charset="0"/>
-                <a:cs typeface="Consolas" panose="020B0609020204030204" pitchFamily="49" charset="0"/>
-              </a:rPr>
-              <a:t>42</a:t>
-            </a:r>
-            <a:endParaRPr lang="en-US" sz="2400" dirty="0"/>
+              <a:rPr lang="en-US" sz="2400" dirty="0"/>
+              <a:t> </a:t>
+            </a:r>
+            <a:r>
+              <a:rPr lang="en-US" sz="2400" b="1" dirty="0"/>
+              <a:t>represents the connection to a Spark cluster</a:t>
+            </a:r>
+          </a:p>
+          <a:p>
+            <a:r>
+              <a:rPr lang="en-US" sz="2400" b="1" dirty="0"/>
+              <a:t>Can be used to create RDDs, accumulators and broadcast variables on that cluster</a:t>
+            </a:r>
+            <a:r>
+              <a:rPr lang="en-US" sz="2400" dirty="0"/>
+              <a:t>.</a:t>
+            </a:r>
+          </a:p>
+          <a:p>
+            <a:r>
+              <a:rPr lang="en-US" sz="2400" dirty="0"/>
+              <a:t>Only one </a:t>
+            </a:r>
+            <a:r>
+              <a:rPr lang="en-US" sz="2400" dirty="0">
+                <a:solidFill>
+                  <a:srgbClr val="0070C0"/>
+                </a:solidFill>
+                <a:latin typeface="Consolas" panose="020B0609020204030204" pitchFamily="49" charset="0"/>
+                <a:cs typeface="Consolas" panose="020B0609020204030204" pitchFamily="49" charset="0"/>
+              </a:rPr>
+              <a:t>SparkContext</a:t>
+            </a:r>
+            <a:r>
+              <a:rPr lang="en-US" sz="2400" dirty="0"/>
+              <a:t> should be active per JVM. </a:t>
+            </a:r>
           </a:p>
         </p:txBody>
       </p:sp>
     </p:spTree>
     <p:extLst>
       <p:ext uri="{BB962C8B-B14F-4D97-AF65-F5344CB8AC3E}">
-        <p14:creationId xmlns:p14="http://schemas.microsoft.com/office/powerpoint/2010/main" val="1635471185"/>
+        <p14:creationId xmlns:p14="http://schemas.microsoft.com/office/powerpoint/2010/main" val="505459497"/>
       </p:ext>
     </p:extLst>
   </p:cSld>
@@ -6933,26 +6692,21 @@
             <p:ph type="title"/>
           </p:nvPr>
         </p:nvSpPr>
-        <p:spPr/>
-        <p:txBody>
-          <a:bodyPr/>
+        <p:spPr>
+          <a:xfrm>
+            <a:off x="628650" y="273845"/>
+            <a:ext cx="7886700" cy="518636"/>
+          </a:xfrm>
+        </p:spPr>
+        <p:txBody>
+          <a:bodyPr>
+            <a:normAutofit fontScale="90000"/>
+          </a:bodyPr>
           <a:lstStyle/>
           <a:p>
             <a:r>
               <a:rPr lang="en-US" dirty="0"/>
-              <a:t>What is </a:t>
-            </a:r>
-            <a:r>
-              <a:rPr lang="en-US" dirty="0" err="1">
-                <a:solidFill>
-                  <a:srgbClr val="0070C0"/>
-                </a:solidFill>
-              </a:rPr>
-              <a:t>SparkSession</a:t>
-            </a:r>
-            <a:r>
-              <a:rPr lang="en-US" dirty="0"/>
-              <a:t>?</a:t>
+              <a:t>SparkContext Usage</a:t>
             </a:r>
           </a:p>
         </p:txBody>
@@ -6975,13 +6729,13 @@
         </p:nvSpPr>
         <p:spPr>
           <a:xfrm>
-            <a:off x="628650" y="1179095"/>
-            <a:ext cx="7886700" cy="3532242"/>
+            <a:off x="628650" y="792481"/>
+            <a:ext cx="7886700" cy="3918856"/>
           </a:xfrm>
         </p:spPr>
         <p:txBody>
           <a:bodyPr>
-            <a:normAutofit/>
+            <a:normAutofit fontScale="70000" lnSpcReduction="20000"/>
           </a:bodyPr>
           <a:lstStyle/>
           <a:p>
@@ -6989,19 +6743,20 @@
               <a:buNone/>
             </a:pPr>
             <a:r>
-              <a:rPr lang="en-US" sz="2800" dirty="0" err="1">
-                <a:solidFill>
-                  <a:srgbClr val="0070C0"/>
-                </a:solidFill>
-                <a:latin typeface="Consolas" panose="020B0609020204030204" pitchFamily="49" charset="0"/>
-                <a:cs typeface="Consolas" panose="020B0609020204030204" pitchFamily="49" charset="0"/>
-              </a:rPr>
-              <a:t>pyspark.sql.SparkSession</a:t>
-            </a:r>
-            <a:endParaRPr lang="en-US" sz="2800" dirty="0">
-              <a:solidFill>
-                <a:srgbClr val="0070C0"/>
-              </a:solidFill>
+              <a:rPr lang="en-US" b="1" dirty="0">
+                <a:latin typeface="Consolas" panose="020B0609020204030204" pitchFamily="49" charset="0"/>
+                <a:cs typeface="Consolas" panose="020B0609020204030204" pitchFamily="49" charset="0"/>
+              </a:rPr>
+              <a:t>&gt;&gt;&gt; </a:t>
+            </a:r>
+            <a:r>
+              <a:rPr lang="en-US" b="1" dirty="0" err="1">
+                <a:latin typeface="Consolas" panose="020B0609020204030204" pitchFamily="49" charset="0"/>
+                <a:cs typeface="Consolas" panose="020B0609020204030204" pitchFamily="49" charset="0"/>
+              </a:rPr>
+              <a:t>sc</a:t>
+            </a:r>
+            <a:endParaRPr lang="en-US" b="1" dirty="0">
               <a:latin typeface="Consolas" panose="020B0609020204030204" pitchFamily="49" charset="0"/>
               <a:cs typeface="Consolas" panose="020B0609020204030204" pitchFamily="49" charset="0"/>
             </a:endParaRPr>
@@ -7011,33 +6766,285 @@
               <a:buNone/>
             </a:pPr>
             <a:r>
-              <a:rPr lang="en-US" sz="2800" dirty="0" err="1">
-                <a:solidFill>
-                  <a:srgbClr val="0070C0"/>
-                </a:solidFill>
-              </a:rPr>
-              <a:t>SparkSession</a:t>
-            </a:r>
-            <a:r>
-              <a:rPr lang="en-US" sz="2800" dirty="0"/>
-              <a:t> is the entry point to programming Spark with the Dataset and </a:t>
-            </a:r>
-            <a:r>
-              <a:rPr lang="en-US" sz="2800" dirty="0" err="1"/>
-              <a:t>DataFrame</a:t>
-            </a:r>
-            <a:r>
-              <a:rPr lang="en-US" sz="2800" dirty="0"/>
-              <a:t> API.</a:t>
-            </a:r>
-            <a:endParaRPr lang="en-US" sz="3200" dirty="0"/>
+              <a:rPr lang="en-US" b="1" dirty="0">
+                <a:latin typeface="Consolas" panose="020B0609020204030204" pitchFamily="49" charset="0"/>
+                <a:cs typeface="Consolas" panose="020B0609020204030204" pitchFamily="49" charset="0"/>
+              </a:rPr>
+              <a:t>&lt;SparkContext master=local[*] </a:t>
+            </a:r>
+            <a:r>
+              <a:rPr lang="en-US" b="1" dirty="0" err="1">
+                <a:latin typeface="Consolas" panose="020B0609020204030204" pitchFamily="49" charset="0"/>
+                <a:cs typeface="Consolas" panose="020B0609020204030204" pitchFamily="49" charset="0"/>
+              </a:rPr>
+              <a:t>appName</a:t>
+            </a:r>
+            <a:r>
+              <a:rPr lang="en-US" b="1" dirty="0">
+                <a:latin typeface="Consolas" panose="020B0609020204030204" pitchFamily="49" charset="0"/>
+                <a:cs typeface="Consolas" panose="020B0609020204030204" pitchFamily="49" charset="0"/>
+              </a:rPr>
+              <a:t>=</a:t>
+            </a:r>
+            <a:r>
+              <a:rPr lang="en-US" b="1" dirty="0" err="1">
+                <a:latin typeface="Consolas" panose="020B0609020204030204" pitchFamily="49" charset="0"/>
+                <a:cs typeface="Consolas" panose="020B0609020204030204" pitchFamily="49" charset="0"/>
+              </a:rPr>
+              <a:t>PySparkShell</a:t>
+            </a:r>
+            <a:r>
+              <a:rPr lang="en-US" b="1" dirty="0">
+                <a:latin typeface="Consolas" panose="020B0609020204030204" pitchFamily="49" charset="0"/>
+                <a:cs typeface="Consolas" panose="020B0609020204030204" pitchFamily="49" charset="0"/>
+              </a:rPr>
+              <a:t>&gt;</a:t>
+            </a:r>
+          </a:p>
+          <a:p>
+            <a:pPr marL="0" indent="0">
+              <a:buNone/>
+            </a:pPr>
+            <a:r>
+              <a:rPr lang="en-US" b="1" dirty="0">
+                <a:latin typeface="Consolas" panose="020B0609020204030204" pitchFamily="49" charset="0"/>
+                <a:cs typeface="Consolas" panose="020B0609020204030204" pitchFamily="49" charset="0"/>
+              </a:rPr>
+              <a:t>&gt;&gt;&gt; numbers = [1, 2, 7, 8, 4, 5, 6, 9]</a:t>
+            </a:r>
+          </a:p>
+          <a:p>
+            <a:pPr marL="0" indent="0">
+              <a:buNone/>
+            </a:pPr>
+            <a:r>
+              <a:rPr lang="en-US" b="1" dirty="0">
+                <a:solidFill>
+                  <a:srgbClr val="00B050"/>
+                </a:solidFill>
+                <a:latin typeface="Consolas" panose="020B0609020204030204" pitchFamily="49" charset="0"/>
+                <a:cs typeface="Consolas" panose="020B0609020204030204" pitchFamily="49" charset="0"/>
+              </a:rPr>
+              <a:t>&gt;&gt;&gt; # create an RDD[Integer]</a:t>
+            </a:r>
+          </a:p>
+          <a:p>
+            <a:pPr marL="0" indent="0">
+              <a:buNone/>
+            </a:pPr>
+            <a:r>
+              <a:rPr lang="en-US" b="1" dirty="0">
+                <a:latin typeface="Consolas" panose="020B0609020204030204" pitchFamily="49" charset="0"/>
+                <a:cs typeface="Consolas" panose="020B0609020204030204" pitchFamily="49" charset="0"/>
+              </a:rPr>
+              <a:t>&gt;&gt;&gt; </a:t>
+            </a:r>
+            <a:r>
+              <a:rPr lang="en-US" b="1" dirty="0" err="1">
+                <a:latin typeface="Consolas" panose="020B0609020204030204" pitchFamily="49" charset="0"/>
+                <a:cs typeface="Consolas" panose="020B0609020204030204" pitchFamily="49" charset="0"/>
+              </a:rPr>
+              <a:t>rdd</a:t>
+            </a:r>
+            <a:r>
+              <a:rPr lang="en-US" b="1" dirty="0">
+                <a:latin typeface="Consolas" panose="020B0609020204030204" pitchFamily="49" charset="0"/>
+                <a:cs typeface="Consolas" panose="020B0609020204030204" pitchFamily="49" charset="0"/>
+              </a:rPr>
+              <a:t> = </a:t>
+            </a:r>
+            <a:r>
+              <a:rPr lang="en-US" b="1" dirty="0" err="1">
+                <a:latin typeface="Consolas" panose="020B0609020204030204" pitchFamily="49" charset="0"/>
+                <a:cs typeface="Consolas" panose="020B0609020204030204" pitchFamily="49" charset="0"/>
+              </a:rPr>
+              <a:t>sc.parallelize</a:t>
+            </a:r>
+            <a:r>
+              <a:rPr lang="en-US" b="1" dirty="0">
+                <a:latin typeface="Consolas" panose="020B0609020204030204" pitchFamily="49" charset="0"/>
+                <a:cs typeface="Consolas" panose="020B0609020204030204" pitchFamily="49" charset="0"/>
+              </a:rPr>
+              <a:t>(numbers)</a:t>
+            </a:r>
+          </a:p>
+          <a:p>
+            <a:pPr marL="0" indent="0">
+              <a:buNone/>
+            </a:pPr>
+            <a:r>
+              <a:rPr lang="en-US" b="1" dirty="0">
+                <a:latin typeface="Consolas" panose="020B0609020204030204" pitchFamily="49" charset="0"/>
+                <a:cs typeface="Consolas" panose="020B0609020204030204" pitchFamily="49" charset="0"/>
+              </a:rPr>
+              <a:t>&gt;&gt;&gt; </a:t>
+            </a:r>
+            <a:r>
+              <a:rPr lang="en-US" b="1" dirty="0" err="1">
+                <a:latin typeface="Consolas" panose="020B0609020204030204" pitchFamily="49" charset="0"/>
+                <a:cs typeface="Consolas" panose="020B0609020204030204" pitchFamily="49" charset="0"/>
+              </a:rPr>
+              <a:t>rdd.count</a:t>
+            </a:r>
+            <a:r>
+              <a:rPr lang="en-US" b="1" dirty="0">
+                <a:latin typeface="Consolas" panose="020B0609020204030204" pitchFamily="49" charset="0"/>
+                <a:cs typeface="Consolas" panose="020B0609020204030204" pitchFamily="49" charset="0"/>
+              </a:rPr>
+              <a:t>()</a:t>
+            </a:r>
+          </a:p>
+          <a:p>
+            <a:pPr marL="0" indent="0">
+              <a:buNone/>
+            </a:pPr>
+            <a:r>
+              <a:rPr lang="en-US" b="1" dirty="0">
+                <a:latin typeface="Consolas" panose="020B0609020204030204" pitchFamily="49" charset="0"/>
+                <a:cs typeface="Consolas" panose="020B0609020204030204" pitchFamily="49" charset="0"/>
+              </a:rPr>
+              <a:t>8</a:t>
+            </a:r>
+          </a:p>
+          <a:p>
+            <a:pPr marL="0" indent="0">
+              <a:buNone/>
+            </a:pPr>
+            <a:r>
+              <a:rPr lang="en-US" b="1" dirty="0">
+                <a:solidFill>
+                  <a:srgbClr val="00B050"/>
+                </a:solidFill>
+                <a:latin typeface="Consolas" panose="020B0609020204030204" pitchFamily="49" charset="0"/>
+                <a:cs typeface="Consolas" panose="020B0609020204030204" pitchFamily="49" charset="0"/>
+              </a:rPr>
+              <a:t>&gt;&gt;&gt; # apply an action</a:t>
+            </a:r>
+          </a:p>
+          <a:p>
+            <a:pPr marL="0" indent="0">
+              <a:buNone/>
+            </a:pPr>
+            <a:r>
+              <a:rPr lang="en-US" b="1" dirty="0">
+                <a:latin typeface="Consolas" panose="020B0609020204030204" pitchFamily="49" charset="0"/>
+                <a:cs typeface="Consolas" panose="020B0609020204030204" pitchFamily="49" charset="0"/>
+              </a:rPr>
+              <a:t>&gt;&gt;&gt; </a:t>
+            </a:r>
+            <a:r>
+              <a:rPr lang="en-US" b="1" dirty="0" err="1">
+                <a:latin typeface="Consolas" panose="020B0609020204030204" pitchFamily="49" charset="0"/>
+                <a:cs typeface="Consolas" panose="020B0609020204030204" pitchFamily="49" charset="0"/>
+              </a:rPr>
+              <a:t>rdd.collect</a:t>
+            </a:r>
+            <a:r>
+              <a:rPr lang="en-US" b="1" dirty="0">
+                <a:latin typeface="Consolas" panose="020B0609020204030204" pitchFamily="49" charset="0"/>
+                <a:cs typeface="Consolas" panose="020B0609020204030204" pitchFamily="49" charset="0"/>
+              </a:rPr>
+              <a:t>()</a:t>
+            </a:r>
+          </a:p>
+          <a:p>
+            <a:pPr marL="0" indent="0">
+              <a:buNone/>
+            </a:pPr>
+            <a:r>
+              <a:rPr lang="en-US" b="1" dirty="0">
+                <a:latin typeface="Consolas" panose="020B0609020204030204" pitchFamily="49" charset="0"/>
+                <a:cs typeface="Consolas" panose="020B0609020204030204" pitchFamily="49" charset="0"/>
+              </a:rPr>
+              <a:t>[1, 2, 7, 8, 4, 5, 6, 9]</a:t>
+            </a:r>
+          </a:p>
+          <a:p>
+            <a:pPr marL="0" indent="0">
+              <a:buNone/>
+            </a:pPr>
+            <a:r>
+              <a:rPr lang="en-US" b="1" dirty="0">
+                <a:solidFill>
+                  <a:srgbClr val="00B050"/>
+                </a:solidFill>
+                <a:latin typeface="Consolas" panose="020B0609020204030204" pitchFamily="49" charset="0"/>
+                <a:cs typeface="Consolas" panose="020B0609020204030204" pitchFamily="49" charset="0"/>
+              </a:rPr>
+              <a:t>&gt;&gt;&gt; # apply an action</a:t>
+            </a:r>
+          </a:p>
+          <a:p>
+            <a:pPr marL="0" indent="0">
+              <a:buNone/>
+            </a:pPr>
+            <a:r>
+              <a:rPr lang="en-US" b="1" dirty="0">
+                <a:latin typeface="Consolas" panose="020B0609020204030204" pitchFamily="49" charset="0"/>
+                <a:cs typeface="Consolas" panose="020B0609020204030204" pitchFamily="49" charset="0"/>
+              </a:rPr>
+              <a:t>&gt;&gt;&gt; total = </a:t>
+            </a:r>
+            <a:r>
+              <a:rPr lang="en-US" b="1" dirty="0" err="1">
+                <a:latin typeface="Consolas" panose="020B0609020204030204" pitchFamily="49" charset="0"/>
+                <a:cs typeface="Consolas" panose="020B0609020204030204" pitchFamily="49" charset="0"/>
+              </a:rPr>
+              <a:t>rdd.reduce</a:t>
+            </a:r>
+            <a:r>
+              <a:rPr lang="en-US" b="1" dirty="0">
+                <a:latin typeface="Consolas" panose="020B0609020204030204" pitchFamily="49" charset="0"/>
+                <a:cs typeface="Consolas" panose="020B0609020204030204" pitchFamily="49" charset="0"/>
+              </a:rPr>
+              <a:t>(lambda x, y: </a:t>
+            </a:r>
+            <a:r>
+              <a:rPr lang="en-US" b="1" dirty="0" err="1">
+                <a:latin typeface="Consolas" panose="020B0609020204030204" pitchFamily="49" charset="0"/>
+                <a:cs typeface="Consolas" panose="020B0609020204030204" pitchFamily="49" charset="0"/>
+              </a:rPr>
+              <a:t>x+y</a:t>
+            </a:r>
+            <a:r>
+              <a:rPr lang="en-US" b="1" dirty="0">
+                <a:latin typeface="Consolas" panose="020B0609020204030204" pitchFamily="49" charset="0"/>
+                <a:cs typeface="Consolas" panose="020B0609020204030204" pitchFamily="49" charset="0"/>
+              </a:rPr>
+              <a:t>)</a:t>
+            </a:r>
+          </a:p>
+          <a:p>
+            <a:pPr marL="0" indent="0">
+              <a:buNone/>
+            </a:pPr>
+            <a:r>
+              <a:rPr lang="en-US" b="1" dirty="0">
+                <a:latin typeface="Consolas" panose="020B0609020204030204" pitchFamily="49" charset="0"/>
+                <a:cs typeface="Consolas" panose="020B0609020204030204" pitchFamily="49" charset="0"/>
+              </a:rPr>
+              <a:t>&gt;&gt;&gt; total</a:t>
+            </a:r>
+          </a:p>
+          <a:p>
+            <a:pPr marL="0" indent="0">
+              <a:buNone/>
+            </a:pPr>
+            <a:r>
+              <a:rPr lang="en-US" b="1" dirty="0">
+                <a:latin typeface="Consolas" panose="020B0609020204030204" pitchFamily="49" charset="0"/>
+                <a:cs typeface="Consolas" panose="020B0609020204030204" pitchFamily="49" charset="0"/>
+              </a:rPr>
+              <a:t>42</a:t>
+            </a:r>
+            <a:endParaRPr lang="en-US" sz="2400" dirty="0"/>
           </a:p>
         </p:txBody>
       </p:sp>
     </p:spTree>
     <p:extLst>
       <p:ext uri="{BB962C8B-B14F-4D97-AF65-F5344CB8AC3E}">
-        <p14:creationId xmlns:p14="http://schemas.microsoft.com/office/powerpoint/2010/main" val="1714110119"/>
+        <p14:creationId xmlns:p14="http://schemas.microsoft.com/office/powerpoint/2010/main" val="1635471185"/>
       </p:ext>
     </p:extLst>
   </p:cSld>
@@ -7082,8 +7089,8 @@
         </p:nvSpPr>
         <p:spPr>
           <a:xfrm>
-            <a:off x="628650" y="156755"/>
-            <a:ext cx="7886700" cy="418011"/>
+            <a:off x="628650" y="273845"/>
+            <a:ext cx="7886700" cy="454288"/>
           </a:xfrm>
         </p:spPr>
         <p:txBody>
@@ -7093,12 +7100,8 @@
           <a:lstStyle/>
           <a:p>
             <a:r>
-              <a:rPr lang="en-US" dirty="0" err="1"/>
-              <a:t>SparkSession</a:t>
-            </a:r>
-            <a:r>
               <a:rPr lang="en-US" dirty="0"/>
-              <a:t> Usage</a:t>
+              <a:t>SparkContext Usage</a:t>
             </a:r>
           </a:p>
         </p:txBody>
@@ -7121,13 +7124,13 @@
         </p:nvSpPr>
         <p:spPr>
           <a:xfrm>
-            <a:off x="628650" y="478972"/>
-            <a:ext cx="7886700" cy="4319452"/>
+            <a:off x="628650" y="635000"/>
+            <a:ext cx="7886700" cy="4076337"/>
           </a:xfrm>
         </p:spPr>
         <p:txBody>
           <a:bodyPr>
-            <a:noAutofit/>
+            <a:normAutofit fontScale="55000" lnSpcReduction="20000"/>
           </a:bodyPr>
           <a:lstStyle/>
           <a:p>
@@ -7135,102 +7138,20 @@
               <a:buNone/>
             </a:pPr>
             <a:r>
-              <a:rPr lang="en-US" sz="1200" dirty="0">
-                <a:solidFill>
-                  <a:srgbClr val="00B050"/>
-                </a:solidFill>
-                <a:latin typeface="Consolas" panose="020B0609020204030204" pitchFamily="49" charset="0"/>
-                <a:cs typeface="Consolas" panose="020B0609020204030204" pitchFamily="49" charset="0"/>
-              </a:rPr>
-              <a:t>&gt;&gt;&gt; # </a:t>
-            </a:r>
-            <a:r>
-              <a:rPr lang="en-US" sz="1200" dirty="0" err="1">
-                <a:solidFill>
-                  <a:srgbClr val="00B050"/>
-                </a:solidFill>
-                <a:latin typeface="Consolas" panose="020B0609020204030204" pitchFamily="49" charset="0"/>
-                <a:cs typeface="Consolas" panose="020B0609020204030204" pitchFamily="49" charset="0"/>
-              </a:rPr>
-              <a:t>SparkSession</a:t>
-            </a:r>
-            <a:r>
-              <a:rPr lang="en-US" sz="1200" dirty="0">
-                <a:solidFill>
-                  <a:srgbClr val="00B050"/>
-                </a:solidFill>
-                <a:latin typeface="Consolas" panose="020B0609020204030204" pitchFamily="49" charset="0"/>
-                <a:cs typeface="Consolas" panose="020B0609020204030204" pitchFamily="49" charset="0"/>
-              </a:rPr>
-              <a:t> available as 'spark'.</a:t>
-            </a:r>
-          </a:p>
-          <a:p>
-            <a:pPr marL="0" indent="0">
-              <a:buNone/>
-            </a:pPr>
-            <a:r>
-              <a:rPr lang="en-US" sz="1200" dirty="0">
-                <a:latin typeface="Consolas" panose="020B0609020204030204" pitchFamily="49" charset="0"/>
-                <a:cs typeface="Consolas" panose="020B0609020204030204" pitchFamily="49" charset="0"/>
-              </a:rPr>
-              <a:t>&gt;&gt;&gt; pairs = [("A", 10), ("A", 20), ("B", 30)]</a:t>
-            </a:r>
-          </a:p>
-          <a:p>
-            <a:pPr marL="0" indent="0">
-              <a:buNone/>
-            </a:pPr>
-            <a:r>
-              <a:rPr lang="en-US" sz="1200" dirty="0">
+              <a:rPr lang="en-US" b="1" dirty="0">
                 <a:latin typeface="Consolas" panose="020B0609020204030204" pitchFamily="49" charset="0"/>
                 <a:cs typeface="Consolas" panose="020B0609020204030204" pitchFamily="49" charset="0"/>
               </a:rPr>
               <a:t>&gt;&gt;&gt; </a:t>
             </a:r>
             <a:r>
-              <a:rPr lang="en-US" sz="1200" dirty="0" err="1">
-                <a:latin typeface="Consolas" panose="020B0609020204030204" pitchFamily="49" charset="0"/>
-                <a:cs typeface="Consolas" panose="020B0609020204030204" pitchFamily="49" charset="0"/>
-              </a:rPr>
-              <a:t>column_names</a:t>
-            </a:r>
-            <a:r>
-              <a:rPr lang="en-US" sz="1200" dirty="0">
-                <a:latin typeface="Consolas" panose="020B0609020204030204" pitchFamily="49" charset="0"/>
-                <a:cs typeface="Consolas" panose="020B0609020204030204" pitchFamily="49" charset="0"/>
-              </a:rPr>
-              <a:t> = ("key", "value")</a:t>
-            </a:r>
-          </a:p>
-          <a:p>
-            <a:pPr marL="0" indent="0">
-              <a:buNone/>
-            </a:pPr>
-            <a:r>
-              <a:rPr lang="en-US" sz="1200" dirty="0">
-                <a:solidFill>
-                  <a:srgbClr val="00B050"/>
-                </a:solidFill>
-                <a:latin typeface="Consolas" panose="020B0609020204030204" pitchFamily="49" charset="0"/>
-                <a:cs typeface="Consolas" panose="020B0609020204030204" pitchFamily="49" charset="0"/>
-              </a:rPr>
-              <a:t>&gt;&gt;&gt; # create a </a:t>
-            </a:r>
-            <a:r>
-              <a:rPr lang="en-US" sz="1200" dirty="0" err="1">
-                <a:solidFill>
-                  <a:srgbClr val="00B050"/>
-                </a:solidFill>
-                <a:latin typeface="Consolas" panose="020B0609020204030204" pitchFamily="49" charset="0"/>
-                <a:cs typeface="Consolas" panose="020B0609020204030204" pitchFamily="49" charset="0"/>
-              </a:rPr>
-              <a:t>DataFrame</a:t>
-            </a:r>
-            <a:endParaRPr lang="en-US" sz="1200" dirty="0">
-              <a:solidFill>
-                <a:srgbClr val="00B050"/>
-              </a:solidFill>
+              <a:rPr lang="en-US" b="1" dirty="0" err="1">
+                <a:latin typeface="Consolas" panose="020B0609020204030204" pitchFamily="49" charset="0"/>
+                <a:cs typeface="Consolas" panose="020B0609020204030204" pitchFamily="49" charset="0"/>
+              </a:rPr>
+              <a:t>sc</a:t>
+            </a:r>
+            <a:endParaRPr lang="en-US" b="1" dirty="0">
               <a:latin typeface="Consolas" panose="020B0609020204030204" pitchFamily="49" charset="0"/>
               <a:cs typeface="Consolas" panose="020B0609020204030204" pitchFamily="49" charset="0"/>
             </a:endParaRPr>
@@ -7240,35 +7161,312 @@
               <a:buNone/>
             </a:pPr>
             <a:r>
-              <a:rPr lang="en-US" sz="1200" dirty="0">
-                <a:latin typeface="Consolas" panose="020B0609020204030204" pitchFamily="49" charset="0"/>
-                <a:cs typeface="Consolas" panose="020B0609020204030204" pitchFamily="49" charset="0"/>
-              </a:rPr>
-              <a:t>&gt;&gt;&gt; df = </a:t>
-            </a:r>
-            <a:r>
-              <a:rPr lang="en-US" sz="1200" dirty="0" err="1">
-                <a:latin typeface="Consolas" panose="020B0609020204030204" pitchFamily="49" charset="0"/>
-                <a:cs typeface="Consolas" panose="020B0609020204030204" pitchFamily="49" charset="0"/>
-              </a:rPr>
-              <a:t>spark.createDataFrame</a:t>
-            </a:r>
-            <a:r>
-              <a:rPr lang="en-US" sz="1200" dirty="0">
-                <a:latin typeface="Consolas" panose="020B0609020204030204" pitchFamily="49" charset="0"/>
-                <a:cs typeface="Consolas" panose="020B0609020204030204" pitchFamily="49" charset="0"/>
-              </a:rPr>
-              <a:t>(pairs, </a:t>
-            </a:r>
-            <a:r>
-              <a:rPr lang="en-US" sz="1200" dirty="0" err="1">
-                <a:latin typeface="Consolas" panose="020B0609020204030204" pitchFamily="49" charset="0"/>
-                <a:cs typeface="Consolas" panose="020B0609020204030204" pitchFamily="49" charset="0"/>
-              </a:rPr>
-              <a:t>column_names</a:t>
-            </a:r>
-            <a:r>
-              <a:rPr lang="en-US" sz="1200" dirty="0">
+              <a:rPr lang="en-US" b="1" dirty="0">
+                <a:latin typeface="Consolas" panose="020B0609020204030204" pitchFamily="49" charset="0"/>
+                <a:cs typeface="Consolas" panose="020B0609020204030204" pitchFamily="49" charset="0"/>
+              </a:rPr>
+              <a:t>&lt;SparkContext master=local[*] </a:t>
+            </a:r>
+            <a:r>
+              <a:rPr lang="en-US" b="1" dirty="0" err="1">
+                <a:latin typeface="Consolas" panose="020B0609020204030204" pitchFamily="49" charset="0"/>
+                <a:cs typeface="Consolas" panose="020B0609020204030204" pitchFamily="49" charset="0"/>
+              </a:rPr>
+              <a:t>appName</a:t>
+            </a:r>
+            <a:r>
+              <a:rPr lang="en-US" b="1" dirty="0">
+                <a:latin typeface="Consolas" panose="020B0609020204030204" pitchFamily="49" charset="0"/>
+                <a:cs typeface="Consolas" panose="020B0609020204030204" pitchFamily="49" charset="0"/>
+              </a:rPr>
+              <a:t>=</a:t>
+            </a:r>
+            <a:r>
+              <a:rPr lang="en-US" b="1" dirty="0" err="1">
+                <a:latin typeface="Consolas" panose="020B0609020204030204" pitchFamily="49" charset="0"/>
+                <a:cs typeface="Consolas" panose="020B0609020204030204" pitchFamily="49" charset="0"/>
+              </a:rPr>
+              <a:t>PySparkShell</a:t>
+            </a:r>
+            <a:r>
+              <a:rPr lang="en-US" b="1" dirty="0">
+                <a:latin typeface="Consolas" panose="020B0609020204030204" pitchFamily="49" charset="0"/>
+                <a:cs typeface="Consolas" panose="020B0609020204030204" pitchFamily="49" charset="0"/>
+              </a:rPr>
+              <a:t>&gt;</a:t>
+            </a:r>
+          </a:p>
+          <a:p>
+            <a:pPr marL="0" indent="0">
+              <a:buNone/>
+            </a:pPr>
+            <a:r>
+              <a:rPr lang="en-US" b="1" dirty="0">
+                <a:latin typeface="Consolas" panose="020B0609020204030204" pitchFamily="49" charset="0"/>
+                <a:cs typeface="Consolas" panose="020B0609020204030204" pitchFamily="49" charset="0"/>
+              </a:rPr>
+              <a:t>&gt;&gt;&gt; numbers = [0, 1, 2, 7, -8, -4, -5, -6, 9]</a:t>
+            </a:r>
+          </a:p>
+          <a:p>
+            <a:pPr marL="0" indent="0">
+              <a:buNone/>
+            </a:pPr>
+            <a:r>
+              <a:rPr lang="en-US" b="1" dirty="0">
+                <a:solidFill>
+                  <a:srgbClr val="00B050"/>
+                </a:solidFill>
+                <a:latin typeface="Consolas" panose="020B0609020204030204" pitchFamily="49" charset="0"/>
+                <a:cs typeface="Consolas" panose="020B0609020204030204" pitchFamily="49" charset="0"/>
+              </a:rPr>
+              <a:t>&gt;&gt;&gt; # create an RDD[Integer]</a:t>
+            </a:r>
+          </a:p>
+          <a:p>
+            <a:pPr marL="0" indent="0">
+              <a:buNone/>
+            </a:pPr>
+            <a:r>
+              <a:rPr lang="en-US" b="1" dirty="0">
+                <a:latin typeface="Consolas" panose="020B0609020204030204" pitchFamily="49" charset="0"/>
+                <a:cs typeface="Consolas" panose="020B0609020204030204" pitchFamily="49" charset="0"/>
+              </a:rPr>
+              <a:t>&gt;&gt;&gt; </a:t>
+            </a:r>
+            <a:r>
+              <a:rPr lang="en-US" b="1" dirty="0" err="1">
+                <a:latin typeface="Consolas" panose="020B0609020204030204" pitchFamily="49" charset="0"/>
+                <a:cs typeface="Consolas" panose="020B0609020204030204" pitchFamily="49" charset="0"/>
+              </a:rPr>
+              <a:t>rdd</a:t>
+            </a:r>
+            <a:r>
+              <a:rPr lang="en-US" b="1" dirty="0">
+                <a:latin typeface="Consolas" panose="020B0609020204030204" pitchFamily="49" charset="0"/>
+                <a:cs typeface="Consolas" panose="020B0609020204030204" pitchFamily="49" charset="0"/>
+              </a:rPr>
+              <a:t> = </a:t>
+            </a:r>
+            <a:r>
+              <a:rPr lang="en-US" b="1" dirty="0" err="1">
+                <a:latin typeface="Consolas" panose="020B0609020204030204" pitchFamily="49" charset="0"/>
+                <a:cs typeface="Consolas" panose="020B0609020204030204" pitchFamily="49" charset="0"/>
+              </a:rPr>
+              <a:t>sc.parallelize</a:t>
+            </a:r>
+            <a:r>
+              <a:rPr lang="en-US" b="1" dirty="0">
+                <a:latin typeface="Consolas" panose="020B0609020204030204" pitchFamily="49" charset="0"/>
+                <a:cs typeface="Consolas" panose="020B0609020204030204" pitchFamily="49" charset="0"/>
+              </a:rPr>
+              <a:t>(numbers)</a:t>
+            </a:r>
+          </a:p>
+          <a:p>
+            <a:pPr marL="0" indent="0">
+              <a:buNone/>
+            </a:pPr>
+            <a:r>
+              <a:rPr lang="en-US" b="1" dirty="0">
+                <a:latin typeface="Consolas" panose="020B0609020204030204" pitchFamily="49" charset="0"/>
+                <a:cs typeface="Consolas" panose="020B0609020204030204" pitchFamily="49" charset="0"/>
+              </a:rPr>
+              <a:t>&gt;&gt;&gt; </a:t>
+            </a:r>
+            <a:r>
+              <a:rPr lang="en-US" b="1" dirty="0" err="1">
+                <a:latin typeface="Consolas" panose="020B0609020204030204" pitchFamily="49" charset="0"/>
+                <a:cs typeface="Consolas" panose="020B0609020204030204" pitchFamily="49" charset="0"/>
+              </a:rPr>
+              <a:t>rdd.collect</a:t>
+            </a:r>
+            <a:r>
+              <a:rPr lang="en-US" b="1" dirty="0">
+                <a:latin typeface="Consolas" panose="020B0609020204030204" pitchFamily="49" charset="0"/>
+                <a:cs typeface="Consolas" panose="020B0609020204030204" pitchFamily="49" charset="0"/>
+              </a:rPr>
+              <a:t>()</a:t>
+            </a:r>
+          </a:p>
+          <a:p>
+            <a:pPr marL="0" indent="0">
+              <a:buNone/>
+            </a:pPr>
+            <a:r>
+              <a:rPr lang="en-US" b="1" dirty="0">
+                <a:latin typeface="Consolas" panose="020B0609020204030204" pitchFamily="49" charset="0"/>
+                <a:cs typeface="Consolas" panose="020B0609020204030204" pitchFamily="49" charset="0"/>
+              </a:rPr>
+              <a:t>[0, 1, 2, 7, -8, -4, -5, -6, 9]</a:t>
+            </a:r>
+          </a:p>
+          <a:p>
+            <a:pPr marL="0" indent="0">
+              <a:buNone/>
+            </a:pPr>
+            <a:r>
+              <a:rPr lang="en-US" b="1" dirty="0">
+                <a:latin typeface="Consolas" panose="020B0609020204030204" pitchFamily="49" charset="0"/>
+                <a:cs typeface="Consolas" panose="020B0609020204030204" pitchFamily="49" charset="0"/>
+              </a:rPr>
+              <a:t>&gt;&gt;&gt; </a:t>
+            </a:r>
+            <a:r>
+              <a:rPr lang="en-US" b="1" dirty="0" err="1">
+                <a:latin typeface="Consolas" panose="020B0609020204030204" pitchFamily="49" charset="0"/>
+                <a:cs typeface="Consolas" panose="020B0609020204030204" pitchFamily="49" charset="0"/>
+              </a:rPr>
+              <a:t>rdd.count</a:t>
+            </a:r>
+            <a:r>
+              <a:rPr lang="en-US" b="1" dirty="0">
+                <a:latin typeface="Consolas" panose="020B0609020204030204" pitchFamily="49" charset="0"/>
+                <a:cs typeface="Consolas" panose="020B0609020204030204" pitchFamily="49" charset="0"/>
+              </a:rPr>
+              <a:t>()</a:t>
+            </a:r>
+          </a:p>
+          <a:p>
+            <a:pPr marL="0" indent="0">
+              <a:buNone/>
+            </a:pPr>
+            <a:r>
+              <a:rPr lang="en-US" b="1" dirty="0">
+                <a:latin typeface="Consolas" panose="020B0609020204030204" pitchFamily="49" charset="0"/>
+                <a:cs typeface="Consolas" panose="020B0609020204030204" pitchFamily="49" charset="0"/>
+              </a:rPr>
+              <a:t>9</a:t>
+            </a:r>
+          </a:p>
+          <a:p>
+            <a:pPr marL="0" indent="0">
+              <a:buNone/>
+            </a:pPr>
+            <a:r>
+              <a:rPr lang="en-US" b="1" dirty="0">
+                <a:solidFill>
+                  <a:srgbClr val="00B050"/>
+                </a:solidFill>
+                <a:latin typeface="Consolas" panose="020B0609020204030204" pitchFamily="49" charset="0"/>
+                <a:cs typeface="Consolas" panose="020B0609020204030204" pitchFamily="49" charset="0"/>
+              </a:rPr>
+              <a:t>&gt;&gt;&gt; # apply a filter transformation</a:t>
+            </a:r>
+          </a:p>
+          <a:p>
+            <a:pPr marL="0" indent="0">
+              <a:buNone/>
+            </a:pPr>
+            <a:r>
+              <a:rPr lang="en-US" b="1" dirty="0">
+                <a:latin typeface="Consolas" panose="020B0609020204030204" pitchFamily="49" charset="0"/>
+                <a:cs typeface="Consolas" panose="020B0609020204030204" pitchFamily="49" charset="0"/>
+              </a:rPr>
+              <a:t>&gt;&gt;&gt; positives = </a:t>
+            </a:r>
+            <a:r>
+              <a:rPr lang="en-US" b="1" dirty="0" err="1">
+                <a:latin typeface="Consolas" panose="020B0609020204030204" pitchFamily="49" charset="0"/>
+                <a:cs typeface="Consolas" panose="020B0609020204030204" pitchFamily="49" charset="0"/>
+              </a:rPr>
+              <a:t>rdd.filter</a:t>
+            </a:r>
+            <a:r>
+              <a:rPr lang="en-US" b="1" dirty="0">
+                <a:latin typeface="Consolas" panose="020B0609020204030204" pitchFamily="49" charset="0"/>
+                <a:cs typeface="Consolas" panose="020B0609020204030204" pitchFamily="49" charset="0"/>
+              </a:rPr>
+              <a:t>(lambda v: v &gt; 0)</a:t>
+            </a:r>
+          </a:p>
+          <a:p>
+            <a:pPr marL="0" indent="0">
+              <a:buNone/>
+            </a:pPr>
+            <a:r>
+              <a:rPr lang="en-US" b="1" dirty="0">
+                <a:latin typeface="Consolas" panose="020B0609020204030204" pitchFamily="49" charset="0"/>
+                <a:cs typeface="Consolas" panose="020B0609020204030204" pitchFamily="49" charset="0"/>
+              </a:rPr>
+              <a:t>&gt;&gt;&gt; </a:t>
+            </a:r>
+            <a:r>
+              <a:rPr lang="en-US" b="1" dirty="0" err="1">
+                <a:latin typeface="Consolas" panose="020B0609020204030204" pitchFamily="49" charset="0"/>
+                <a:cs typeface="Consolas" panose="020B0609020204030204" pitchFamily="49" charset="0"/>
+              </a:rPr>
+              <a:t>positives.collect</a:t>
+            </a:r>
+            <a:r>
+              <a:rPr lang="en-US" b="1" dirty="0">
+                <a:latin typeface="Consolas" panose="020B0609020204030204" pitchFamily="49" charset="0"/>
+                <a:cs typeface="Consolas" panose="020B0609020204030204" pitchFamily="49" charset="0"/>
+              </a:rPr>
+              <a:t>()</a:t>
+            </a:r>
+          </a:p>
+          <a:p>
+            <a:pPr marL="0" indent="0">
+              <a:buNone/>
+            </a:pPr>
+            <a:r>
+              <a:rPr lang="en-US" b="1" dirty="0">
+                <a:latin typeface="Consolas" panose="020B0609020204030204" pitchFamily="49" charset="0"/>
+                <a:cs typeface="Consolas" panose="020B0609020204030204" pitchFamily="49" charset="0"/>
+              </a:rPr>
+              <a:t>[1, 2, 7, 9]</a:t>
+            </a:r>
+          </a:p>
+          <a:p>
+            <a:pPr marL="0" indent="0">
+              <a:buNone/>
+            </a:pPr>
+            <a:r>
+              <a:rPr lang="en-US" b="1" dirty="0">
+                <a:solidFill>
+                  <a:srgbClr val="00B050"/>
+                </a:solidFill>
+                <a:latin typeface="Consolas" panose="020B0609020204030204" pitchFamily="49" charset="0"/>
+                <a:cs typeface="Consolas" panose="020B0609020204030204" pitchFamily="49" charset="0"/>
+              </a:rPr>
+              <a:t>&gt;&gt;&gt; # apply an action</a:t>
+            </a:r>
+          </a:p>
+          <a:p>
+            <a:pPr marL="0" indent="0">
+              <a:buNone/>
+            </a:pPr>
+            <a:r>
+              <a:rPr lang="en-US" b="1" dirty="0">
+                <a:latin typeface="Consolas" panose="020B0609020204030204" pitchFamily="49" charset="0"/>
+                <a:cs typeface="Consolas" panose="020B0609020204030204" pitchFamily="49" charset="0"/>
+              </a:rPr>
+              <a:t>&gt;&gt;&gt; total = </a:t>
+            </a:r>
+            <a:r>
+              <a:rPr lang="en-US" b="1" dirty="0" err="1">
+                <a:latin typeface="Consolas" panose="020B0609020204030204" pitchFamily="49" charset="0"/>
+                <a:cs typeface="Consolas" panose="020B0609020204030204" pitchFamily="49" charset="0"/>
+              </a:rPr>
+              <a:t>positives.reduce</a:t>
+            </a:r>
+            <a:r>
+              <a:rPr lang="en-US" b="1" dirty="0">
+                <a:latin typeface="Consolas" panose="020B0609020204030204" pitchFamily="49" charset="0"/>
+                <a:cs typeface="Consolas" panose="020B0609020204030204" pitchFamily="49" charset="0"/>
+              </a:rPr>
+              <a:t>(lambda x, y: </a:t>
+            </a:r>
+            <a:r>
+              <a:rPr lang="en-US" b="1" dirty="0" err="1">
+                <a:latin typeface="Consolas" panose="020B0609020204030204" pitchFamily="49" charset="0"/>
+                <a:cs typeface="Consolas" panose="020B0609020204030204" pitchFamily="49" charset="0"/>
+              </a:rPr>
+              <a:t>x+y</a:t>
+            </a:r>
+            <a:r>
+              <a:rPr lang="en-US" b="1" dirty="0">
                 <a:latin typeface="Consolas" panose="020B0609020204030204" pitchFamily="49" charset="0"/>
                 <a:cs typeface="Consolas" panose="020B0609020204030204" pitchFamily="49" charset="0"/>
               </a:rPr>
@@ -7280,180 +7478,28 @@
               <a:buNone/>
             </a:pPr>
             <a:r>
-              <a:rPr lang="en-US" sz="1200" dirty="0">
-                <a:latin typeface="Consolas" panose="020B0609020204030204" pitchFamily="49" charset="0"/>
-                <a:cs typeface="Consolas" panose="020B0609020204030204" pitchFamily="49" charset="0"/>
-              </a:rPr>
-              <a:t>&gt;&gt;&gt; </a:t>
-            </a:r>
-            <a:r>
-              <a:rPr lang="en-US" sz="1200" dirty="0" err="1">
-                <a:latin typeface="Consolas" panose="020B0609020204030204" pitchFamily="49" charset="0"/>
-                <a:cs typeface="Consolas" panose="020B0609020204030204" pitchFamily="49" charset="0"/>
-              </a:rPr>
-              <a:t>df.show</a:t>
-            </a:r>
-            <a:r>
-              <a:rPr lang="en-US" sz="1200" dirty="0">
-                <a:latin typeface="Consolas" panose="020B0609020204030204" pitchFamily="49" charset="0"/>
-                <a:cs typeface="Consolas" panose="020B0609020204030204" pitchFamily="49" charset="0"/>
-              </a:rPr>
-              <a:t>()</a:t>
-            </a:r>
-          </a:p>
-          <a:p>
-            <a:pPr marL="0" indent="0">
-              <a:buNone/>
-            </a:pPr>
-            <a:r>
-              <a:rPr lang="en-US" sz="1050" dirty="0">
-                <a:latin typeface="Courier" pitchFamily="2" charset="0"/>
-                <a:cs typeface="Courier New" panose="02070309020205020404" pitchFamily="49" charset="0"/>
-              </a:rPr>
-              <a:t>+---+-----+</a:t>
-            </a:r>
-          </a:p>
-          <a:p>
-            <a:pPr marL="0" indent="0">
-              <a:buNone/>
-            </a:pPr>
-            <a:r>
-              <a:rPr lang="en-US" sz="1050" dirty="0">
-                <a:latin typeface="Courier" pitchFamily="2" charset="0"/>
-                <a:cs typeface="Courier New" panose="02070309020205020404" pitchFamily="49" charset="0"/>
-              </a:rPr>
-              <a:t>|</a:t>
-            </a:r>
-            <a:r>
-              <a:rPr lang="en-US" sz="1050" dirty="0" err="1">
-                <a:latin typeface="Courier" pitchFamily="2" charset="0"/>
-                <a:cs typeface="Courier New" panose="02070309020205020404" pitchFamily="49" charset="0"/>
-              </a:rPr>
-              <a:t>key|value</a:t>
-            </a:r>
-            <a:r>
-              <a:rPr lang="en-US" sz="1050" dirty="0">
-                <a:latin typeface="Courier" pitchFamily="2" charset="0"/>
-                <a:cs typeface="Courier New" panose="02070309020205020404" pitchFamily="49" charset="0"/>
-              </a:rPr>
-              <a:t>|</a:t>
-            </a:r>
-          </a:p>
-          <a:p>
-            <a:pPr marL="0" indent="0">
-              <a:buNone/>
-            </a:pPr>
-            <a:r>
-              <a:rPr lang="en-US" sz="1050" dirty="0">
-                <a:latin typeface="Courier" pitchFamily="2" charset="0"/>
-                <a:cs typeface="Courier New" panose="02070309020205020404" pitchFamily="49" charset="0"/>
-              </a:rPr>
-              <a:t>+---+-----+</a:t>
-            </a:r>
-          </a:p>
-          <a:p>
-            <a:pPr marL="0" indent="0">
-              <a:buNone/>
-            </a:pPr>
-            <a:r>
-              <a:rPr lang="en-US" sz="1050" dirty="0">
-                <a:latin typeface="Courier" pitchFamily="2" charset="0"/>
-                <a:cs typeface="Courier New" panose="02070309020205020404" pitchFamily="49" charset="0"/>
-              </a:rPr>
-              <a:t>|  A|   10|</a:t>
-            </a:r>
-          </a:p>
-          <a:p>
-            <a:pPr marL="0" indent="0">
-              <a:buNone/>
-            </a:pPr>
-            <a:r>
-              <a:rPr lang="en-US" sz="1050" dirty="0">
-                <a:latin typeface="Courier" pitchFamily="2" charset="0"/>
-                <a:cs typeface="Courier New" panose="02070309020205020404" pitchFamily="49" charset="0"/>
-              </a:rPr>
-              <a:t>|  A|   20|</a:t>
-            </a:r>
-          </a:p>
-          <a:p>
-            <a:pPr marL="0" indent="0">
-              <a:buNone/>
-            </a:pPr>
-            <a:r>
-              <a:rPr lang="en-US" sz="1050" dirty="0">
-                <a:latin typeface="Courier" pitchFamily="2" charset="0"/>
-                <a:cs typeface="Courier New" panose="02070309020205020404" pitchFamily="49" charset="0"/>
-              </a:rPr>
-              <a:t>|  B|   30|</a:t>
-            </a:r>
-          </a:p>
-          <a:p>
-            <a:pPr marL="0" indent="0">
-              <a:buNone/>
-            </a:pPr>
-            <a:r>
-              <a:rPr lang="en-US" sz="1050" dirty="0">
-                <a:latin typeface="Courier" pitchFamily="2" charset="0"/>
-                <a:cs typeface="Courier New" panose="02070309020205020404" pitchFamily="49" charset="0"/>
-              </a:rPr>
-              <a:t>+---+-----+</a:t>
-            </a:r>
-          </a:p>
-          <a:p>
-            <a:pPr marL="0" indent="0">
-              <a:buNone/>
-            </a:pPr>
-            <a:r>
-              <a:rPr lang="en-US" sz="1200" dirty="0">
-                <a:latin typeface="Consolas" panose="020B0609020204030204" pitchFamily="49" charset="0"/>
-                <a:cs typeface="Consolas" panose="020B0609020204030204" pitchFamily="49" charset="0"/>
-              </a:rPr>
-              <a:t>&gt;&gt;&gt; df</a:t>
-            </a:r>
-          </a:p>
-          <a:p>
-            <a:pPr marL="0" indent="0">
-              <a:buNone/>
-            </a:pPr>
-            <a:r>
-              <a:rPr lang="en-US" sz="1200" dirty="0" err="1">
-                <a:latin typeface="Consolas" panose="020B0609020204030204" pitchFamily="49" charset="0"/>
-                <a:cs typeface="Consolas" panose="020B0609020204030204" pitchFamily="49" charset="0"/>
-              </a:rPr>
-              <a:t>DataFrame</a:t>
-            </a:r>
-            <a:r>
-              <a:rPr lang="en-US" sz="1200" dirty="0">
-                <a:latin typeface="Consolas" panose="020B0609020204030204" pitchFamily="49" charset="0"/>
-                <a:cs typeface="Consolas" panose="020B0609020204030204" pitchFamily="49" charset="0"/>
-              </a:rPr>
-              <a:t>[key: string, value: </a:t>
-            </a:r>
-            <a:r>
-              <a:rPr lang="en-US" sz="1200" dirty="0" err="1">
-                <a:latin typeface="Consolas" panose="020B0609020204030204" pitchFamily="49" charset="0"/>
-                <a:cs typeface="Consolas" panose="020B0609020204030204" pitchFamily="49" charset="0"/>
-              </a:rPr>
-              <a:t>bigint</a:t>
-            </a:r>
-            <a:r>
-              <a:rPr lang="en-US" sz="1200" dirty="0">
-                <a:latin typeface="Consolas" panose="020B0609020204030204" pitchFamily="49" charset="0"/>
-                <a:cs typeface="Consolas" panose="020B0609020204030204" pitchFamily="49" charset="0"/>
-              </a:rPr>
-              <a:t>]</a:t>
-            </a:r>
-            <a:endParaRPr lang="en-US" sz="1100" dirty="0">
-              <a:latin typeface="Consolas" panose="020B0609020204030204" pitchFamily="49" charset="0"/>
-              <a:cs typeface="Consolas" panose="020B0609020204030204" pitchFamily="49" charset="0"/>
-            </a:endParaRPr>
+              <a:rPr lang="en-US" b="1" dirty="0">
+                <a:latin typeface="Consolas" panose="020B0609020204030204" pitchFamily="49" charset="0"/>
+                <a:cs typeface="Consolas" panose="020B0609020204030204" pitchFamily="49" charset="0"/>
+              </a:rPr>
+              <a:t>&gt;&gt;&gt; total</a:t>
+            </a:r>
+          </a:p>
+          <a:p>
+            <a:pPr marL="0" indent="0">
+              <a:buNone/>
+            </a:pPr>
+            <a:r>
+              <a:rPr lang="en-US" sz="2400" dirty="0"/>
+              <a:t>19</a:t>
+            </a:r>
           </a:p>
         </p:txBody>
       </p:sp>
     </p:spTree>
     <p:extLst>
       <p:ext uri="{BB962C8B-B14F-4D97-AF65-F5344CB8AC3E}">
-        <p14:creationId xmlns:p14="http://schemas.microsoft.com/office/powerpoint/2010/main" val="3585323348"/>
+        <p14:creationId xmlns:p14="http://schemas.microsoft.com/office/powerpoint/2010/main" val="1085426582"/>
       </p:ext>
     </p:extLst>
   </p:cSld>
@@ -7496,35 +7542,27 @@
             <p:ph type="title"/>
           </p:nvPr>
         </p:nvSpPr>
-        <p:spPr>
-          <a:xfrm>
-            <a:off x="628650" y="273845"/>
-            <a:ext cx="7886700" cy="492510"/>
-          </a:xfrm>
-        </p:spPr>
-        <p:txBody>
-          <a:bodyPr>
-            <a:normAutofit fontScale="90000"/>
-          </a:bodyPr>
+        <p:spPr/>
+        <p:txBody>
+          <a:bodyPr/>
           <a:lstStyle/>
           <a:p>
             <a:r>
               <a:rPr lang="en-US" dirty="0"/>
-              <a:t>How to Create </a:t>
-            </a:r>
-            <a:r>
-              <a:rPr lang="en-US" dirty="0" err="1"/>
+              <a:t>What is </a:t>
+            </a:r>
+            <a:r>
+              <a:rPr lang="en-US" dirty="0">
+                <a:solidFill>
+                  <a:srgbClr val="0070C0"/>
+                </a:solidFill>
+              </a:rPr>
               <a:t>SparkSession</a:t>
             </a:r>
             <a:r>
               <a:rPr lang="en-US" dirty="0"/>
-              <a:t> and </a:t>
-            </a:r>
-            <a:r>
-              <a:rPr lang="en-US" dirty="0" err="1"/>
-              <a:t>SparkContext</a:t>
-            </a:r>
-            <a:endParaRPr lang="en-US" dirty="0"/>
+              <a:t>?</a:t>
+            </a:r>
           </a:p>
         </p:txBody>
       </p:sp>
@@ -7546,6 +7584,600 @@
         </p:nvSpPr>
         <p:spPr>
           <a:xfrm>
+            <a:off x="628650" y="1179095"/>
+            <a:ext cx="7886700" cy="3532242"/>
+          </a:xfrm>
+        </p:spPr>
+        <p:txBody>
+          <a:bodyPr>
+            <a:normAutofit/>
+          </a:bodyPr>
+          <a:lstStyle/>
+          <a:p>
+            <a:pPr marL="0" indent="0">
+              <a:buNone/>
+            </a:pPr>
+            <a:r>
+              <a:rPr lang="en-US" sz="2800" dirty="0" err="1">
+                <a:solidFill>
+                  <a:srgbClr val="0070C0"/>
+                </a:solidFill>
+                <a:latin typeface="Consolas" panose="020B0609020204030204" pitchFamily="49" charset="0"/>
+                <a:cs typeface="Consolas" panose="020B0609020204030204" pitchFamily="49" charset="0"/>
+              </a:rPr>
+              <a:t>pyspark.sql.SparkSession</a:t>
+            </a:r>
+            <a:endParaRPr lang="en-US" sz="2800" dirty="0">
+              <a:solidFill>
+                <a:srgbClr val="0070C0"/>
+              </a:solidFill>
+              <a:latin typeface="Consolas" panose="020B0609020204030204" pitchFamily="49" charset="0"/>
+              <a:cs typeface="Consolas" panose="020B0609020204030204" pitchFamily="49" charset="0"/>
+            </a:endParaRPr>
+          </a:p>
+          <a:p>
+            <a:pPr marL="0" indent="0">
+              <a:buNone/>
+            </a:pPr>
+            <a:r>
+              <a:rPr lang="en-US" sz="2800" dirty="0">
+                <a:solidFill>
+                  <a:srgbClr val="0070C0"/>
+                </a:solidFill>
+              </a:rPr>
+              <a:t>SparkSession</a:t>
+            </a:r>
+            <a:r>
+              <a:rPr lang="en-US" sz="2800" dirty="0"/>
+              <a:t> is the entry point to programming Spark with the Dataset and </a:t>
+            </a:r>
+            <a:r>
+              <a:rPr lang="en-US" sz="2800" dirty="0" err="1"/>
+              <a:t>DataFrame</a:t>
+            </a:r>
+            <a:r>
+              <a:rPr lang="en-US" sz="2800" dirty="0"/>
+              <a:t> API.</a:t>
+            </a:r>
+            <a:endParaRPr lang="en-US" sz="3200" dirty="0"/>
+          </a:p>
+        </p:txBody>
+      </p:sp>
+    </p:spTree>
+    <p:extLst>
+      <p:ext uri="{BB962C8B-B14F-4D97-AF65-F5344CB8AC3E}">
+        <p14:creationId xmlns:p14="http://schemas.microsoft.com/office/powerpoint/2010/main" val="1714110119"/>
+      </p:ext>
+    </p:extLst>
+  </p:cSld>
+  <p:clrMapOvr>
+    <a:masterClrMapping/>
+  </p:clrMapOvr>
+</p:sld>
+</file>
+
+<file path=ppt/slides/slide14.xml><?xml version="1.0" encoding="utf-8"?>
+<p:sld xmlns:a="http://schemas.openxmlformats.org/drawingml/2006/main" xmlns:r="http://schemas.openxmlformats.org/officeDocument/2006/relationships" xmlns:p="http://schemas.openxmlformats.org/presentationml/2006/main">
+  <p:cSld>
+    <p:spTree>
+      <p:nvGrpSpPr>
+        <p:cNvPr id="1" name=""/>
+        <p:cNvGrpSpPr/>
+        <p:nvPr/>
+      </p:nvGrpSpPr>
+      <p:grpSpPr>
+        <a:xfrm>
+          <a:off x="0" y="0"/>
+          <a:ext cx="0" cy="0"/>
+          <a:chOff x="0" y="0"/>
+          <a:chExt cx="0" cy="0"/>
+        </a:xfrm>
+      </p:grpSpPr>
+      <p:sp>
+        <p:nvSpPr>
+          <p:cNvPr id="4" name="Title 3">
+            <a:extLst>
+              <a:ext uri="{FF2B5EF4-FFF2-40B4-BE49-F238E27FC236}">
+                <a16:creationId xmlns:a16="http://schemas.microsoft.com/office/drawing/2014/main" id="{DCCC8AEE-1310-634E-9023-7929C03FECFD}"/>
+              </a:ext>
+            </a:extLst>
+          </p:cNvPr>
+          <p:cNvSpPr>
+            <a:spLocks noGrp="1"/>
+          </p:cNvSpPr>
+          <p:nvPr>
+            <p:ph type="title"/>
+          </p:nvPr>
+        </p:nvSpPr>
+        <p:spPr>
+          <a:xfrm>
+            <a:off x="628650" y="156755"/>
+            <a:ext cx="7886700" cy="322217"/>
+          </a:xfrm>
+        </p:spPr>
+        <p:txBody>
+          <a:bodyPr>
+            <a:noAutofit/>
+          </a:bodyPr>
+          <a:lstStyle/>
+          <a:p>
+            <a:r>
+              <a:rPr lang="en-US" sz="2400" dirty="0"/>
+              <a:t>SparkSession Usage</a:t>
+            </a:r>
+          </a:p>
+        </p:txBody>
+      </p:sp>
+      <p:sp>
+        <p:nvSpPr>
+          <p:cNvPr id="5" name="Content Placeholder 4">
+            <a:extLst>
+              <a:ext uri="{FF2B5EF4-FFF2-40B4-BE49-F238E27FC236}">
+                <a16:creationId xmlns:a16="http://schemas.microsoft.com/office/drawing/2014/main" id="{C4FE1F5A-47C9-D047-9202-796ADD8B3DB3}"/>
+              </a:ext>
+            </a:extLst>
+          </p:cNvPr>
+          <p:cNvSpPr>
+            <a:spLocks noGrp="1"/>
+          </p:cNvSpPr>
+          <p:nvPr>
+            <p:ph idx="1"/>
+          </p:nvPr>
+        </p:nvSpPr>
+        <p:spPr>
+          <a:xfrm>
+            <a:off x="628650" y="478972"/>
+            <a:ext cx="7886700" cy="4319452"/>
+          </a:xfrm>
+        </p:spPr>
+        <p:txBody>
+          <a:bodyPr>
+            <a:noAutofit/>
+          </a:bodyPr>
+          <a:lstStyle/>
+          <a:p>
+            <a:pPr marL="0" indent="0">
+              <a:buNone/>
+            </a:pPr>
+            <a:r>
+              <a:rPr lang="en-US" sz="1200" dirty="0">
+                <a:solidFill>
+                  <a:srgbClr val="00B050"/>
+                </a:solidFill>
+                <a:latin typeface="Consolas" panose="020B0609020204030204" pitchFamily="49" charset="0"/>
+                <a:cs typeface="Consolas" panose="020B0609020204030204" pitchFamily="49" charset="0"/>
+              </a:rPr>
+              <a:t>&gt;&gt;&gt; # SparkSession available as 'spark’.</a:t>
+            </a:r>
+          </a:p>
+          <a:p>
+            <a:pPr marL="0" indent="0">
+              <a:buNone/>
+            </a:pPr>
+            <a:r>
+              <a:rPr lang="en-US" sz="1200" dirty="0">
+                <a:solidFill>
+                  <a:srgbClr val="00B050"/>
+                </a:solidFill>
+                <a:latin typeface="Consolas" panose="020B0609020204030204" pitchFamily="49" charset="0"/>
+                <a:cs typeface="Consolas" panose="020B0609020204030204" pitchFamily="49" charset="0"/>
+              </a:rPr>
+              <a:t>&gt;&gt;&gt; </a:t>
+            </a:r>
+            <a:r>
+              <a:rPr lang="en-US" sz="1200" dirty="0">
+                <a:solidFill>
+                  <a:schemeClr val="tx1"/>
+                </a:solidFill>
+                <a:latin typeface="Consolas" panose="020B0609020204030204" pitchFamily="49" charset="0"/>
+                <a:cs typeface="Consolas" panose="020B0609020204030204" pitchFamily="49" charset="0"/>
+              </a:rPr>
+              <a:t>spark</a:t>
+            </a:r>
+          </a:p>
+          <a:p>
+            <a:pPr marL="0" indent="0">
+              <a:buNone/>
+            </a:pPr>
+            <a:r>
+              <a:rPr lang="en-US" sz="1200" dirty="0">
+                <a:solidFill>
+                  <a:schemeClr val="tx1"/>
+                </a:solidFill>
+                <a:latin typeface="Consolas" panose="020B0609020204030204" pitchFamily="49" charset="0"/>
+                <a:cs typeface="Consolas" panose="020B0609020204030204" pitchFamily="49" charset="0"/>
+              </a:rPr>
+              <a:t>&lt;</a:t>
+            </a:r>
+            <a:r>
+              <a:rPr lang="en-US" sz="1200" dirty="0" err="1">
+                <a:solidFill>
+                  <a:schemeClr val="tx1"/>
+                </a:solidFill>
+                <a:latin typeface="Consolas" panose="020B0609020204030204" pitchFamily="49" charset="0"/>
+                <a:cs typeface="Consolas" panose="020B0609020204030204" pitchFamily="49" charset="0"/>
+              </a:rPr>
+              <a:t>pyspark.sql.session.SparkSession</a:t>
+            </a:r>
+            <a:r>
+              <a:rPr lang="en-US" sz="1200" dirty="0">
+                <a:solidFill>
+                  <a:schemeClr val="tx1"/>
+                </a:solidFill>
+                <a:latin typeface="Consolas" panose="020B0609020204030204" pitchFamily="49" charset="0"/>
+                <a:cs typeface="Consolas" panose="020B0609020204030204" pitchFamily="49" charset="0"/>
+              </a:rPr>
+              <a:t> object at 0x1097ffca0&gt;</a:t>
+            </a:r>
+          </a:p>
+          <a:p>
+            <a:pPr marL="0" indent="0">
+              <a:buNone/>
+            </a:pPr>
+            <a:r>
+              <a:rPr lang="en-US" sz="1200" dirty="0">
+                <a:latin typeface="Consolas" panose="020B0609020204030204" pitchFamily="49" charset="0"/>
+                <a:cs typeface="Consolas" panose="020B0609020204030204" pitchFamily="49" charset="0"/>
+              </a:rPr>
+              <a:t>&gt;&gt;&gt; pairs = [("A", 10), ("A", 20), ("B", 30)]</a:t>
+            </a:r>
+          </a:p>
+          <a:p>
+            <a:pPr marL="0" indent="0">
+              <a:buNone/>
+            </a:pPr>
+            <a:r>
+              <a:rPr lang="en-US" sz="1200" dirty="0">
+                <a:latin typeface="Consolas" panose="020B0609020204030204" pitchFamily="49" charset="0"/>
+                <a:cs typeface="Consolas" panose="020B0609020204030204" pitchFamily="49" charset="0"/>
+              </a:rPr>
+              <a:t>&gt;&gt;&gt; </a:t>
+            </a:r>
+            <a:r>
+              <a:rPr lang="en-US" sz="1200" dirty="0" err="1">
+                <a:latin typeface="Consolas" panose="020B0609020204030204" pitchFamily="49" charset="0"/>
+                <a:cs typeface="Consolas" panose="020B0609020204030204" pitchFamily="49" charset="0"/>
+              </a:rPr>
+              <a:t>column_names</a:t>
+            </a:r>
+            <a:r>
+              <a:rPr lang="en-US" sz="1200" dirty="0">
+                <a:latin typeface="Consolas" panose="020B0609020204030204" pitchFamily="49" charset="0"/>
+                <a:cs typeface="Consolas" panose="020B0609020204030204" pitchFamily="49" charset="0"/>
+              </a:rPr>
+              <a:t> = ("key", "value")</a:t>
+            </a:r>
+          </a:p>
+          <a:p>
+            <a:pPr marL="0" indent="0">
+              <a:buNone/>
+            </a:pPr>
+            <a:r>
+              <a:rPr lang="en-US" sz="1200" dirty="0">
+                <a:solidFill>
+                  <a:srgbClr val="00B050"/>
+                </a:solidFill>
+                <a:latin typeface="Consolas" panose="020B0609020204030204" pitchFamily="49" charset="0"/>
+                <a:cs typeface="Consolas" panose="020B0609020204030204" pitchFamily="49" charset="0"/>
+              </a:rPr>
+              <a:t>&gt;&gt;&gt; # create a </a:t>
+            </a:r>
+            <a:r>
+              <a:rPr lang="en-US" sz="1200" dirty="0" err="1">
+                <a:solidFill>
+                  <a:srgbClr val="00B050"/>
+                </a:solidFill>
+                <a:latin typeface="Consolas" panose="020B0609020204030204" pitchFamily="49" charset="0"/>
+                <a:cs typeface="Consolas" panose="020B0609020204030204" pitchFamily="49" charset="0"/>
+              </a:rPr>
+              <a:t>DataFrame</a:t>
+            </a:r>
+            <a:endParaRPr lang="en-US" sz="1200" dirty="0">
+              <a:solidFill>
+                <a:srgbClr val="00B050"/>
+              </a:solidFill>
+              <a:latin typeface="Consolas" panose="020B0609020204030204" pitchFamily="49" charset="0"/>
+              <a:cs typeface="Consolas" panose="020B0609020204030204" pitchFamily="49" charset="0"/>
+            </a:endParaRPr>
+          </a:p>
+          <a:p>
+            <a:pPr marL="0" indent="0">
+              <a:buNone/>
+            </a:pPr>
+            <a:r>
+              <a:rPr lang="en-US" sz="1200" dirty="0">
+                <a:latin typeface="Consolas" panose="020B0609020204030204" pitchFamily="49" charset="0"/>
+                <a:cs typeface="Consolas" panose="020B0609020204030204" pitchFamily="49" charset="0"/>
+              </a:rPr>
+              <a:t>&gt;&gt;&gt; df = </a:t>
+            </a:r>
+            <a:r>
+              <a:rPr lang="en-US" sz="1200" dirty="0" err="1">
+                <a:latin typeface="Consolas" panose="020B0609020204030204" pitchFamily="49" charset="0"/>
+                <a:cs typeface="Consolas" panose="020B0609020204030204" pitchFamily="49" charset="0"/>
+              </a:rPr>
+              <a:t>spark.createDataFrame</a:t>
+            </a:r>
+            <a:r>
+              <a:rPr lang="en-US" sz="1200" dirty="0">
+                <a:latin typeface="Consolas" panose="020B0609020204030204" pitchFamily="49" charset="0"/>
+                <a:cs typeface="Consolas" panose="020B0609020204030204" pitchFamily="49" charset="0"/>
+              </a:rPr>
+              <a:t>(pairs, </a:t>
+            </a:r>
+            <a:r>
+              <a:rPr lang="en-US" sz="1200" dirty="0" err="1">
+                <a:latin typeface="Consolas" panose="020B0609020204030204" pitchFamily="49" charset="0"/>
+                <a:cs typeface="Consolas" panose="020B0609020204030204" pitchFamily="49" charset="0"/>
+              </a:rPr>
+              <a:t>column_names</a:t>
+            </a:r>
+            <a:r>
+              <a:rPr lang="en-US" sz="1200" dirty="0">
+                <a:latin typeface="Consolas" panose="020B0609020204030204" pitchFamily="49" charset="0"/>
+                <a:cs typeface="Consolas" panose="020B0609020204030204" pitchFamily="49" charset="0"/>
+              </a:rPr>
+              <a:t>)</a:t>
+            </a:r>
+          </a:p>
+          <a:p>
+            <a:pPr marL="0" indent="0">
+              <a:buNone/>
+            </a:pPr>
+            <a:r>
+              <a:rPr lang="en-US" sz="1200" dirty="0">
+                <a:latin typeface="Consolas" panose="020B0609020204030204" pitchFamily="49" charset="0"/>
+                <a:cs typeface="Consolas" panose="020B0609020204030204" pitchFamily="49" charset="0"/>
+              </a:rPr>
+              <a:t>&gt;&gt;&gt; </a:t>
+            </a:r>
+            <a:r>
+              <a:rPr lang="en-US" sz="1200" dirty="0" err="1">
+                <a:latin typeface="Consolas" panose="020B0609020204030204" pitchFamily="49" charset="0"/>
+                <a:cs typeface="Consolas" panose="020B0609020204030204" pitchFamily="49" charset="0"/>
+              </a:rPr>
+              <a:t>df.show</a:t>
+            </a:r>
+            <a:r>
+              <a:rPr lang="en-US" sz="1200" dirty="0">
+                <a:latin typeface="Consolas" panose="020B0609020204030204" pitchFamily="49" charset="0"/>
+                <a:cs typeface="Consolas" panose="020B0609020204030204" pitchFamily="49" charset="0"/>
+              </a:rPr>
+              <a:t>()</a:t>
+            </a:r>
+          </a:p>
+          <a:p>
+            <a:pPr marL="0" indent="0">
+              <a:buNone/>
+            </a:pPr>
+            <a:r>
+              <a:rPr lang="en-US" sz="900" dirty="0">
+                <a:latin typeface="Courier" pitchFamily="2" charset="0"/>
+                <a:cs typeface="Courier New" panose="02070309020205020404" pitchFamily="49" charset="0"/>
+              </a:rPr>
+              <a:t>+---+-----+</a:t>
+            </a:r>
+          </a:p>
+          <a:p>
+            <a:pPr marL="0" indent="0">
+              <a:buNone/>
+            </a:pPr>
+            <a:r>
+              <a:rPr lang="en-US" sz="900" dirty="0">
+                <a:latin typeface="Courier" pitchFamily="2" charset="0"/>
+                <a:cs typeface="Courier New" panose="02070309020205020404" pitchFamily="49" charset="0"/>
+              </a:rPr>
+              <a:t>|</a:t>
+            </a:r>
+            <a:r>
+              <a:rPr lang="en-US" sz="900" dirty="0" err="1">
+                <a:latin typeface="Courier" pitchFamily="2" charset="0"/>
+                <a:cs typeface="Courier New" panose="02070309020205020404" pitchFamily="49" charset="0"/>
+              </a:rPr>
+              <a:t>key|value</a:t>
+            </a:r>
+            <a:r>
+              <a:rPr lang="en-US" sz="900" dirty="0">
+                <a:latin typeface="Courier" pitchFamily="2" charset="0"/>
+                <a:cs typeface="Courier New" panose="02070309020205020404" pitchFamily="49" charset="0"/>
+              </a:rPr>
+              <a:t>|</a:t>
+            </a:r>
+          </a:p>
+          <a:p>
+            <a:pPr marL="0" indent="0">
+              <a:buNone/>
+            </a:pPr>
+            <a:r>
+              <a:rPr lang="en-US" sz="900" dirty="0">
+                <a:latin typeface="Courier" pitchFamily="2" charset="0"/>
+                <a:cs typeface="Courier New" panose="02070309020205020404" pitchFamily="49" charset="0"/>
+              </a:rPr>
+              <a:t>+---+-----+</a:t>
+            </a:r>
+          </a:p>
+          <a:p>
+            <a:pPr marL="0" indent="0">
+              <a:buNone/>
+            </a:pPr>
+            <a:r>
+              <a:rPr lang="en-US" sz="900" dirty="0">
+                <a:latin typeface="Courier" pitchFamily="2" charset="0"/>
+                <a:cs typeface="Courier New" panose="02070309020205020404" pitchFamily="49" charset="0"/>
+              </a:rPr>
+              <a:t>|  A|   10|</a:t>
+            </a:r>
+          </a:p>
+          <a:p>
+            <a:pPr marL="0" indent="0">
+              <a:buNone/>
+            </a:pPr>
+            <a:r>
+              <a:rPr lang="en-US" sz="900" dirty="0">
+                <a:latin typeface="Courier" pitchFamily="2" charset="0"/>
+                <a:cs typeface="Courier New" panose="02070309020205020404" pitchFamily="49" charset="0"/>
+              </a:rPr>
+              <a:t>|  A|   20|</a:t>
+            </a:r>
+          </a:p>
+          <a:p>
+            <a:pPr marL="0" indent="0">
+              <a:buNone/>
+            </a:pPr>
+            <a:r>
+              <a:rPr lang="en-US" sz="900" dirty="0">
+                <a:latin typeface="Courier" pitchFamily="2" charset="0"/>
+                <a:cs typeface="Courier New" panose="02070309020205020404" pitchFamily="49" charset="0"/>
+              </a:rPr>
+              <a:t>|  B|   30|</a:t>
+            </a:r>
+          </a:p>
+          <a:p>
+            <a:pPr marL="0" indent="0">
+              <a:buNone/>
+            </a:pPr>
+            <a:r>
+              <a:rPr lang="en-US" sz="900" dirty="0">
+                <a:latin typeface="Courier" pitchFamily="2" charset="0"/>
+                <a:cs typeface="Courier New" panose="02070309020205020404" pitchFamily="49" charset="0"/>
+              </a:rPr>
+              <a:t>+---+-----+</a:t>
+            </a:r>
+          </a:p>
+          <a:p>
+            <a:pPr marL="0" indent="0">
+              <a:buNone/>
+            </a:pPr>
+            <a:r>
+              <a:rPr lang="en-US" sz="1200" dirty="0">
+                <a:latin typeface="Consolas" panose="020B0609020204030204" pitchFamily="49" charset="0"/>
+                <a:cs typeface="Consolas" panose="020B0609020204030204" pitchFamily="49" charset="0"/>
+              </a:rPr>
+              <a:t>&gt;&gt;&gt; df</a:t>
+            </a:r>
+          </a:p>
+          <a:p>
+            <a:pPr marL="0" indent="0">
+              <a:buNone/>
+            </a:pPr>
+            <a:r>
+              <a:rPr lang="en-US" sz="1200" dirty="0" err="1">
+                <a:latin typeface="Consolas" panose="020B0609020204030204" pitchFamily="49" charset="0"/>
+                <a:cs typeface="Consolas" panose="020B0609020204030204" pitchFamily="49" charset="0"/>
+              </a:rPr>
+              <a:t>DataFrame</a:t>
+            </a:r>
+            <a:r>
+              <a:rPr lang="en-US" sz="1200" dirty="0">
+                <a:latin typeface="Consolas" panose="020B0609020204030204" pitchFamily="49" charset="0"/>
+                <a:cs typeface="Consolas" panose="020B0609020204030204" pitchFamily="49" charset="0"/>
+              </a:rPr>
+              <a:t>[key: string, value: </a:t>
+            </a:r>
+            <a:r>
+              <a:rPr lang="en-US" sz="1200" dirty="0" err="1">
+                <a:latin typeface="Consolas" panose="020B0609020204030204" pitchFamily="49" charset="0"/>
+                <a:cs typeface="Consolas" panose="020B0609020204030204" pitchFamily="49" charset="0"/>
+              </a:rPr>
+              <a:t>bigint</a:t>
+            </a:r>
+            <a:r>
+              <a:rPr lang="en-US" sz="1200" dirty="0">
+                <a:latin typeface="Consolas" panose="020B0609020204030204" pitchFamily="49" charset="0"/>
+                <a:cs typeface="Consolas" panose="020B0609020204030204" pitchFamily="49" charset="0"/>
+              </a:rPr>
+              <a:t>]</a:t>
+            </a:r>
+            <a:endParaRPr lang="en-US" sz="1100" dirty="0">
+              <a:latin typeface="Consolas" panose="020B0609020204030204" pitchFamily="49" charset="0"/>
+              <a:cs typeface="Consolas" panose="020B0609020204030204" pitchFamily="49" charset="0"/>
+            </a:endParaRPr>
+          </a:p>
+        </p:txBody>
+      </p:sp>
+    </p:spTree>
+    <p:extLst>
+      <p:ext uri="{BB962C8B-B14F-4D97-AF65-F5344CB8AC3E}">
+        <p14:creationId xmlns:p14="http://schemas.microsoft.com/office/powerpoint/2010/main" val="3585323348"/>
+      </p:ext>
+    </p:extLst>
+  </p:cSld>
+  <p:clrMapOvr>
+    <a:masterClrMapping/>
+  </p:clrMapOvr>
+</p:sld>
+</file>
+
+<file path=ppt/slides/slide15.xml><?xml version="1.0" encoding="utf-8"?>
+<p:sld xmlns:a="http://schemas.openxmlformats.org/drawingml/2006/main" xmlns:r="http://schemas.openxmlformats.org/officeDocument/2006/relationships" xmlns:p="http://schemas.openxmlformats.org/presentationml/2006/main">
+  <p:cSld>
+    <p:spTree>
+      <p:nvGrpSpPr>
+        <p:cNvPr id="1" name=""/>
+        <p:cNvGrpSpPr/>
+        <p:nvPr/>
+      </p:nvGrpSpPr>
+      <p:grpSpPr>
+        <a:xfrm>
+          <a:off x="0" y="0"/>
+          <a:ext cx="0" cy="0"/>
+          <a:chOff x="0" y="0"/>
+          <a:chExt cx="0" cy="0"/>
+        </a:xfrm>
+      </p:grpSpPr>
+      <p:sp>
+        <p:nvSpPr>
+          <p:cNvPr id="4" name="Title 3">
+            <a:extLst>
+              <a:ext uri="{FF2B5EF4-FFF2-40B4-BE49-F238E27FC236}">
+                <a16:creationId xmlns:a16="http://schemas.microsoft.com/office/drawing/2014/main" id="{DCCC8AEE-1310-634E-9023-7929C03FECFD}"/>
+              </a:ext>
+            </a:extLst>
+          </p:cNvPr>
+          <p:cNvSpPr>
+            <a:spLocks noGrp="1"/>
+          </p:cNvSpPr>
+          <p:nvPr>
+            <p:ph type="title"/>
+          </p:nvPr>
+        </p:nvSpPr>
+        <p:spPr>
+          <a:xfrm>
+            <a:off x="628650" y="273845"/>
+            <a:ext cx="7886700" cy="492510"/>
+          </a:xfrm>
+        </p:spPr>
+        <p:txBody>
+          <a:bodyPr>
+            <a:normAutofit fontScale="90000"/>
+          </a:bodyPr>
+          <a:lstStyle/>
+          <a:p>
+            <a:r>
+              <a:rPr lang="en-US" dirty="0"/>
+              <a:t>How to Create SparkSession and SparkContext</a:t>
+            </a:r>
+          </a:p>
+        </p:txBody>
+      </p:sp>
+      <p:sp>
+        <p:nvSpPr>
+          <p:cNvPr id="5" name="Content Placeholder 4">
+            <a:extLst>
+              <a:ext uri="{FF2B5EF4-FFF2-40B4-BE49-F238E27FC236}">
+                <a16:creationId xmlns:a16="http://schemas.microsoft.com/office/drawing/2014/main" id="{C4FE1F5A-47C9-D047-9202-796ADD8B3DB3}"/>
+              </a:ext>
+            </a:extLst>
+          </p:cNvPr>
+          <p:cNvSpPr>
+            <a:spLocks noGrp="1"/>
+          </p:cNvSpPr>
+          <p:nvPr>
+            <p:ph idx="1"/>
+          </p:nvPr>
+        </p:nvSpPr>
+        <p:spPr>
+          <a:xfrm>
             <a:off x="628650" y="766355"/>
             <a:ext cx="7886700" cy="4032068"/>
           </a:xfrm>
@@ -7635,15 +8267,54 @@
                 <a:latin typeface="Consolas" panose="020B0609020204030204" pitchFamily="49" charset="0"/>
                 <a:cs typeface="Consolas" panose="020B0609020204030204" pitchFamily="49" charset="0"/>
               </a:rPr>
-              <a:t> import </a:t>
+              <a:t> import SparkSession</a:t>
+            </a:r>
+          </a:p>
+          <a:p>
+            <a:pPr marL="0" indent="0">
+              <a:buNone/>
+            </a:pPr>
+            <a:r>
+              <a:rPr lang="en-US" sz="1800" dirty="0">
+                <a:solidFill>
+                  <a:srgbClr val="0070C0"/>
+                </a:solidFill>
+                <a:latin typeface="Consolas" panose="020B0609020204030204" pitchFamily="49" charset="0"/>
+                <a:cs typeface="Consolas" panose="020B0609020204030204" pitchFamily="49" charset="0"/>
+              </a:rPr>
+              <a:t># create SparkSession object</a:t>
+            </a:r>
+          </a:p>
+          <a:p>
+            <a:pPr marL="0" indent="0">
+              <a:buNone/>
+            </a:pPr>
+            <a:r>
+              <a:rPr lang="en-US" sz="1800" dirty="0">
+                <a:latin typeface="Consolas" panose="020B0609020204030204" pitchFamily="49" charset="0"/>
+                <a:cs typeface="Consolas" panose="020B0609020204030204" pitchFamily="49" charset="0"/>
+              </a:rPr>
+              <a:t>spark = </a:t>
             </a:r>
             <a:r>
               <a:rPr lang="en-US" sz="1800" dirty="0" err="1">
                 <a:latin typeface="Consolas" panose="020B0609020204030204" pitchFamily="49" charset="0"/>
                 <a:cs typeface="Consolas" panose="020B0609020204030204" pitchFamily="49" charset="0"/>
               </a:rPr>
-              <a:t>SparkSession</a:t>
-            </a:r>
+              <a:t>SparkSession.builder.getOrCreate</a:t>
+            </a:r>
+            <a:r>
+              <a:rPr lang="en-US" sz="1800" dirty="0">
+                <a:latin typeface="Consolas" panose="020B0609020204030204" pitchFamily="49" charset="0"/>
+                <a:cs typeface="Consolas" panose="020B0609020204030204" pitchFamily="49" charset="0"/>
+              </a:rPr>
+              <a:t>()</a:t>
+            </a:r>
+          </a:p>
+          <a:p>
+            <a:pPr marL="0" indent="0">
+              <a:buNone/>
+            </a:pPr>
             <a:endParaRPr lang="en-US" sz="1800" dirty="0">
               <a:latin typeface="Consolas" panose="020B0609020204030204" pitchFamily="49" charset="0"/>
               <a:cs typeface="Consolas" panose="020B0609020204030204" pitchFamily="49" charset="0"/>
@@ -7653,6 +8324,42 @@
             <a:pPr marL="0" indent="0">
               <a:buNone/>
             </a:pPr>
+            <a:r>
+              <a:rPr lang="en-US" sz="1800" dirty="0">
+                <a:solidFill>
+                  <a:srgbClr val="0070C0"/>
+                </a:solidFill>
+                <a:latin typeface="Consolas" panose="020B0609020204030204" pitchFamily="49" charset="0"/>
+                <a:cs typeface="Consolas" panose="020B0609020204030204" pitchFamily="49" charset="0"/>
+              </a:rPr>
+              <a:t># access SparkContext</a:t>
+            </a:r>
+          </a:p>
+          <a:p>
+            <a:pPr marL="0" indent="0">
+              <a:buNone/>
+            </a:pPr>
+            <a:r>
+              <a:rPr lang="en-US" sz="1800" dirty="0" err="1">
+                <a:latin typeface="Consolas" panose="020B0609020204030204" pitchFamily="49" charset="0"/>
+                <a:cs typeface="Consolas" panose="020B0609020204030204" pitchFamily="49" charset="0"/>
+              </a:rPr>
+              <a:t>sc</a:t>
+            </a:r>
+            <a:r>
+              <a:rPr lang="en-US" sz="1800" dirty="0">
+                <a:latin typeface="Consolas" panose="020B0609020204030204" pitchFamily="49" charset="0"/>
+                <a:cs typeface="Consolas" panose="020B0609020204030204" pitchFamily="49" charset="0"/>
+              </a:rPr>
+              <a:t> = </a:t>
+            </a:r>
+            <a:r>
+              <a:rPr lang="en-US" sz="1800" dirty="0" err="1">
+                <a:latin typeface="Consolas" panose="020B0609020204030204" pitchFamily="49" charset="0"/>
+                <a:cs typeface="Consolas" panose="020B0609020204030204" pitchFamily="49" charset="0"/>
+              </a:rPr>
+              <a:t>spark.sparkContext</a:t>
+            </a:r>
             <a:endParaRPr lang="en-US" sz="1800" dirty="0">
               <a:latin typeface="Consolas" panose="020B0609020204030204" pitchFamily="49" charset="0"/>
               <a:cs typeface="Consolas" panose="020B0609020204030204" pitchFamily="49" charset="0"/>
@@ -7670,7 +8377,7 @@
                 <a:latin typeface="Consolas" panose="020B0609020204030204" pitchFamily="49" charset="0"/>
                 <a:cs typeface="Consolas" panose="020B0609020204030204" pitchFamily="49" charset="0"/>
               </a:rPr>
-              <a:t># create </a:t>
+              <a:t># now, we can use </a:t>
             </a:r>
             <a:r>
               <a:rPr lang="en-US" sz="1800" dirty="0" err="1">
@@ -7680,7 +8387,7 @@
                 <a:latin typeface="Consolas" panose="020B0609020204030204" pitchFamily="49" charset="0"/>
                 <a:cs typeface="Consolas" panose="020B0609020204030204" pitchFamily="49" charset="0"/>
               </a:rPr>
-              <a:t>SparkSession</a:t>
+              <a:t>sc</a:t>
             </a:r>
             <a:r>
               <a:rPr lang="en-US" sz="1800" dirty="0">
@@ -7690,7 +8397,7 @@
                 <a:latin typeface="Consolas" panose="020B0609020204030204" pitchFamily="49" charset="0"/>
                 <a:cs typeface="Consolas" panose="020B0609020204030204" pitchFamily="49" charset="0"/>
               </a:rPr>
-              <a:t> object</a:t>
+              <a:t> (as SparkContext) </a:t>
             </a:r>
           </a:p>
           <a:p>
@@ -7699,130 +8406,13 @@
             </a:pPr>
             <a:r>
               <a:rPr lang="en-US" sz="1800" dirty="0">
-                <a:latin typeface="Consolas" panose="020B0609020204030204" pitchFamily="49" charset="0"/>
-                <a:cs typeface="Consolas" panose="020B0609020204030204" pitchFamily="49" charset="0"/>
-              </a:rPr>
-              <a:t>spark = </a:t>
-            </a:r>
-            <a:r>
-              <a:rPr lang="en-US" sz="1800" dirty="0" err="1">
-                <a:latin typeface="Consolas" panose="020B0609020204030204" pitchFamily="49" charset="0"/>
-                <a:cs typeface="Consolas" panose="020B0609020204030204" pitchFamily="49" charset="0"/>
-              </a:rPr>
-              <a:t>SparkSession.builder.getOrCreate</a:t>
-            </a:r>
-            <a:r>
-              <a:rPr lang="en-US" sz="1800" dirty="0">
-                <a:latin typeface="Consolas" panose="020B0609020204030204" pitchFamily="49" charset="0"/>
-                <a:cs typeface="Consolas" panose="020B0609020204030204" pitchFamily="49" charset="0"/>
-              </a:rPr>
-              <a:t>()</a:t>
-            </a:r>
-          </a:p>
-          <a:p>
-            <a:pPr marL="0" indent="0">
-              <a:buNone/>
-            </a:pPr>
-            <a:endParaRPr lang="en-US" sz="1800" dirty="0">
-              <a:latin typeface="Consolas" panose="020B0609020204030204" pitchFamily="49" charset="0"/>
-              <a:cs typeface="Consolas" panose="020B0609020204030204" pitchFamily="49" charset="0"/>
-            </a:endParaRPr>
-          </a:p>
-          <a:p>
-            <a:pPr marL="0" indent="0">
-              <a:buNone/>
-            </a:pPr>
-            <a:r>
-              <a:rPr lang="en-US" sz="1800" dirty="0">
                 <a:solidFill>
                   <a:srgbClr val="0070C0"/>
                 </a:solidFill>
                 <a:latin typeface="Consolas" panose="020B0609020204030204" pitchFamily="49" charset="0"/>
                 <a:cs typeface="Consolas" panose="020B0609020204030204" pitchFamily="49" charset="0"/>
               </a:rPr>
-              <a:t># access </a:t>
-            </a:r>
-            <a:r>
-              <a:rPr lang="en-US" sz="1800" dirty="0" err="1">
-                <a:solidFill>
-                  <a:srgbClr val="0070C0"/>
-                </a:solidFill>
-                <a:latin typeface="Consolas" panose="020B0609020204030204" pitchFamily="49" charset="0"/>
-                <a:cs typeface="Consolas" panose="020B0609020204030204" pitchFamily="49" charset="0"/>
-              </a:rPr>
-              <a:t>SparkContext</a:t>
-            </a:r>
-            <a:endParaRPr lang="en-US" sz="1800" dirty="0">
-              <a:solidFill>
-                <a:srgbClr val="0070C0"/>
-              </a:solidFill>
-              <a:latin typeface="Consolas" panose="020B0609020204030204" pitchFamily="49" charset="0"/>
-              <a:cs typeface="Consolas" panose="020B0609020204030204" pitchFamily="49" charset="0"/>
-            </a:endParaRPr>
-          </a:p>
-          <a:p>
-            <a:pPr marL="0" indent="0">
-              <a:buNone/>
-            </a:pPr>
-            <a:r>
-              <a:rPr lang="en-US" sz="1800" dirty="0" err="1">
-                <a:latin typeface="Consolas" panose="020B0609020204030204" pitchFamily="49" charset="0"/>
-                <a:cs typeface="Consolas" panose="020B0609020204030204" pitchFamily="49" charset="0"/>
-              </a:rPr>
-              <a:t>sc</a:t>
-            </a:r>
-            <a:r>
-              <a:rPr lang="en-US" sz="1800" dirty="0">
-                <a:latin typeface="Consolas" panose="020B0609020204030204" pitchFamily="49" charset="0"/>
-                <a:cs typeface="Consolas" panose="020B0609020204030204" pitchFamily="49" charset="0"/>
-              </a:rPr>
-              <a:t> = </a:t>
-            </a:r>
-            <a:r>
-              <a:rPr lang="en-US" sz="1800" dirty="0" err="1">
-                <a:latin typeface="Consolas" panose="020B0609020204030204" pitchFamily="49" charset="0"/>
-                <a:cs typeface="Consolas" panose="020B0609020204030204" pitchFamily="49" charset="0"/>
-              </a:rPr>
-              <a:t>spark.sparkContext</a:t>
-            </a:r>
-            <a:endParaRPr lang="en-US" sz="1800" dirty="0">
-              <a:latin typeface="Consolas" panose="020B0609020204030204" pitchFamily="49" charset="0"/>
-              <a:cs typeface="Consolas" panose="020B0609020204030204" pitchFamily="49" charset="0"/>
-            </a:endParaRPr>
-          </a:p>
-          <a:p>
-            <a:pPr marL="0" indent="0">
-              <a:buNone/>
-            </a:pPr>
-            <a:r>
-              <a:rPr lang="en-US" sz="1800" dirty="0">
-                <a:solidFill>
-                  <a:srgbClr val="0070C0"/>
-                </a:solidFill>
-                <a:latin typeface="Consolas" panose="020B0609020204030204" pitchFamily="49" charset="0"/>
-                <a:cs typeface="Consolas" panose="020B0609020204030204" pitchFamily="49" charset="0"/>
-              </a:rPr>
-              <a:t># now, we can use </a:t>
-            </a:r>
-            <a:r>
-              <a:rPr lang="en-US" sz="1800" dirty="0" err="1">
-                <a:solidFill>
-                  <a:srgbClr val="0070C0"/>
-                </a:solidFill>
-                <a:latin typeface="Consolas" panose="020B0609020204030204" pitchFamily="49" charset="0"/>
-                <a:cs typeface="Consolas" panose="020B0609020204030204" pitchFamily="49" charset="0"/>
-              </a:rPr>
-              <a:t>sc</a:t>
-            </a:r>
-            <a:r>
-              <a:rPr lang="en-US" sz="1800" dirty="0">
-                <a:solidFill>
-                  <a:srgbClr val="0070C0"/>
-                </a:solidFill>
-                <a:latin typeface="Consolas" panose="020B0609020204030204" pitchFamily="49" charset="0"/>
-                <a:cs typeface="Consolas" panose="020B0609020204030204" pitchFamily="49" charset="0"/>
-              </a:rPr>
-              <a:t> and spark </a:t>
+              <a:t># and spark (as SparkSession)</a:t>
             </a:r>
           </a:p>
           <a:p>
@@ -7941,7 +8531,15 @@
             </a:r>
             <a:r>
               <a:rPr lang="en-US" sz="2800" dirty="0"/>
-              <a:t>) comes with pyspark shell command (with several options) that is used to </a:t>
+              <a:t>) comes with </a:t>
+            </a:r>
+            <a:r>
+              <a:rPr lang="en-US" sz="2800" dirty="0" err="1"/>
+              <a:t>pyspark</a:t>
+            </a:r>
+            <a:r>
+              <a:rPr lang="en-US" sz="2800" dirty="0"/>
+              <a:t> shell command (with several options) that is used to </a:t>
             </a:r>
           </a:p>
           <a:p>
@@ -8019,14 +8617,21 @@
             <p:ph type="title"/>
           </p:nvPr>
         </p:nvSpPr>
-        <p:spPr/>
-        <p:txBody>
-          <a:bodyPr/>
+        <p:spPr>
+          <a:xfrm>
+            <a:off x="628650" y="273844"/>
+            <a:ext cx="7886700" cy="496623"/>
+          </a:xfrm>
+        </p:spPr>
+        <p:txBody>
+          <a:bodyPr>
+            <a:normAutofit fontScale="90000"/>
+          </a:bodyPr>
           <a:lstStyle/>
           <a:p>
             <a:r>
               <a:rPr lang="en-US" dirty="0"/>
-              <a:t>Launch PySpark Shell Command</a:t>
+              <a:t>Spark Installed Directory</a:t>
             </a:r>
           </a:p>
         </p:txBody>
@@ -8047,121 +8652,1076 @@
             <p:ph idx="1"/>
           </p:nvPr>
         </p:nvSpPr>
-        <p:spPr/>
-        <p:txBody>
-          <a:bodyPr/>
+        <p:spPr>
+          <a:xfrm>
+            <a:off x="628650" y="770467"/>
+            <a:ext cx="7886700" cy="3862256"/>
+          </a:xfrm>
+        </p:spPr>
+        <p:txBody>
+          <a:bodyPr>
+            <a:normAutofit fontScale="62500" lnSpcReduction="20000"/>
+          </a:bodyPr>
           <a:lstStyle/>
           <a:p>
-            <a:r>
-              <a:rPr lang="en-US" sz="2800" dirty="0"/>
-              <a:t>Let </a:t>
-            </a:r>
-            <a:r>
-              <a:rPr lang="en-US" sz="2800" b="1" dirty="0"/>
-              <a:t>SPARK_HOME </a:t>
-            </a:r>
-            <a:r>
-              <a:rPr lang="en-US" sz="2800" dirty="0"/>
-              <a:t>(as an environment variable) point to your Spark installed directory </a:t>
-            </a:r>
-          </a:p>
-          <a:p>
-            <a:pPr marL="342900" lvl="1" indent="0">
-              <a:buNone/>
-            </a:pPr>
-            <a:r>
-              <a:rPr lang="en-US" sz="2600" dirty="0">
-                <a:solidFill>
-                  <a:srgbClr val="0070C0"/>
-                </a:solidFill>
-              </a:rPr>
-              <a:t>export </a:t>
-            </a:r>
-            <a:r>
-              <a:rPr lang="en-US" sz="2400" b="1" dirty="0">
-                <a:solidFill>
-                  <a:srgbClr val="0070C0"/>
-                </a:solidFill>
-              </a:rPr>
-              <a:t>SPARK_HOME=&lt;spark-installed-</a:t>
-            </a:r>
-            <a:r>
-              <a:rPr lang="en-US" sz="2400" b="1" dirty="0" err="1">
-                <a:solidFill>
-                  <a:srgbClr val="0070C0"/>
-                </a:solidFill>
-              </a:rPr>
-              <a:t>dir</a:t>
-            </a:r>
-            <a:r>
-              <a:rPr lang="en-US" sz="2400" b="1" dirty="0">
-                <a:solidFill>
-                  <a:srgbClr val="0070C0"/>
-                </a:solidFill>
-              </a:rPr>
-              <a:t>&gt;</a:t>
-            </a:r>
-          </a:p>
-          <a:p>
-            <a:pPr marL="342900" lvl="1" indent="0">
-              <a:buNone/>
-            </a:pPr>
-            <a:r>
-              <a:rPr lang="en-US" sz="2400" b="1" dirty="0">
-                <a:solidFill>
-                  <a:srgbClr val="0070C0"/>
-                </a:solidFill>
-              </a:rPr>
-              <a:t>export SPARK_HOME=/Users/</a:t>
-            </a:r>
-            <a:r>
-              <a:rPr lang="en-US" sz="2400" b="1" dirty="0" err="1">
-                <a:solidFill>
-                  <a:srgbClr val="0070C0"/>
-                </a:solidFill>
+            <a:pPr marL="0" indent="0">
+              <a:buNone/>
+            </a:pPr>
+            <a:r>
+              <a:rPr lang="en-US" dirty="0"/>
+              <a:t>I have installed Spark at  </a:t>
+            </a:r>
+            <a:r>
+              <a:rPr lang="en-US" b="1" dirty="0">
+                <a:solidFill>
+                  <a:schemeClr val="tx1"/>
+                </a:solidFill>
+                <a:latin typeface="Courier New" panose="02070309020205020404" pitchFamily="49" charset="0"/>
+                <a:cs typeface="Courier New" panose="02070309020205020404" pitchFamily="49" charset="0"/>
+              </a:rPr>
+              <a:t>/Users/</a:t>
+            </a:r>
+            <a:r>
+              <a:rPr lang="en-US" b="1" dirty="0" err="1">
+                <a:solidFill>
+                  <a:schemeClr val="tx1"/>
+                </a:solidFill>
+                <a:latin typeface="Courier New" panose="02070309020205020404" pitchFamily="49" charset="0"/>
+                <a:cs typeface="Courier New" panose="02070309020205020404" pitchFamily="49" charset="0"/>
               </a:rPr>
               <a:t>mparsian</a:t>
             </a:r>
             <a:r>
-              <a:rPr lang="en-US" sz="2400" b="1" dirty="0">
-                <a:solidFill>
-                  <a:srgbClr val="0070C0"/>
-                </a:solidFill>
-              </a:rPr>
-              <a:t>/spark-3.2.0</a:t>
-            </a:r>
-            <a:endParaRPr lang="en-US" sz="2600" dirty="0">
+              <a:rPr lang="en-US" b="1" dirty="0">
+                <a:solidFill>
+                  <a:schemeClr val="tx1"/>
+                </a:solidFill>
+                <a:latin typeface="Courier New" panose="02070309020205020404" pitchFamily="49" charset="0"/>
+                <a:cs typeface="Courier New" panose="02070309020205020404" pitchFamily="49" charset="0"/>
+              </a:rPr>
+              <a:t>/spark-3.3.1</a:t>
+            </a:r>
+          </a:p>
+          <a:p>
+            <a:pPr marL="0" indent="0">
+              <a:buNone/>
+            </a:pPr>
+            <a:r>
+              <a:rPr lang="en-US" b="1" dirty="0">
+                <a:solidFill>
+                  <a:schemeClr val="tx1"/>
+                </a:solidFill>
+                <a:latin typeface="Courier New" panose="02070309020205020404" pitchFamily="49" charset="0"/>
+                <a:cs typeface="Courier New" panose="02070309020205020404" pitchFamily="49" charset="0"/>
+              </a:rPr>
+              <a:t>$ ls –l /Users/</a:t>
+            </a:r>
+            <a:r>
+              <a:rPr lang="en-US" b="1" dirty="0" err="1">
+                <a:solidFill>
+                  <a:schemeClr val="tx1"/>
+                </a:solidFill>
+                <a:latin typeface="Courier New" panose="02070309020205020404" pitchFamily="49" charset="0"/>
+                <a:cs typeface="Courier New" panose="02070309020205020404" pitchFamily="49" charset="0"/>
+              </a:rPr>
+              <a:t>mparsian</a:t>
+            </a:r>
+            <a:r>
+              <a:rPr lang="en-US" b="1" dirty="0">
+                <a:solidFill>
+                  <a:schemeClr val="tx1"/>
+                </a:solidFill>
+                <a:latin typeface="Courier New" panose="02070309020205020404" pitchFamily="49" charset="0"/>
+                <a:cs typeface="Courier New" panose="02070309020205020404" pitchFamily="49" charset="0"/>
+              </a:rPr>
+              <a:t>/spark-3.3.1</a:t>
+            </a:r>
+          </a:p>
+          <a:p>
+            <a:pPr marL="0" indent="0">
+              <a:buNone/>
+            </a:pPr>
+            <a:r>
+              <a:rPr lang="en-US" sz="1500" b="1" dirty="0">
+                <a:solidFill>
+                  <a:schemeClr val="tx1"/>
+                </a:solidFill>
+                <a:latin typeface="Courier New" panose="02070309020205020404" pitchFamily="49" charset="0"/>
+                <a:cs typeface="Courier New" panose="02070309020205020404" pitchFamily="49" charset="0"/>
+              </a:rPr>
+              <a:t>-</a:t>
+            </a:r>
+            <a:r>
+              <a:rPr lang="en-US" sz="1500" b="1" dirty="0" err="1">
+                <a:solidFill>
+                  <a:schemeClr val="tx1"/>
+                </a:solidFill>
+                <a:latin typeface="Courier New" panose="02070309020205020404" pitchFamily="49" charset="0"/>
+                <a:cs typeface="Courier New" panose="02070309020205020404" pitchFamily="49" charset="0"/>
+              </a:rPr>
+              <a:t>rw</a:t>
+            </a:r>
+            <a:r>
+              <a:rPr lang="en-US" sz="1500" b="1" dirty="0">
+                <a:solidFill>
+                  <a:schemeClr val="tx1"/>
+                </a:solidFill>
+                <a:latin typeface="Courier New" panose="02070309020205020404" pitchFamily="49" charset="0"/>
+                <a:cs typeface="Courier New" panose="02070309020205020404" pitchFamily="49" charset="0"/>
+              </a:rPr>
+              <a:t>-r--r--@   1 </a:t>
+            </a:r>
+            <a:r>
+              <a:rPr lang="en-US" sz="1500" b="1" dirty="0" err="1">
+                <a:solidFill>
+                  <a:schemeClr val="tx1"/>
+                </a:solidFill>
+                <a:latin typeface="Courier New" panose="02070309020205020404" pitchFamily="49" charset="0"/>
+                <a:cs typeface="Courier New" panose="02070309020205020404" pitchFamily="49" charset="0"/>
+              </a:rPr>
+              <a:t>mparsian</a:t>
+            </a:r>
+            <a:r>
+              <a:rPr lang="en-US" sz="1500" b="1" dirty="0">
+                <a:solidFill>
+                  <a:schemeClr val="tx1"/>
+                </a:solidFill>
+                <a:latin typeface="Courier New" panose="02070309020205020404" pitchFamily="49" charset="0"/>
+                <a:cs typeface="Courier New" panose="02070309020205020404" pitchFamily="49" charset="0"/>
+              </a:rPr>
+              <a:t>  staff  22940 Oct 15 03:32 LICENSE</a:t>
+            </a:r>
+          </a:p>
+          <a:p>
+            <a:pPr marL="0" indent="0">
+              <a:buNone/>
+            </a:pPr>
+            <a:r>
+              <a:rPr lang="en-US" sz="1500" b="1" dirty="0">
+                <a:solidFill>
+                  <a:schemeClr val="tx1"/>
+                </a:solidFill>
+                <a:latin typeface="Courier New" panose="02070309020205020404" pitchFamily="49" charset="0"/>
+                <a:cs typeface="Courier New" panose="02070309020205020404" pitchFamily="49" charset="0"/>
+              </a:rPr>
+              <a:t>-</a:t>
+            </a:r>
+            <a:r>
+              <a:rPr lang="en-US" sz="1500" b="1" dirty="0" err="1">
+                <a:solidFill>
+                  <a:schemeClr val="tx1"/>
+                </a:solidFill>
+                <a:latin typeface="Courier New" panose="02070309020205020404" pitchFamily="49" charset="0"/>
+                <a:cs typeface="Courier New" panose="02070309020205020404" pitchFamily="49" charset="0"/>
+              </a:rPr>
+              <a:t>rw</a:t>
+            </a:r>
+            <a:r>
+              <a:rPr lang="en-US" sz="1500" b="1" dirty="0">
+                <a:solidFill>
+                  <a:schemeClr val="tx1"/>
+                </a:solidFill>
+                <a:latin typeface="Courier New" panose="02070309020205020404" pitchFamily="49" charset="0"/>
+                <a:cs typeface="Courier New" panose="02070309020205020404" pitchFamily="49" charset="0"/>
+              </a:rPr>
+              <a:t>-r--r--@   1 </a:t>
+            </a:r>
+            <a:r>
+              <a:rPr lang="en-US" sz="1500" b="1" dirty="0" err="1">
+                <a:solidFill>
+                  <a:schemeClr val="tx1"/>
+                </a:solidFill>
+                <a:latin typeface="Courier New" panose="02070309020205020404" pitchFamily="49" charset="0"/>
+                <a:cs typeface="Courier New" panose="02070309020205020404" pitchFamily="49" charset="0"/>
+              </a:rPr>
+              <a:t>mparsian</a:t>
+            </a:r>
+            <a:r>
+              <a:rPr lang="en-US" sz="1500" b="1" dirty="0">
+                <a:solidFill>
+                  <a:schemeClr val="tx1"/>
+                </a:solidFill>
+                <a:latin typeface="Courier New" panose="02070309020205020404" pitchFamily="49" charset="0"/>
+                <a:cs typeface="Courier New" panose="02070309020205020404" pitchFamily="49" charset="0"/>
+              </a:rPr>
+              <a:t>  staff  57842 Oct 15 03:32 NOTICE</a:t>
+            </a:r>
+          </a:p>
+          <a:p>
+            <a:pPr marL="0" indent="0">
+              <a:buNone/>
+            </a:pPr>
+            <a:r>
+              <a:rPr lang="en-US" sz="1500" b="1" dirty="0" err="1">
+                <a:solidFill>
+                  <a:schemeClr val="tx1"/>
+                </a:solidFill>
+                <a:latin typeface="Courier New" panose="02070309020205020404" pitchFamily="49" charset="0"/>
+                <a:cs typeface="Courier New" panose="02070309020205020404" pitchFamily="49" charset="0"/>
+              </a:rPr>
+              <a:t>drwxr</a:t>
+            </a:r>
+            <a:r>
+              <a:rPr lang="en-US" sz="1500" b="1" dirty="0">
+                <a:solidFill>
+                  <a:schemeClr val="tx1"/>
+                </a:solidFill>
+                <a:latin typeface="Courier New" panose="02070309020205020404" pitchFamily="49" charset="0"/>
+                <a:cs typeface="Courier New" panose="02070309020205020404" pitchFamily="49" charset="0"/>
+              </a:rPr>
+              <a:t>-</a:t>
+            </a:r>
+            <a:r>
+              <a:rPr lang="en-US" sz="1500" b="1" dirty="0" err="1">
+                <a:solidFill>
+                  <a:schemeClr val="tx1"/>
+                </a:solidFill>
+                <a:latin typeface="Courier New" panose="02070309020205020404" pitchFamily="49" charset="0"/>
+                <a:cs typeface="Courier New" panose="02070309020205020404" pitchFamily="49" charset="0"/>
+              </a:rPr>
+              <a:t>xr</a:t>
+            </a:r>
+            <a:r>
+              <a:rPr lang="en-US" sz="1500" b="1" dirty="0">
+                <a:solidFill>
+                  <a:schemeClr val="tx1"/>
+                </a:solidFill>
+                <a:latin typeface="Courier New" panose="02070309020205020404" pitchFamily="49" charset="0"/>
+                <a:cs typeface="Courier New" panose="02070309020205020404" pitchFamily="49" charset="0"/>
+              </a:rPr>
+              <a:t>-x@   3 </a:t>
+            </a:r>
+            <a:r>
+              <a:rPr lang="en-US" sz="1500" b="1" dirty="0" err="1">
+                <a:solidFill>
+                  <a:schemeClr val="tx1"/>
+                </a:solidFill>
+                <a:latin typeface="Courier New" panose="02070309020205020404" pitchFamily="49" charset="0"/>
+                <a:cs typeface="Courier New" panose="02070309020205020404" pitchFamily="49" charset="0"/>
+              </a:rPr>
+              <a:t>mparsian</a:t>
+            </a:r>
+            <a:r>
+              <a:rPr lang="en-US" sz="1500" b="1" dirty="0">
+                <a:solidFill>
+                  <a:schemeClr val="tx1"/>
+                </a:solidFill>
+                <a:latin typeface="Courier New" panose="02070309020205020404" pitchFamily="49" charset="0"/>
+                <a:cs typeface="Courier New" panose="02070309020205020404" pitchFamily="49" charset="0"/>
+              </a:rPr>
+              <a:t>  staff     96 Oct 15 03:32 R</a:t>
+            </a:r>
+          </a:p>
+          <a:p>
+            <a:pPr marL="0" indent="0">
+              <a:buNone/>
+            </a:pPr>
+            <a:r>
+              <a:rPr lang="en-US" sz="1500" b="1" dirty="0">
+                <a:solidFill>
+                  <a:schemeClr val="tx1"/>
+                </a:solidFill>
+                <a:latin typeface="Courier New" panose="02070309020205020404" pitchFamily="49" charset="0"/>
+                <a:cs typeface="Courier New" panose="02070309020205020404" pitchFamily="49" charset="0"/>
+              </a:rPr>
+              <a:t>-</a:t>
+            </a:r>
+            <a:r>
+              <a:rPr lang="en-US" sz="1500" b="1" dirty="0" err="1">
+                <a:solidFill>
+                  <a:schemeClr val="tx1"/>
+                </a:solidFill>
+                <a:latin typeface="Courier New" panose="02070309020205020404" pitchFamily="49" charset="0"/>
+                <a:cs typeface="Courier New" panose="02070309020205020404" pitchFamily="49" charset="0"/>
+              </a:rPr>
+              <a:t>rw</a:t>
+            </a:r>
+            <a:r>
+              <a:rPr lang="en-US" sz="1500" b="1" dirty="0">
+                <a:solidFill>
+                  <a:schemeClr val="tx1"/>
+                </a:solidFill>
+                <a:latin typeface="Courier New" panose="02070309020205020404" pitchFamily="49" charset="0"/>
+                <a:cs typeface="Courier New" panose="02070309020205020404" pitchFamily="49" charset="0"/>
+              </a:rPr>
+              <a:t>-r--r--@   1 </a:t>
+            </a:r>
+            <a:r>
+              <a:rPr lang="en-US" sz="1500" b="1" dirty="0" err="1">
+                <a:solidFill>
+                  <a:schemeClr val="tx1"/>
+                </a:solidFill>
+                <a:latin typeface="Courier New" panose="02070309020205020404" pitchFamily="49" charset="0"/>
+                <a:cs typeface="Courier New" panose="02070309020205020404" pitchFamily="49" charset="0"/>
+              </a:rPr>
+              <a:t>mparsian</a:t>
+            </a:r>
+            <a:r>
+              <a:rPr lang="en-US" sz="1500" b="1" dirty="0">
+                <a:solidFill>
+                  <a:schemeClr val="tx1"/>
+                </a:solidFill>
+                <a:latin typeface="Courier New" panose="02070309020205020404" pitchFamily="49" charset="0"/>
+                <a:cs typeface="Courier New" panose="02070309020205020404" pitchFamily="49" charset="0"/>
+              </a:rPr>
+              <a:t>  staff   4461 Oct 15 03:32 </a:t>
+            </a:r>
+            <a:r>
+              <a:rPr lang="en-US" sz="1500" b="1" dirty="0" err="1">
+                <a:solidFill>
+                  <a:schemeClr val="tx1"/>
+                </a:solidFill>
+                <a:latin typeface="Courier New" panose="02070309020205020404" pitchFamily="49" charset="0"/>
+                <a:cs typeface="Courier New" panose="02070309020205020404" pitchFamily="49" charset="0"/>
+              </a:rPr>
+              <a:t>README.md</a:t>
+            </a:r>
+            <a:endParaRPr lang="en-US" sz="1500" b="1" dirty="0">
               <a:solidFill>
-                <a:srgbClr val="0070C0"/>
+                <a:schemeClr val="tx1"/>
               </a:solidFill>
+              <a:latin typeface="Courier New" panose="02070309020205020404" pitchFamily="49" charset="0"/>
+              <a:cs typeface="Courier New" panose="02070309020205020404" pitchFamily="49" charset="0"/>
             </a:endParaRPr>
           </a:p>
           <a:p>
-            <a:r>
-              <a:rPr lang="en-US" sz="2800" dirty="0"/>
-              <a:t>Then from the terminal command line invoke the following command:</a:t>
-            </a:r>
-          </a:p>
-          <a:p>
-            <a:pPr marL="0" indent="0">
-              <a:buNone/>
-            </a:pPr>
-            <a:r>
-              <a:rPr lang="en-US" sz="2800" dirty="0">
-                <a:solidFill>
-                  <a:srgbClr val="0070C0"/>
-                </a:solidFill>
-                <a:latin typeface="Consolas" panose="020B0609020204030204" pitchFamily="49" charset="0"/>
-                <a:cs typeface="Consolas" panose="020B0609020204030204" pitchFamily="49" charset="0"/>
-              </a:rPr>
-              <a:t>$SPARK_HOME/bin/pyspark </a:t>
-            </a:r>
-          </a:p>
-          <a:p>
-            <a:pPr marL="0" indent="0">
-              <a:buNone/>
-            </a:pPr>
-            <a:endParaRPr lang="en-US" dirty="0"/>
+            <a:pPr marL="0" indent="0">
+              <a:buNone/>
+            </a:pPr>
+            <a:r>
+              <a:rPr lang="en-US" sz="1500" b="1" dirty="0">
+                <a:solidFill>
+                  <a:schemeClr val="tx1"/>
+                </a:solidFill>
+                <a:latin typeface="Courier New" panose="02070309020205020404" pitchFamily="49" charset="0"/>
+                <a:cs typeface="Courier New" panose="02070309020205020404" pitchFamily="49" charset="0"/>
+              </a:rPr>
+              <a:t>-</a:t>
+            </a:r>
+            <a:r>
+              <a:rPr lang="en-US" sz="1500" b="1" dirty="0" err="1">
+                <a:solidFill>
+                  <a:schemeClr val="tx1"/>
+                </a:solidFill>
+                <a:latin typeface="Courier New" panose="02070309020205020404" pitchFamily="49" charset="0"/>
+                <a:cs typeface="Courier New" panose="02070309020205020404" pitchFamily="49" charset="0"/>
+              </a:rPr>
+              <a:t>rw</a:t>
+            </a:r>
+            <a:r>
+              <a:rPr lang="en-US" sz="1500" b="1" dirty="0">
+                <a:solidFill>
+                  <a:schemeClr val="tx1"/>
+                </a:solidFill>
+                <a:latin typeface="Courier New" panose="02070309020205020404" pitchFamily="49" charset="0"/>
+                <a:cs typeface="Courier New" panose="02070309020205020404" pitchFamily="49" charset="0"/>
+              </a:rPr>
+              <a:t>-r--r--@   1 </a:t>
+            </a:r>
+            <a:r>
+              <a:rPr lang="en-US" sz="1500" b="1" dirty="0" err="1">
+                <a:solidFill>
+                  <a:schemeClr val="tx1"/>
+                </a:solidFill>
+                <a:latin typeface="Courier New" panose="02070309020205020404" pitchFamily="49" charset="0"/>
+                <a:cs typeface="Courier New" panose="02070309020205020404" pitchFamily="49" charset="0"/>
+              </a:rPr>
+              <a:t>mparsian</a:t>
+            </a:r>
+            <a:r>
+              <a:rPr lang="en-US" sz="1500" b="1" dirty="0">
+                <a:solidFill>
+                  <a:schemeClr val="tx1"/>
+                </a:solidFill>
+                <a:latin typeface="Courier New" panose="02070309020205020404" pitchFamily="49" charset="0"/>
+                <a:cs typeface="Courier New" panose="02070309020205020404" pitchFamily="49" charset="0"/>
+              </a:rPr>
+              <a:t>  staff    165 Oct 15 03:32 RELEASE</a:t>
+            </a:r>
+          </a:p>
+          <a:p>
+            <a:pPr marL="0" indent="0">
+              <a:buNone/>
+            </a:pPr>
+            <a:r>
+              <a:rPr lang="en-US" sz="1500" b="1" dirty="0" err="1">
+                <a:solidFill>
+                  <a:schemeClr val="tx1"/>
+                </a:solidFill>
+                <a:latin typeface="Courier New" panose="02070309020205020404" pitchFamily="49" charset="0"/>
+                <a:cs typeface="Courier New" panose="02070309020205020404" pitchFamily="49" charset="0"/>
+              </a:rPr>
+              <a:t>drwxr</a:t>
+            </a:r>
+            <a:r>
+              <a:rPr lang="en-US" sz="1500" b="1" dirty="0">
+                <a:solidFill>
+                  <a:schemeClr val="tx1"/>
+                </a:solidFill>
+                <a:latin typeface="Courier New" panose="02070309020205020404" pitchFamily="49" charset="0"/>
+                <a:cs typeface="Courier New" panose="02070309020205020404" pitchFamily="49" charset="0"/>
+              </a:rPr>
+              <a:t>-</a:t>
+            </a:r>
+            <a:r>
+              <a:rPr lang="en-US" sz="1500" b="1" dirty="0" err="1">
+                <a:solidFill>
+                  <a:schemeClr val="tx1"/>
+                </a:solidFill>
+                <a:latin typeface="Courier New" panose="02070309020205020404" pitchFamily="49" charset="0"/>
+                <a:cs typeface="Courier New" panose="02070309020205020404" pitchFamily="49" charset="0"/>
+              </a:rPr>
+              <a:t>xr</a:t>
+            </a:r>
+            <a:r>
+              <a:rPr lang="en-US" sz="1500" b="1" dirty="0">
+                <a:solidFill>
+                  <a:schemeClr val="tx1"/>
+                </a:solidFill>
+                <a:latin typeface="Courier New" panose="02070309020205020404" pitchFamily="49" charset="0"/>
+                <a:cs typeface="Courier New" panose="02070309020205020404" pitchFamily="49" charset="0"/>
+              </a:rPr>
+              <a:t>-x@  29 </a:t>
+            </a:r>
+            <a:r>
+              <a:rPr lang="en-US" sz="1500" b="1" dirty="0" err="1">
+                <a:solidFill>
+                  <a:schemeClr val="tx1"/>
+                </a:solidFill>
+                <a:latin typeface="Courier New" panose="02070309020205020404" pitchFamily="49" charset="0"/>
+                <a:cs typeface="Courier New" panose="02070309020205020404" pitchFamily="49" charset="0"/>
+              </a:rPr>
+              <a:t>mparsian</a:t>
+            </a:r>
+            <a:r>
+              <a:rPr lang="en-US" sz="1500" b="1" dirty="0">
+                <a:solidFill>
+                  <a:schemeClr val="tx1"/>
+                </a:solidFill>
+                <a:latin typeface="Courier New" panose="02070309020205020404" pitchFamily="49" charset="0"/>
+                <a:cs typeface="Courier New" panose="02070309020205020404" pitchFamily="49" charset="0"/>
+              </a:rPr>
+              <a:t>  staff    928 Oct 15 03:32 bin</a:t>
+            </a:r>
+          </a:p>
+          <a:p>
+            <a:pPr marL="0" indent="0">
+              <a:buNone/>
+            </a:pPr>
+            <a:r>
+              <a:rPr lang="en-US" sz="1500" b="1" dirty="0" err="1">
+                <a:solidFill>
+                  <a:schemeClr val="tx1"/>
+                </a:solidFill>
+                <a:latin typeface="Courier New" panose="02070309020205020404" pitchFamily="49" charset="0"/>
+                <a:cs typeface="Courier New" panose="02070309020205020404" pitchFamily="49" charset="0"/>
+              </a:rPr>
+              <a:t>drwxr</a:t>
+            </a:r>
+            <a:r>
+              <a:rPr lang="en-US" sz="1500" b="1" dirty="0">
+                <a:solidFill>
+                  <a:schemeClr val="tx1"/>
+                </a:solidFill>
+                <a:latin typeface="Courier New" panose="02070309020205020404" pitchFamily="49" charset="0"/>
+                <a:cs typeface="Courier New" panose="02070309020205020404" pitchFamily="49" charset="0"/>
+              </a:rPr>
+              <a:t>-</a:t>
+            </a:r>
+            <a:r>
+              <a:rPr lang="en-US" sz="1500" b="1" dirty="0" err="1">
+                <a:solidFill>
+                  <a:schemeClr val="tx1"/>
+                </a:solidFill>
+                <a:latin typeface="Courier New" panose="02070309020205020404" pitchFamily="49" charset="0"/>
+                <a:cs typeface="Courier New" panose="02070309020205020404" pitchFamily="49" charset="0"/>
+              </a:rPr>
+              <a:t>xr</a:t>
+            </a:r>
+            <a:r>
+              <a:rPr lang="en-US" sz="1500" b="1" dirty="0">
+                <a:solidFill>
+                  <a:schemeClr val="tx1"/>
+                </a:solidFill>
+                <a:latin typeface="Courier New" panose="02070309020205020404" pitchFamily="49" charset="0"/>
+                <a:cs typeface="Courier New" panose="02070309020205020404" pitchFamily="49" charset="0"/>
+              </a:rPr>
+              <a:t>-x@   9 </a:t>
+            </a:r>
+            <a:r>
+              <a:rPr lang="en-US" sz="1500" b="1" dirty="0" err="1">
+                <a:solidFill>
+                  <a:schemeClr val="tx1"/>
+                </a:solidFill>
+                <a:latin typeface="Courier New" panose="02070309020205020404" pitchFamily="49" charset="0"/>
+                <a:cs typeface="Courier New" panose="02070309020205020404" pitchFamily="49" charset="0"/>
+              </a:rPr>
+              <a:t>mparsian</a:t>
+            </a:r>
+            <a:r>
+              <a:rPr lang="en-US" sz="1500" b="1" dirty="0">
+                <a:solidFill>
+                  <a:schemeClr val="tx1"/>
+                </a:solidFill>
+                <a:latin typeface="Courier New" panose="02070309020205020404" pitchFamily="49" charset="0"/>
+                <a:cs typeface="Courier New" panose="02070309020205020404" pitchFamily="49" charset="0"/>
+              </a:rPr>
+              <a:t>  staff    288 Nov 28 10:07 conf</a:t>
+            </a:r>
+          </a:p>
+          <a:p>
+            <a:pPr marL="0" indent="0">
+              <a:buNone/>
+            </a:pPr>
+            <a:r>
+              <a:rPr lang="en-US" sz="1500" b="1" dirty="0" err="1">
+                <a:solidFill>
+                  <a:schemeClr val="tx1"/>
+                </a:solidFill>
+                <a:latin typeface="Courier New" panose="02070309020205020404" pitchFamily="49" charset="0"/>
+                <a:cs typeface="Courier New" panose="02070309020205020404" pitchFamily="49" charset="0"/>
+              </a:rPr>
+              <a:t>drwxr</a:t>
+            </a:r>
+            <a:r>
+              <a:rPr lang="en-US" sz="1500" b="1" dirty="0">
+                <a:solidFill>
+                  <a:schemeClr val="tx1"/>
+                </a:solidFill>
+                <a:latin typeface="Courier New" panose="02070309020205020404" pitchFamily="49" charset="0"/>
+                <a:cs typeface="Courier New" panose="02070309020205020404" pitchFamily="49" charset="0"/>
+              </a:rPr>
+              <a:t>-</a:t>
+            </a:r>
+            <a:r>
+              <a:rPr lang="en-US" sz="1500" b="1" dirty="0" err="1">
+                <a:solidFill>
+                  <a:schemeClr val="tx1"/>
+                </a:solidFill>
+                <a:latin typeface="Courier New" panose="02070309020205020404" pitchFamily="49" charset="0"/>
+                <a:cs typeface="Courier New" panose="02070309020205020404" pitchFamily="49" charset="0"/>
+              </a:rPr>
+              <a:t>xr</a:t>
+            </a:r>
+            <a:r>
+              <a:rPr lang="en-US" sz="1500" b="1" dirty="0">
+                <a:solidFill>
+                  <a:schemeClr val="tx1"/>
+                </a:solidFill>
+                <a:latin typeface="Courier New" panose="02070309020205020404" pitchFamily="49" charset="0"/>
+                <a:cs typeface="Courier New" panose="02070309020205020404" pitchFamily="49" charset="0"/>
+              </a:rPr>
+              <a:t>-x@   5 </a:t>
+            </a:r>
+            <a:r>
+              <a:rPr lang="en-US" sz="1500" b="1" dirty="0" err="1">
+                <a:solidFill>
+                  <a:schemeClr val="tx1"/>
+                </a:solidFill>
+                <a:latin typeface="Courier New" panose="02070309020205020404" pitchFamily="49" charset="0"/>
+                <a:cs typeface="Courier New" panose="02070309020205020404" pitchFamily="49" charset="0"/>
+              </a:rPr>
+              <a:t>mparsian</a:t>
+            </a:r>
+            <a:r>
+              <a:rPr lang="en-US" sz="1500" b="1" dirty="0">
+                <a:solidFill>
+                  <a:schemeClr val="tx1"/>
+                </a:solidFill>
+                <a:latin typeface="Courier New" panose="02070309020205020404" pitchFamily="49" charset="0"/>
+                <a:cs typeface="Courier New" panose="02070309020205020404" pitchFamily="49" charset="0"/>
+              </a:rPr>
+              <a:t>  staff    160 Oct 15 03:32 data</a:t>
+            </a:r>
+          </a:p>
+          <a:p>
+            <a:pPr marL="0" indent="0">
+              <a:buNone/>
+            </a:pPr>
+            <a:r>
+              <a:rPr lang="en-US" sz="1500" b="1" dirty="0" err="1">
+                <a:solidFill>
+                  <a:schemeClr val="tx1"/>
+                </a:solidFill>
+                <a:latin typeface="Courier New" panose="02070309020205020404" pitchFamily="49" charset="0"/>
+                <a:cs typeface="Courier New" panose="02070309020205020404" pitchFamily="49" charset="0"/>
+              </a:rPr>
+              <a:t>drwxr</a:t>
+            </a:r>
+            <a:r>
+              <a:rPr lang="en-US" sz="1500" b="1" dirty="0">
+                <a:solidFill>
+                  <a:schemeClr val="tx1"/>
+                </a:solidFill>
+                <a:latin typeface="Courier New" panose="02070309020205020404" pitchFamily="49" charset="0"/>
+                <a:cs typeface="Courier New" panose="02070309020205020404" pitchFamily="49" charset="0"/>
+              </a:rPr>
+              <a:t>-</a:t>
+            </a:r>
+            <a:r>
+              <a:rPr lang="en-US" sz="1500" b="1" dirty="0" err="1">
+                <a:solidFill>
+                  <a:schemeClr val="tx1"/>
+                </a:solidFill>
+                <a:latin typeface="Courier New" panose="02070309020205020404" pitchFamily="49" charset="0"/>
+                <a:cs typeface="Courier New" panose="02070309020205020404" pitchFamily="49" charset="0"/>
+              </a:rPr>
+              <a:t>xr</a:t>
+            </a:r>
+            <a:r>
+              <a:rPr lang="en-US" sz="1500" b="1" dirty="0">
+                <a:solidFill>
+                  <a:schemeClr val="tx1"/>
+                </a:solidFill>
+                <a:latin typeface="Courier New" panose="02070309020205020404" pitchFamily="49" charset="0"/>
+                <a:cs typeface="Courier New" panose="02070309020205020404" pitchFamily="49" charset="0"/>
+              </a:rPr>
+              <a:t>-x@   4 </a:t>
+            </a:r>
+            <a:r>
+              <a:rPr lang="en-US" sz="1500" b="1" dirty="0" err="1">
+                <a:solidFill>
+                  <a:schemeClr val="tx1"/>
+                </a:solidFill>
+                <a:latin typeface="Courier New" panose="02070309020205020404" pitchFamily="49" charset="0"/>
+                <a:cs typeface="Courier New" panose="02070309020205020404" pitchFamily="49" charset="0"/>
+              </a:rPr>
+              <a:t>mparsian</a:t>
+            </a:r>
+            <a:r>
+              <a:rPr lang="en-US" sz="1500" b="1" dirty="0">
+                <a:solidFill>
+                  <a:schemeClr val="tx1"/>
+                </a:solidFill>
+                <a:latin typeface="Courier New" panose="02070309020205020404" pitchFamily="49" charset="0"/>
+                <a:cs typeface="Courier New" panose="02070309020205020404" pitchFamily="49" charset="0"/>
+              </a:rPr>
+              <a:t>  staff    128 Oct 15 03:32 examples</a:t>
+            </a:r>
+          </a:p>
+          <a:p>
+            <a:pPr marL="0" indent="0">
+              <a:buNone/>
+            </a:pPr>
+            <a:r>
+              <a:rPr lang="en-US" sz="1500" b="1" dirty="0" err="1">
+                <a:solidFill>
+                  <a:schemeClr val="tx1"/>
+                </a:solidFill>
+                <a:latin typeface="Courier New" panose="02070309020205020404" pitchFamily="49" charset="0"/>
+                <a:cs typeface="Courier New" panose="02070309020205020404" pitchFamily="49" charset="0"/>
+              </a:rPr>
+              <a:t>drwxr</a:t>
+            </a:r>
+            <a:r>
+              <a:rPr lang="en-US" sz="1500" b="1" dirty="0">
+                <a:solidFill>
+                  <a:schemeClr val="tx1"/>
+                </a:solidFill>
+                <a:latin typeface="Courier New" panose="02070309020205020404" pitchFamily="49" charset="0"/>
+                <a:cs typeface="Courier New" panose="02070309020205020404" pitchFamily="49" charset="0"/>
+              </a:rPr>
+              <a:t>-</a:t>
+            </a:r>
+            <a:r>
+              <a:rPr lang="en-US" sz="1500" b="1" dirty="0" err="1">
+                <a:solidFill>
+                  <a:schemeClr val="tx1"/>
+                </a:solidFill>
+                <a:latin typeface="Courier New" panose="02070309020205020404" pitchFamily="49" charset="0"/>
+                <a:cs typeface="Courier New" panose="02070309020205020404" pitchFamily="49" charset="0"/>
+              </a:rPr>
+              <a:t>xr</a:t>
+            </a:r>
+            <a:r>
+              <a:rPr lang="en-US" sz="1500" b="1" dirty="0">
+                <a:solidFill>
+                  <a:schemeClr val="tx1"/>
+                </a:solidFill>
+                <a:latin typeface="Courier New" panose="02070309020205020404" pitchFamily="49" charset="0"/>
+                <a:cs typeface="Courier New" panose="02070309020205020404" pitchFamily="49" charset="0"/>
+              </a:rPr>
+              <a:t>-x@ 250 </a:t>
+            </a:r>
+            <a:r>
+              <a:rPr lang="en-US" sz="1500" b="1" dirty="0" err="1">
+                <a:solidFill>
+                  <a:schemeClr val="tx1"/>
+                </a:solidFill>
+                <a:latin typeface="Courier New" panose="02070309020205020404" pitchFamily="49" charset="0"/>
+                <a:cs typeface="Courier New" panose="02070309020205020404" pitchFamily="49" charset="0"/>
+              </a:rPr>
+              <a:t>mparsian</a:t>
+            </a:r>
+            <a:r>
+              <a:rPr lang="en-US" sz="1500" b="1" dirty="0">
+                <a:solidFill>
+                  <a:schemeClr val="tx1"/>
+                </a:solidFill>
+                <a:latin typeface="Courier New" panose="02070309020205020404" pitchFamily="49" charset="0"/>
+                <a:cs typeface="Courier New" panose="02070309020205020404" pitchFamily="49" charset="0"/>
+              </a:rPr>
+              <a:t>  staff   8000 Oct 15 03:32 jars</a:t>
+            </a:r>
+          </a:p>
+          <a:p>
+            <a:pPr marL="0" indent="0">
+              <a:buNone/>
+            </a:pPr>
+            <a:r>
+              <a:rPr lang="en-US" sz="1500" b="1" dirty="0" err="1">
+                <a:solidFill>
+                  <a:schemeClr val="tx1"/>
+                </a:solidFill>
+                <a:latin typeface="Courier New" panose="02070309020205020404" pitchFamily="49" charset="0"/>
+                <a:cs typeface="Courier New" panose="02070309020205020404" pitchFamily="49" charset="0"/>
+              </a:rPr>
+              <a:t>drwxr</a:t>
+            </a:r>
+            <a:r>
+              <a:rPr lang="en-US" sz="1500" b="1" dirty="0">
+                <a:solidFill>
+                  <a:schemeClr val="tx1"/>
+                </a:solidFill>
+                <a:latin typeface="Courier New" panose="02070309020205020404" pitchFamily="49" charset="0"/>
+                <a:cs typeface="Courier New" panose="02070309020205020404" pitchFamily="49" charset="0"/>
+              </a:rPr>
+              <a:t>-</a:t>
+            </a:r>
+            <a:r>
+              <a:rPr lang="en-US" sz="1500" b="1" dirty="0" err="1">
+                <a:solidFill>
+                  <a:schemeClr val="tx1"/>
+                </a:solidFill>
+                <a:latin typeface="Courier New" panose="02070309020205020404" pitchFamily="49" charset="0"/>
+                <a:cs typeface="Courier New" panose="02070309020205020404" pitchFamily="49" charset="0"/>
+              </a:rPr>
+              <a:t>xr</a:t>
+            </a:r>
+            <a:r>
+              <a:rPr lang="en-US" sz="1500" b="1" dirty="0">
+                <a:solidFill>
+                  <a:schemeClr val="tx1"/>
+                </a:solidFill>
+                <a:latin typeface="Courier New" panose="02070309020205020404" pitchFamily="49" charset="0"/>
+                <a:cs typeface="Courier New" panose="02070309020205020404" pitchFamily="49" charset="0"/>
+              </a:rPr>
+              <a:t>-x@   4 </a:t>
+            </a:r>
+            <a:r>
+              <a:rPr lang="en-US" sz="1500" b="1" dirty="0" err="1">
+                <a:solidFill>
+                  <a:schemeClr val="tx1"/>
+                </a:solidFill>
+                <a:latin typeface="Courier New" panose="02070309020205020404" pitchFamily="49" charset="0"/>
+                <a:cs typeface="Courier New" panose="02070309020205020404" pitchFamily="49" charset="0"/>
+              </a:rPr>
+              <a:t>mparsian</a:t>
+            </a:r>
+            <a:r>
+              <a:rPr lang="en-US" sz="1500" b="1" dirty="0">
+                <a:solidFill>
+                  <a:schemeClr val="tx1"/>
+                </a:solidFill>
+                <a:latin typeface="Courier New" panose="02070309020205020404" pitchFamily="49" charset="0"/>
+                <a:cs typeface="Courier New" panose="02070309020205020404" pitchFamily="49" charset="0"/>
+              </a:rPr>
+              <a:t>  staff    128 Oct 15 03:32 </a:t>
+            </a:r>
+            <a:r>
+              <a:rPr lang="en-US" sz="1500" b="1" dirty="0" err="1">
+                <a:solidFill>
+                  <a:schemeClr val="tx1"/>
+                </a:solidFill>
+                <a:latin typeface="Courier New" panose="02070309020205020404" pitchFamily="49" charset="0"/>
+                <a:cs typeface="Courier New" panose="02070309020205020404" pitchFamily="49" charset="0"/>
+              </a:rPr>
+              <a:t>kubernetes</a:t>
+            </a:r>
+            <a:endParaRPr lang="en-US" sz="1500" b="1" dirty="0">
+              <a:solidFill>
+                <a:schemeClr val="tx1"/>
+              </a:solidFill>
+              <a:latin typeface="Courier New" panose="02070309020205020404" pitchFamily="49" charset="0"/>
+              <a:cs typeface="Courier New" panose="02070309020205020404" pitchFamily="49" charset="0"/>
+            </a:endParaRPr>
+          </a:p>
+          <a:p>
+            <a:pPr marL="0" indent="0">
+              <a:buNone/>
+            </a:pPr>
+            <a:r>
+              <a:rPr lang="en-US" sz="1500" b="1" dirty="0" err="1">
+                <a:solidFill>
+                  <a:schemeClr val="tx1"/>
+                </a:solidFill>
+                <a:latin typeface="Courier New" panose="02070309020205020404" pitchFamily="49" charset="0"/>
+                <a:cs typeface="Courier New" panose="02070309020205020404" pitchFamily="49" charset="0"/>
+              </a:rPr>
+              <a:t>drwxr</a:t>
+            </a:r>
+            <a:r>
+              <a:rPr lang="en-US" sz="1500" b="1" dirty="0">
+                <a:solidFill>
+                  <a:schemeClr val="tx1"/>
+                </a:solidFill>
+                <a:latin typeface="Courier New" panose="02070309020205020404" pitchFamily="49" charset="0"/>
+                <a:cs typeface="Courier New" panose="02070309020205020404" pitchFamily="49" charset="0"/>
+              </a:rPr>
+              <a:t>-</a:t>
+            </a:r>
+            <a:r>
+              <a:rPr lang="en-US" sz="1500" b="1" dirty="0" err="1">
+                <a:solidFill>
+                  <a:schemeClr val="tx1"/>
+                </a:solidFill>
+                <a:latin typeface="Courier New" panose="02070309020205020404" pitchFamily="49" charset="0"/>
+                <a:cs typeface="Courier New" panose="02070309020205020404" pitchFamily="49" charset="0"/>
+              </a:rPr>
+              <a:t>xr</a:t>
+            </a:r>
+            <a:r>
+              <a:rPr lang="en-US" sz="1500" b="1" dirty="0">
+                <a:solidFill>
+                  <a:schemeClr val="tx1"/>
+                </a:solidFill>
+                <a:latin typeface="Courier New" panose="02070309020205020404" pitchFamily="49" charset="0"/>
+                <a:cs typeface="Courier New" panose="02070309020205020404" pitchFamily="49" charset="0"/>
+              </a:rPr>
+              <a:t>-x@  60 </a:t>
+            </a:r>
+            <a:r>
+              <a:rPr lang="en-US" sz="1500" b="1" dirty="0" err="1">
+                <a:solidFill>
+                  <a:schemeClr val="tx1"/>
+                </a:solidFill>
+                <a:latin typeface="Courier New" panose="02070309020205020404" pitchFamily="49" charset="0"/>
+                <a:cs typeface="Courier New" panose="02070309020205020404" pitchFamily="49" charset="0"/>
+              </a:rPr>
+              <a:t>mparsian</a:t>
+            </a:r>
+            <a:r>
+              <a:rPr lang="en-US" sz="1500" b="1" dirty="0">
+                <a:solidFill>
+                  <a:schemeClr val="tx1"/>
+                </a:solidFill>
+                <a:latin typeface="Courier New" panose="02070309020205020404" pitchFamily="49" charset="0"/>
+                <a:cs typeface="Courier New" panose="02070309020205020404" pitchFamily="49" charset="0"/>
+              </a:rPr>
+              <a:t>  staff   1920 Oct 15 03:32 licenses</a:t>
+            </a:r>
+          </a:p>
+          <a:p>
+            <a:pPr marL="0" indent="0">
+              <a:buNone/>
+            </a:pPr>
+            <a:r>
+              <a:rPr lang="en-US" sz="1500" b="1" dirty="0" err="1">
+                <a:solidFill>
+                  <a:schemeClr val="tx1"/>
+                </a:solidFill>
+                <a:latin typeface="Courier New" panose="02070309020205020404" pitchFamily="49" charset="0"/>
+                <a:cs typeface="Courier New" panose="02070309020205020404" pitchFamily="49" charset="0"/>
+              </a:rPr>
+              <a:t>drwxr</a:t>
+            </a:r>
+            <a:r>
+              <a:rPr lang="en-US" sz="1500" b="1" dirty="0">
+                <a:solidFill>
+                  <a:schemeClr val="tx1"/>
+                </a:solidFill>
+                <a:latin typeface="Courier New" panose="02070309020205020404" pitchFamily="49" charset="0"/>
+                <a:cs typeface="Courier New" panose="02070309020205020404" pitchFamily="49" charset="0"/>
+              </a:rPr>
+              <a:t>-</a:t>
+            </a:r>
+            <a:r>
+              <a:rPr lang="en-US" sz="1500" b="1" dirty="0" err="1">
+                <a:solidFill>
+                  <a:schemeClr val="tx1"/>
+                </a:solidFill>
+                <a:latin typeface="Courier New" panose="02070309020205020404" pitchFamily="49" charset="0"/>
+                <a:cs typeface="Courier New" panose="02070309020205020404" pitchFamily="49" charset="0"/>
+              </a:rPr>
+              <a:t>xr</a:t>
+            </a:r>
+            <a:r>
+              <a:rPr lang="en-US" sz="1500" b="1" dirty="0">
+                <a:solidFill>
+                  <a:schemeClr val="tx1"/>
+                </a:solidFill>
+                <a:latin typeface="Courier New" panose="02070309020205020404" pitchFamily="49" charset="0"/>
+                <a:cs typeface="Courier New" panose="02070309020205020404" pitchFamily="49" charset="0"/>
+              </a:rPr>
+              <a:t>-x@  19 </a:t>
+            </a:r>
+            <a:r>
+              <a:rPr lang="en-US" sz="1500" b="1" dirty="0" err="1">
+                <a:solidFill>
+                  <a:schemeClr val="tx1"/>
+                </a:solidFill>
+                <a:latin typeface="Courier New" panose="02070309020205020404" pitchFamily="49" charset="0"/>
+                <a:cs typeface="Courier New" panose="02070309020205020404" pitchFamily="49" charset="0"/>
+              </a:rPr>
+              <a:t>mparsian</a:t>
+            </a:r>
+            <a:r>
+              <a:rPr lang="en-US" sz="1500" b="1" dirty="0">
+                <a:solidFill>
+                  <a:schemeClr val="tx1"/>
+                </a:solidFill>
+                <a:latin typeface="Courier New" panose="02070309020205020404" pitchFamily="49" charset="0"/>
+                <a:cs typeface="Courier New" panose="02070309020205020404" pitchFamily="49" charset="0"/>
+              </a:rPr>
+              <a:t>  staff    608 Oct 15 03:32 python</a:t>
+            </a:r>
+          </a:p>
+          <a:p>
+            <a:pPr marL="0" indent="0">
+              <a:buNone/>
+            </a:pPr>
+            <a:r>
+              <a:rPr lang="en-US" sz="1500" b="1" dirty="0" err="1">
+                <a:solidFill>
+                  <a:schemeClr val="tx1"/>
+                </a:solidFill>
+                <a:latin typeface="Courier New" panose="02070309020205020404" pitchFamily="49" charset="0"/>
+                <a:cs typeface="Courier New" panose="02070309020205020404" pitchFamily="49" charset="0"/>
+              </a:rPr>
+              <a:t>drwxr</a:t>
+            </a:r>
+            <a:r>
+              <a:rPr lang="en-US" sz="1500" b="1" dirty="0">
+                <a:solidFill>
+                  <a:schemeClr val="tx1"/>
+                </a:solidFill>
+                <a:latin typeface="Courier New" panose="02070309020205020404" pitchFamily="49" charset="0"/>
+                <a:cs typeface="Courier New" panose="02070309020205020404" pitchFamily="49" charset="0"/>
+              </a:rPr>
+              <a:t>-</a:t>
+            </a:r>
+            <a:r>
+              <a:rPr lang="en-US" sz="1500" b="1" dirty="0" err="1">
+                <a:solidFill>
+                  <a:schemeClr val="tx1"/>
+                </a:solidFill>
+                <a:latin typeface="Courier New" panose="02070309020205020404" pitchFamily="49" charset="0"/>
+                <a:cs typeface="Courier New" panose="02070309020205020404" pitchFamily="49" charset="0"/>
+              </a:rPr>
+              <a:t>xr</a:t>
+            </a:r>
+            <a:r>
+              <a:rPr lang="en-US" sz="1500" b="1" dirty="0">
+                <a:solidFill>
+                  <a:schemeClr val="tx1"/>
+                </a:solidFill>
+                <a:latin typeface="Courier New" panose="02070309020205020404" pitchFamily="49" charset="0"/>
+                <a:cs typeface="Courier New" panose="02070309020205020404" pitchFamily="49" charset="0"/>
+              </a:rPr>
+              <a:t>-x@  29 </a:t>
+            </a:r>
+            <a:r>
+              <a:rPr lang="en-US" sz="1500" b="1" dirty="0" err="1">
+                <a:solidFill>
+                  <a:schemeClr val="tx1"/>
+                </a:solidFill>
+                <a:latin typeface="Courier New" panose="02070309020205020404" pitchFamily="49" charset="0"/>
+                <a:cs typeface="Courier New" panose="02070309020205020404" pitchFamily="49" charset="0"/>
+              </a:rPr>
+              <a:t>mparsian</a:t>
+            </a:r>
+            <a:r>
+              <a:rPr lang="en-US" sz="1500" b="1" dirty="0">
+                <a:solidFill>
+                  <a:schemeClr val="tx1"/>
+                </a:solidFill>
+                <a:latin typeface="Courier New" panose="02070309020205020404" pitchFamily="49" charset="0"/>
+                <a:cs typeface="Courier New" panose="02070309020205020404" pitchFamily="49" charset="0"/>
+              </a:rPr>
+              <a:t>  staff    928 Oct 15 03:32 </a:t>
+            </a:r>
+            <a:r>
+              <a:rPr lang="en-US" sz="1500" b="1" dirty="0" err="1">
+                <a:solidFill>
+                  <a:schemeClr val="tx1"/>
+                </a:solidFill>
+                <a:latin typeface="Courier New" panose="02070309020205020404" pitchFamily="49" charset="0"/>
+                <a:cs typeface="Courier New" panose="02070309020205020404" pitchFamily="49" charset="0"/>
+              </a:rPr>
+              <a:t>sbin</a:t>
+            </a:r>
+            <a:endParaRPr lang="en-US" sz="1500" b="1" dirty="0">
+              <a:solidFill>
+                <a:schemeClr val="tx1"/>
+              </a:solidFill>
+              <a:latin typeface="Courier New" panose="02070309020205020404" pitchFamily="49" charset="0"/>
+              <a:cs typeface="Courier New" panose="02070309020205020404" pitchFamily="49" charset="0"/>
+            </a:endParaRPr>
+          </a:p>
+          <a:p>
+            <a:pPr marL="0" indent="0">
+              <a:buNone/>
+            </a:pPr>
+            <a:r>
+              <a:rPr lang="en-US" sz="1500" b="1" dirty="0" err="1">
+                <a:solidFill>
+                  <a:schemeClr val="tx1"/>
+                </a:solidFill>
+                <a:latin typeface="Courier New" panose="02070309020205020404" pitchFamily="49" charset="0"/>
+                <a:cs typeface="Courier New" panose="02070309020205020404" pitchFamily="49" charset="0"/>
+              </a:rPr>
+              <a:t>drwxr</a:t>
+            </a:r>
+            <a:r>
+              <a:rPr lang="en-US" sz="1500" b="1" dirty="0">
+                <a:solidFill>
+                  <a:schemeClr val="tx1"/>
+                </a:solidFill>
+                <a:latin typeface="Courier New" panose="02070309020205020404" pitchFamily="49" charset="0"/>
+                <a:cs typeface="Courier New" panose="02070309020205020404" pitchFamily="49" charset="0"/>
+              </a:rPr>
+              <a:t>-</a:t>
+            </a:r>
+            <a:r>
+              <a:rPr lang="en-US" sz="1500" b="1" dirty="0" err="1">
+                <a:solidFill>
+                  <a:schemeClr val="tx1"/>
+                </a:solidFill>
+                <a:latin typeface="Courier New" panose="02070309020205020404" pitchFamily="49" charset="0"/>
+                <a:cs typeface="Courier New" panose="02070309020205020404" pitchFamily="49" charset="0"/>
+              </a:rPr>
+              <a:t>xr</a:t>
+            </a:r>
+            <a:r>
+              <a:rPr lang="en-US" sz="1500" b="1" dirty="0">
+                <a:solidFill>
+                  <a:schemeClr val="tx1"/>
+                </a:solidFill>
+                <a:latin typeface="Courier New" panose="02070309020205020404" pitchFamily="49" charset="0"/>
+                <a:cs typeface="Courier New" panose="02070309020205020404" pitchFamily="49" charset="0"/>
+              </a:rPr>
+              <a:t>-x@   3 </a:t>
+            </a:r>
+            <a:r>
+              <a:rPr lang="en-US" sz="1500" b="1" dirty="0" err="1">
+                <a:solidFill>
+                  <a:schemeClr val="tx1"/>
+                </a:solidFill>
+                <a:latin typeface="Courier New" panose="02070309020205020404" pitchFamily="49" charset="0"/>
+                <a:cs typeface="Courier New" panose="02070309020205020404" pitchFamily="49" charset="0"/>
+              </a:rPr>
+              <a:t>mparsian</a:t>
+            </a:r>
+            <a:r>
+              <a:rPr lang="en-US" sz="1500" b="1" dirty="0">
+                <a:solidFill>
+                  <a:schemeClr val="tx1"/>
+                </a:solidFill>
+                <a:latin typeface="Courier New" panose="02070309020205020404" pitchFamily="49" charset="0"/>
+                <a:cs typeface="Courier New" panose="02070309020205020404" pitchFamily="49" charset="0"/>
+              </a:rPr>
+              <a:t>  staff     96 Oct 15 03:32 yarn</a:t>
+            </a:r>
           </a:p>
         </p:txBody>
       </p:sp>
@@ -8211,12 +9771,7 @@
             <p:ph type="title"/>
           </p:nvPr>
         </p:nvSpPr>
-        <p:spPr>
-          <a:xfrm>
-            <a:off x="628650" y="273844"/>
-            <a:ext cx="7886700" cy="597013"/>
-          </a:xfrm>
-        </p:spPr>
+        <p:spPr/>
         <p:txBody>
           <a:bodyPr/>
           <a:lstStyle/>
@@ -8244,77 +9799,222 @@
             <p:ph idx="1"/>
           </p:nvPr>
         </p:nvSpPr>
-        <p:spPr>
-          <a:xfrm>
-            <a:off x="628650" y="870857"/>
-            <a:ext cx="7886700" cy="3840480"/>
-          </a:xfrm>
-        </p:spPr>
+        <p:spPr/>
         <p:txBody>
           <a:bodyPr>
-            <a:normAutofit fontScale="47500" lnSpcReduction="20000"/>
+            <a:normAutofit fontScale="85000" lnSpcReduction="20000"/>
           </a:bodyPr>
           <a:lstStyle/>
           <a:p>
-            <a:pPr marL="0" indent="0">
-              <a:buNone/>
-            </a:pPr>
-            <a:r>
-              <a:rPr lang="en-US" sz="2500" dirty="0">
+            <a:r>
+              <a:rPr lang="en-US" sz="2800" dirty="0"/>
+              <a:t>Let </a:t>
+            </a:r>
+            <a:r>
+              <a:rPr lang="en-US" sz="2800" b="1" dirty="0"/>
+              <a:t>SPARK_HOME </a:t>
+            </a:r>
+            <a:r>
+              <a:rPr lang="en-US" sz="2800" dirty="0"/>
+              <a:t>(as an environment variable) point to your Spark installed directory </a:t>
+            </a:r>
+          </a:p>
+          <a:p>
+            <a:pPr marL="342900" lvl="1" indent="0">
+              <a:buNone/>
+            </a:pPr>
+            <a:r>
+              <a:rPr lang="en-US" sz="2600" dirty="0">
                 <a:solidFill>
                   <a:srgbClr val="0070C0"/>
                 </a:solidFill>
-                <a:latin typeface="Consolas" panose="020B0609020204030204" pitchFamily="49" charset="0"/>
-                <a:cs typeface="Consolas" panose="020B0609020204030204" pitchFamily="49" charset="0"/>
-              </a:rPr>
-              <a:t>% export SPARK_HOME="/Users/</a:t>
-            </a:r>
-            <a:r>
-              <a:rPr lang="en-US" sz="2500" dirty="0" err="1">
+              </a:rPr>
+              <a:t>export </a:t>
+            </a:r>
+            <a:r>
+              <a:rPr lang="en-US" sz="2400" b="1" dirty="0">
                 <a:solidFill>
                   <a:srgbClr val="0070C0"/>
                 </a:solidFill>
-                <a:latin typeface="Consolas" panose="020B0609020204030204" pitchFamily="49" charset="0"/>
-                <a:cs typeface="Consolas" panose="020B0609020204030204" pitchFamily="49" charset="0"/>
+              </a:rPr>
+              <a:t>SPARK_HOME=&lt;spark-installed-</a:t>
+            </a:r>
+            <a:r>
+              <a:rPr lang="en-US" sz="2400" b="1" dirty="0" err="1">
+                <a:solidFill>
+                  <a:srgbClr val="0070C0"/>
+                </a:solidFill>
+              </a:rPr>
+              <a:t>dir</a:t>
+            </a:r>
+            <a:r>
+              <a:rPr lang="en-US" sz="2400" b="1" dirty="0">
+                <a:solidFill>
+                  <a:srgbClr val="0070C0"/>
+                </a:solidFill>
+              </a:rPr>
+              <a:t>&gt;</a:t>
+            </a:r>
+          </a:p>
+          <a:p>
+            <a:pPr marL="342900" lvl="1" indent="0">
+              <a:buNone/>
+            </a:pPr>
+            <a:r>
+              <a:rPr lang="en-US" sz="2400" b="1" dirty="0">
+                <a:solidFill>
+                  <a:srgbClr val="0070C0"/>
+                </a:solidFill>
+              </a:rPr>
+              <a:t>export SPARK_HOME</a:t>
+            </a:r>
+            <a:r>
+              <a:rPr lang="en-US" sz="2800" b="1" dirty="0">
+                <a:solidFill>
+                  <a:schemeClr val="tx1"/>
+                </a:solidFill>
+                <a:latin typeface="Courier New" panose="02070309020205020404" pitchFamily="49" charset="0"/>
+                <a:cs typeface="Courier New" panose="02070309020205020404" pitchFamily="49" charset="0"/>
+              </a:rPr>
+              <a:t>=</a:t>
+            </a:r>
+            <a:r>
+              <a:rPr lang="en-US" sz="2000" b="1" dirty="0">
+                <a:solidFill>
+                  <a:schemeClr val="tx1"/>
+                </a:solidFill>
+                <a:latin typeface="Courier New" panose="02070309020205020404" pitchFamily="49" charset="0"/>
+                <a:cs typeface="Courier New" panose="02070309020205020404" pitchFamily="49" charset="0"/>
+              </a:rPr>
+              <a:t>/Users/</a:t>
+            </a:r>
+            <a:r>
+              <a:rPr lang="en-US" sz="2000" b="1" dirty="0" err="1">
+                <a:solidFill>
+                  <a:schemeClr val="tx1"/>
+                </a:solidFill>
+                <a:latin typeface="Courier New" panose="02070309020205020404" pitchFamily="49" charset="0"/>
+                <a:cs typeface="Courier New" panose="02070309020205020404" pitchFamily="49" charset="0"/>
               </a:rPr>
               <a:t>mparsian</a:t>
             </a:r>
             <a:r>
-              <a:rPr lang="en-US" sz="2500" dirty="0">
+              <a:rPr lang="en-US" sz="2000" b="1" dirty="0">
+                <a:solidFill>
+                  <a:schemeClr val="tx1"/>
+                </a:solidFill>
+                <a:latin typeface="Courier New" panose="02070309020205020404" pitchFamily="49" charset="0"/>
+                <a:cs typeface="Courier New" panose="02070309020205020404" pitchFamily="49" charset="0"/>
+              </a:rPr>
+              <a:t>/spark-3.3.1</a:t>
+            </a:r>
+            <a:endParaRPr lang="en-US" sz="2600" dirty="0">
+              <a:solidFill>
+                <a:srgbClr val="0070C0"/>
+              </a:solidFill>
+            </a:endParaRPr>
+          </a:p>
+          <a:p>
+            <a:r>
+              <a:rPr lang="en-US" sz="2800" dirty="0"/>
+              <a:t>Then from the terminal command line invoke the following command:</a:t>
+            </a:r>
+          </a:p>
+          <a:p>
+            <a:pPr marL="0" indent="0">
+              <a:buNone/>
+            </a:pPr>
+            <a:r>
+              <a:rPr lang="en-US" sz="2800" dirty="0">
+                <a:solidFill>
+                  <a:schemeClr val="tx1"/>
+                </a:solidFill>
+                <a:latin typeface="Consolas" panose="020B0609020204030204" pitchFamily="49" charset="0"/>
+                <a:cs typeface="Consolas" panose="020B0609020204030204" pitchFamily="49" charset="0"/>
+              </a:rPr>
+              <a:t>$SPARK_HOME/bin/</a:t>
+            </a:r>
+            <a:r>
+              <a:rPr lang="en-US" sz="2800" dirty="0" err="1">
+                <a:solidFill>
+                  <a:schemeClr val="tx1"/>
+                </a:solidFill>
+                <a:latin typeface="Consolas" panose="020B0609020204030204" pitchFamily="49" charset="0"/>
+                <a:cs typeface="Consolas" panose="020B0609020204030204" pitchFamily="49" charset="0"/>
+              </a:rPr>
+              <a:t>pyspark</a:t>
+            </a:r>
+            <a:r>
+              <a:rPr lang="en-US" sz="2800" dirty="0">
                 <a:solidFill>
                   <a:srgbClr val="0070C0"/>
                 </a:solidFill>
                 <a:latin typeface="Consolas" panose="020B0609020204030204" pitchFamily="49" charset="0"/>
                 <a:cs typeface="Consolas" panose="020B0609020204030204" pitchFamily="49" charset="0"/>
               </a:rPr>
-              <a:t>/spark-3.2.0"</a:t>
-            </a:r>
-          </a:p>
-          <a:p>
-            <a:pPr marL="0" indent="0">
-              <a:buNone/>
-            </a:pPr>
-            <a:r>
-              <a:rPr lang="en-US" sz="3400" dirty="0">
+              <a:t> </a:t>
+            </a:r>
+          </a:p>
+          <a:p>
+            <a:pPr marL="0" indent="0">
+              <a:buNone/>
+            </a:pPr>
+            <a:r>
+              <a:rPr lang="en-US" sz="2800" dirty="0">
                 <a:solidFill>
                   <a:srgbClr val="0070C0"/>
                 </a:solidFill>
                 <a:latin typeface="Consolas" panose="020B0609020204030204" pitchFamily="49" charset="0"/>
                 <a:cs typeface="Consolas" panose="020B0609020204030204" pitchFamily="49" charset="0"/>
               </a:rPr>
-              <a:t>% </a:t>
-            </a:r>
-            <a:r>
-              <a:rPr lang="en-US" sz="3800" b="1" dirty="0">
-                <a:solidFill>
-                  <a:srgbClr val="0070C0"/>
-                </a:solidFill>
-                <a:latin typeface="Consolas" panose="020B0609020204030204" pitchFamily="49" charset="0"/>
-                <a:cs typeface="Consolas" panose="020B0609020204030204" pitchFamily="49" charset="0"/>
-              </a:rPr>
-              <a:t>$SPARK_HOME/bin/pyspark</a:t>
-            </a:r>
-            <a:endParaRPr lang="en-US" sz="3400" b="1" dirty="0">
+              <a:t>OR</a:t>
+            </a:r>
+          </a:p>
+          <a:p>
+            <a:pPr marL="0" indent="0">
+              <a:buNone/>
+            </a:pPr>
+            <a:r>
+              <a:rPr lang="en-US" sz="2800" b="1" dirty="0">
+                <a:solidFill>
+                  <a:schemeClr val="tx1"/>
+                </a:solidFill>
+                <a:latin typeface="Courier New" panose="02070309020205020404" pitchFamily="49" charset="0"/>
+                <a:cs typeface="Courier New" panose="02070309020205020404" pitchFamily="49" charset="0"/>
+              </a:rPr>
+              <a:t>/Users/</a:t>
+            </a:r>
+            <a:r>
+              <a:rPr lang="en-US" sz="2800" b="1" dirty="0" err="1">
+                <a:solidFill>
+                  <a:schemeClr val="tx1"/>
+                </a:solidFill>
+                <a:latin typeface="Courier New" panose="02070309020205020404" pitchFamily="49" charset="0"/>
+                <a:cs typeface="Courier New" panose="02070309020205020404" pitchFamily="49" charset="0"/>
+              </a:rPr>
+              <a:t>mparsian</a:t>
+            </a:r>
+            <a:r>
+              <a:rPr lang="en-US" sz="2800" b="1" dirty="0">
+                <a:solidFill>
+                  <a:schemeClr val="tx1"/>
+                </a:solidFill>
+                <a:latin typeface="Courier New" panose="02070309020205020404" pitchFamily="49" charset="0"/>
+                <a:cs typeface="Courier New" panose="02070309020205020404" pitchFamily="49" charset="0"/>
+              </a:rPr>
+              <a:t>/spark-3.3.1/bin/</a:t>
+            </a:r>
+            <a:r>
+              <a:rPr lang="en-US" sz="2800" b="1" dirty="0" err="1">
+                <a:solidFill>
+                  <a:schemeClr val="tx1"/>
+                </a:solidFill>
+                <a:latin typeface="Courier New" panose="02070309020205020404" pitchFamily="49" charset="0"/>
+                <a:cs typeface="Courier New" panose="02070309020205020404" pitchFamily="49" charset="0"/>
+              </a:rPr>
+              <a:t>pyspark</a:t>
+            </a:r>
+            <a:endParaRPr lang="en-US" sz="2800" dirty="0">
               <a:solidFill>
                 <a:srgbClr val="0070C0"/>
               </a:solidFill>
@@ -8326,91 +10026,10 @@
             <a:pPr marL="0" indent="0">
               <a:buNone/>
             </a:pPr>
-            <a:r>
-              <a:rPr lang="en-US" sz="2500" dirty="0">
-                <a:latin typeface="Consolas" panose="020B0609020204030204" pitchFamily="49" charset="0"/>
-                <a:cs typeface="Consolas" panose="020B0609020204030204" pitchFamily="49" charset="0"/>
-              </a:rPr>
-              <a:t>Python 3.8.9 (default, Feb 18 2022, 07:45:34)</a:t>
-            </a:r>
-          </a:p>
-          <a:p>
-            <a:pPr marL="0" indent="0">
-              <a:buNone/>
-            </a:pPr>
-            <a:r>
-              <a:rPr lang="en-US" sz="2500" dirty="0">
-                <a:latin typeface="Consolas" panose="020B0609020204030204" pitchFamily="49" charset="0"/>
-                <a:cs typeface="Consolas" panose="020B0609020204030204" pitchFamily="49" charset="0"/>
-              </a:rPr>
-              <a:t>Welcome to</a:t>
-            </a:r>
-          </a:p>
-          <a:p>
-            <a:pPr marL="0" indent="0">
-              <a:buNone/>
-            </a:pPr>
-            <a:r>
-              <a:rPr lang="en-US" sz="2500" dirty="0">
-                <a:latin typeface="Consolas" panose="020B0609020204030204" pitchFamily="49" charset="0"/>
-                <a:cs typeface="Consolas" panose="020B0609020204030204" pitchFamily="49" charset="0"/>
-              </a:rPr>
-              <a:t>      ____              __</a:t>
-            </a:r>
-          </a:p>
-          <a:p>
-            <a:pPr marL="0" indent="0">
-              <a:buNone/>
-            </a:pPr>
-            <a:r>
-              <a:rPr lang="en-US" sz="2500" dirty="0">
-                <a:latin typeface="Consolas" panose="020B0609020204030204" pitchFamily="49" charset="0"/>
-                <a:cs typeface="Consolas" panose="020B0609020204030204" pitchFamily="49" charset="0"/>
-              </a:rPr>
-              <a:t>     / __/__  ___ _____/ /__</a:t>
-            </a:r>
-          </a:p>
-          <a:p>
-            <a:pPr marL="0" indent="0">
-              <a:buNone/>
-            </a:pPr>
-            <a:r>
-              <a:rPr lang="en-US" sz="2500" dirty="0">
-                <a:latin typeface="Consolas" panose="020B0609020204030204" pitchFamily="49" charset="0"/>
-                <a:cs typeface="Consolas" panose="020B0609020204030204" pitchFamily="49" charset="0"/>
-              </a:rPr>
-              <a:t>    _\ \/ _ \/ _ `/ __/  '_/</a:t>
-            </a:r>
-          </a:p>
-          <a:p>
-            <a:pPr marL="0" indent="0">
-              <a:buNone/>
-            </a:pPr>
-            <a:r>
-              <a:rPr lang="en-US" sz="2500" dirty="0">
-                <a:latin typeface="Consolas" panose="020B0609020204030204" pitchFamily="49" charset="0"/>
-                <a:cs typeface="Consolas" panose="020B0609020204030204" pitchFamily="49" charset="0"/>
-              </a:rPr>
-              <a:t>   /__ / .__/\_,_/_/ /_/\_\   version 3.2.0</a:t>
-            </a:r>
-          </a:p>
-          <a:p>
-            <a:pPr marL="0" indent="0">
-              <a:buNone/>
-            </a:pPr>
-            <a:r>
-              <a:rPr lang="en-US" sz="2500" dirty="0">
-                <a:latin typeface="Consolas" panose="020B0609020204030204" pitchFamily="49" charset="0"/>
-                <a:cs typeface="Consolas" panose="020B0609020204030204" pitchFamily="49" charset="0"/>
-              </a:rPr>
-              <a:t>      /_/</a:t>
-            </a:r>
-          </a:p>
-          <a:p>
-            <a:pPr marL="0" indent="0">
-              <a:buNone/>
-            </a:pPr>
-            <a:endParaRPr lang="en-US" sz="2500" dirty="0">
+            <a:endParaRPr lang="en-US" sz="2800" dirty="0">
+              <a:solidFill>
+                <a:srgbClr val="0070C0"/>
+              </a:solidFill>
               <a:latin typeface="Consolas" panose="020B0609020204030204" pitchFamily="49" charset="0"/>
               <a:cs typeface="Consolas" panose="020B0609020204030204" pitchFamily="49" charset="0"/>
             </a:endParaRPr>
@@ -8419,87 +10038,6 @@
             <a:pPr marL="0" indent="0">
               <a:buNone/>
             </a:pPr>
-            <a:r>
-              <a:rPr lang="en-US" sz="2500" dirty="0">
-                <a:latin typeface="Consolas" panose="020B0609020204030204" pitchFamily="49" charset="0"/>
-                <a:cs typeface="Consolas" panose="020B0609020204030204" pitchFamily="49" charset="0"/>
-              </a:rPr>
-              <a:t>Using Python version 3.8.9 (default, Feb 18 2022 07:45:34)</a:t>
-            </a:r>
-          </a:p>
-          <a:p>
-            <a:pPr marL="0" indent="0">
-              <a:buNone/>
-            </a:pPr>
-            <a:r>
-              <a:rPr lang="en-US" sz="2500" dirty="0">
-                <a:latin typeface="Consolas" panose="020B0609020204030204" pitchFamily="49" charset="0"/>
-                <a:cs typeface="Consolas" panose="020B0609020204030204" pitchFamily="49" charset="0"/>
-              </a:rPr>
-              <a:t>Spark context Web UI available at http://10.0.0.234:4041</a:t>
-            </a:r>
-          </a:p>
-          <a:p>
-            <a:pPr marL="0" indent="0">
-              <a:buNone/>
-            </a:pPr>
-            <a:r>
-              <a:rPr lang="en-US" sz="2500" dirty="0">
-                <a:latin typeface="Consolas" panose="020B0609020204030204" pitchFamily="49" charset="0"/>
-                <a:cs typeface="Consolas" panose="020B0609020204030204" pitchFamily="49" charset="0"/>
-              </a:rPr>
-              <a:t>Spark context available as '</a:t>
-            </a:r>
-            <a:r>
-              <a:rPr lang="en-US" sz="2500" dirty="0" err="1">
-                <a:latin typeface="Consolas" panose="020B0609020204030204" pitchFamily="49" charset="0"/>
-                <a:cs typeface="Consolas" panose="020B0609020204030204" pitchFamily="49" charset="0"/>
-              </a:rPr>
-              <a:t>sc</a:t>
-            </a:r>
-            <a:r>
-              <a:rPr lang="en-US" sz="2500" dirty="0">
-                <a:latin typeface="Consolas" panose="020B0609020204030204" pitchFamily="49" charset="0"/>
-                <a:cs typeface="Consolas" panose="020B0609020204030204" pitchFamily="49" charset="0"/>
-              </a:rPr>
-              <a:t>' (master = local[*], app id = local-1649561327717).</a:t>
-            </a:r>
-          </a:p>
-          <a:p>
-            <a:pPr marL="0" indent="0">
-              <a:buNone/>
-            </a:pPr>
-            <a:r>
-              <a:rPr lang="en-US" sz="2500" dirty="0" err="1">
-                <a:latin typeface="Consolas" panose="020B0609020204030204" pitchFamily="49" charset="0"/>
-                <a:cs typeface="Consolas" panose="020B0609020204030204" pitchFamily="49" charset="0"/>
-              </a:rPr>
-              <a:t>SparkSession</a:t>
-            </a:r>
-            <a:r>
-              <a:rPr lang="en-US" sz="2500" dirty="0">
-                <a:latin typeface="Consolas" panose="020B0609020204030204" pitchFamily="49" charset="0"/>
-                <a:cs typeface="Consolas" panose="020B0609020204030204" pitchFamily="49" charset="0"/>
-              </a:rPr>
-              <a:t> available as 'spark'.</a:t>
-            </a:r>
-          </a:p>
-          <a:p>
-            <a:pPr marL="0" indent="0">
-              <a:buNone/>
-            </a:pPr>
-            <a:r>
-              <a:rPr lang="en-US" sz="2500" dirty="0">
-                <a:latin typeface="Consolas" panose="020B0609020204030204" pitchFamily="49" charset="0"/>
-                <a:cs typeface="Consolas" panose="020B0609020204030204" pitchFamily="49" charset="0"/>
-              </a:rPr>
-              <a:t>&gt;&gt;&gt;</a:t>
-            </a:r>
-          </a:p>
-          <a:p>
-            <a:pPr marL="0" indent="0">
-              <a:buNone/>
-            </a:pPr>
             <a:endParaRPr lang="en-US" dirty="0"/>
           </a:p>
         </p:txBody>
@@ -8507,7 +10045,7 @@
     </p:spTree>
     <p:extLst>
       <p:ext uri="{BB962C8B-B14F-4D97-AF65-F5344CB8AC3E}">
-        <p14:creationId xmlns:p14="http://schemas.microsoft.com/office/powerpoint/2010/main" val="590632479"/>
+        <p14:creationId xmlns:p14="http://schemas.microsoft.com/office/powerpoint/2010/main" val="4229606985"/>
       </p:ext>
     </p:extLst>
   </p:cSld>
@@ -8552,19 +10090,17 @@
         </p:nvSpPr>
         <p:spPr>
           <a:xfrm>
-            <a:off x="628650" y="273845"/>
-            <a:ext cx="7886700" cy="483802"/>
-          </a:xfrm>
-        </p:spPr>
-        <p:txBody>
-          <a:bodyPr>
-            <a:normAutofit fontScale="90000"/>
-          </a:bodyPr>
+            <a:off x="628650" y="273844"/>
+            <a:ext cx="7886700" cy="597013"/>
+          </a:xfrm>
+        </p:spPr>
+        <p:txBody>
+          <a:bodyPr/>
           <a:lstStyle/>
           <a:p>
             <a:r>
               <a:rPr lang="en-US" dirty="0"/>
-              <a:t>Launch PySpark Shell Command: Alternate method</a:t>
+              <a:t>Launch PySpark Shell Command</a:t>
             </a:r>
           </a:p>
         </p:txBody>
@@ -8587,13 +10123,13 @@
         </p:nvSpPr>
         <p:spPr>
           <a:xfrm>
-            <a:off x="628650" y="757647"/>
-            <a:ext cx="7886700" cy="3953690"/>
+            <a:off x="628650" y="870857"/>
+            <a:ext cx="7886700" cy="3840480"/>
           </a:xfrm>
         </p:spPr>
         <p:txBody>
           <a:bodyPr>
-            <a:normAutofit fontScale="55000" lnSpcReduction="20000"/>
+            <a:normAutofit fontScale="47500" lnSpcReduction="20000"/>
           </a:bodyPr>
           <a:lstStyle/>
           <a:p>
@@ -8601,17 +10137,17 @@
               <a:buNone/>
             </a:pPr>
             <a:r>
-              <a:rPr lang="en-US" b="1" dirty="0">
+              <a:rPr lang="en-US" sz="2500" dirty="0">
                 <a:solidFill>
                   <a:srgbClr val="0070C0"/>
                 </a:solidFill>
                 <a:latin typeface="Consolas" panose="020B0609020204030204" pitchFamily="49" charset="0"/>
                 <a:cs typeface="Consolas" panose="020B0609020204030204" pitchFamily="49" charset="0"/>
               </a:rPr>
-              <a:t>% cd /Users/</a:t>
-            </a:r>
-            <a:r>
-              <a:rPr lang="en-US" b="1" dirty="0" err="1">
+              <a:t>% export SPARK_HOME="/Users/</a:t>
+            </a:r>
+            <a:r>
+              <a:rPr lang="en-US" sz="2500" dirty="0" err="1">
                 <a:solidFill>
                   <a:srgbClr val="0070C0"/>
                 </a:solidFill>
@@ -8621,22 +10157,22 @@
               <a:t>mparsian</a:t>
             </a:r>
             <a:r>
-              <a:rPr lang="en-US" b="1" dirty="0">
+              <a:rPr lang="en-US" sz="2500" dirty="0">
                 <a:solidFill>
                   <a:srgbClr val="0070C0"/>
                 </a:solidFill>
                 <a:latin typeface="Consolas" panose="020B0609020204030204" pitchFamily="49" charset="0"/>
                 <a:cs typeface="Consolas" panose="020B0609020204030204" pitchFamily="49" charset="0"/>
               </a:rPr>
-              <a:t>/spark-3.2.0</a:t>
-            </a:r>
-          </a:p>
-          <a:p>
-            <a:pPr marL="0" indent="0">
-              <a:buNone/>
-            </a:pPr>
-            <a:r>
-              <a:rPr lang="en-US" b="1" dirty="0">
+              <a:t>/spark-3.3.1"</a:t>
+            </a:r>
+          </a:p>
+          <a:p>
+            <a:pPr marL="0" indent="0">
+              <a:buNone/>
+            </a:pPr>
+            <a:r>
+              <a:rPr lang="en-US" sz="3400" dirty="0">
                 <a:solidFill>
                   <a:srgbClr val="0070C0"/>
                 </a:solidFill>
@@ -8646,16 +10182,26 @@
               <a:t>% </a:t>
             </a:r>
             <a:r>
-              <a:rPr lang="en-US" sz="3200" b="1" dirty="0">
+              <a:rPr lang="en-US" sz="3800" b="1" dirty="0">
                 <a:solidFill>
                   <a:srgbClr val="0070C0"/>
                 </a:solidFill>
                 <a:latin typeface="Consolas" panose="020B0609020204030204" pitchFamily="49" charset="0"/>
                 <a:cs typeface="Consolas" panose="020B0609020204030204" pitchFamily="49" charset="0"/>
               </a:rPr>
-              <a:t>./bin/pyspark</a:t>
-            </a:r>
-            <a:endParaRPr lang="en-US" b="1" dirty="0">
+              <a:t>$SPARK_HOME/bin/</a:t>
+            </a:r>
+            <a:r>
+              <a:rPr lang="en-US" sz="3800" b="1" dirty="0" err="1">
+                <a:solidFill>
+                  <a:srgbClr val="0070C0"/>
+                </a:solidFill>
+                <a:latin typeface="Consolas" panose="020B0609020204030204" pitchFamily="49" charset="0"/>
+                <a:cs typeface="Consolas" panose="020B0609020204030204" pitchFamily="49" charset="0"/>
+              </a:rPr>
+              <a:t>pyspark</a:t>
+            </a:r>
+            <a:endParaRPr lang="en-US" sz="3400" b="1" dirty="0">
               <a:solidFill>
                 <a:srgbClr val="0070C0"/>
               </a:solidFill>
@@ -8668,19 +10214,19 @@
               <a:buNone/>
             </a:pPr>
             <a:r>
-              <a:rPr lang="en-US" dirty="0">
-                <a:latin typeface="Consolas" panose="020B0609020204030204" pitchFamily="49" charset="0"/>
-                <a:cs typeface="Consolas" panose="020B0609020204030204" pitchFamily="49" charset="0"/>
-              </a:rPr>
-              <a:t>Python 3.8.9 (default, Feb 18 2022, 07:45:34)</a:t>
-            </a:r>
-          </a:p>
-          <a:p>
-            <a:pPr marL="0" indent="0">
-              <a:buNone/>
-            </a:pPr>
-            <a:r>
-              <a:rPr lang="en-US" dirty="0">
+              <a:rPr lang="en-US" sz="2500" dirty="0">
+                <a:latin typeface="Consolas" panose="020B0609020204030204" pitchFamily="49" charset="0"/>
+                <a:cs typeface="Consolas" panose="020B0609020204030204" pitchFamily="49" charset="0"/>
+              </a:rPr>
+              <a:t>Python 3.8.9 (default, Dec 18 2022, 07:45:34)</a:t>
+            </a:r>
+          </a:p>
+          <a:p>
+            <a:pPr marL="0" indent="0">
+              <a:buNone/>
+            </a:pPr>
+            <a:r>
+              <a:rPr lang="en-US" sz="2500" dirty="0">
                 <a:latin typeface="Consolas" panose="020B0609020204030204" pitchFamily="49" charset="0"/>
                 <a:cs typeface="Consolas" panose="020B0609020204030204" pitchFamily="49" charset="0"/>
               </a:rPr>
@@ -8692,7 +10238,7 @@
               <a:buNone/>
             </a:pPr>
             <a:r>
-              <a:rPr lang="en-US" dirty="0">
+              <a:rPr lang="en-US" sz="2500" dirty="0">
                 <a:latin typeface="Consolas" panose="020B0609020204030204" pitchFamily="49" charset="0"/>
                 <a:cs typeface="Consolas" panose="020B0609020204030204" pitchFamily="49" charset="0"/>
               </a:rPr>
@@ -8704,7 +10250,7 @@
               <a:buNone/>
             </a:pPr>
             <a:r>
-              <a:rPr lang="en-US" dirty="0">
+              <a:rPr lang="en-US" sz="2500" dirty="0">
                 <a:latin typeface="Consolas" panose="020B0609020204030204" pitchFamily="49" charset="0"/>
                 <a:cs typeface="Consolas" panose="020B0609020204030204" pitchFamily="49" charset="0"/>
               </a:rPr>
@@ -8716,7 +10262,7 @@
               <a:buNone/>
             </a:pPr>
             <a:r>
-              <a:rPr lang="en-US" dirty="0">
+              <a:rPr lang="en-US" sz="2500" dirty="0">
                 <a:latin typeface="Consolas" panose="020B0609020204030204" pitchFamily="49" charset="0"/>
                 <a:cs typeface="Consolas" panose="020B0609020204030204" pitchFamily="49" charset="0"/>
               </a:rPr>
@@ -8728,19 +10274,19 @@
               <a:buNone/>
             </a:pPr>
             <a:r>
-              <a:rPr lang="en-US" dirty="0">
-                <a:latin typeface="Consolas" panose="020B0609020204030204" pitchFamily="49" charset="0"/>
-                <a:cs typeface="Consolas" panose="020B0609020204030204" pitchFamily="49" charset="0"/>
-              </a:rPr>
-              <a:t>   /__ / .__/\_,_/_/ /_/\_\   version 3.2.0</a:t>
-            </a:r>
-          </a:p>
-          <a:p>
-            <a:pPr marL="0" indent="0">
-              <a:buNone/>
-            </a:pPr>
-            <a:r>
-              <a:rPr lang="en-US" dirty="0">
+              <a:rPr lang="en-US" sz="2500" dirty="0">
+                <a:latin typeface="Consolas" panose="020B0609020204030204" pitchFamily="49" charset="0"/>
+                <a:cs typeface="Consolas" panose="020B0609020204030204" pitchFamily="49" charset="0"/>
+              </a:rPr>
+              <a:t>   /__ / .__/\_,_/_/ /_/\_\   version 3.3.1</a:t>
+            </a:r>
+          </a:p>
+          <a:p>
+            <a:pPr marL="0" indent="0">
+              <a:buNone/>
+            </a:pPr>
+            <a:r>
+              <a:rPr lang="en-US" sz="2500" dirty="0">
                 <a:latin typeface="Consolas" panose="020B0609020204030204" pitchFamily="49" charset="0"/>
                 <a:cs typeface="Consolas" panose="020B0609020204030204" pitchFamily="49" charset="0"/>
               </a:rPr>
@@ -8751,7 +10297,7 @@
             <a:pPr marL="0" indent="0">
               <a:buNone/>
             </a:pPr>
-            <a:endParaRPr lang="en-US" dirty="0">
+            <a:endParaRPr lang="en-US" sz="2500" dirty="0">
               <a:latin typeface="Consolas" panose="020B0609020204030204" pitchFamily="49" charset="0"/>
               <a:cs typeface="Consolas" panose="020B0609020204030204" pitchFamily="49" charset="0"/>
             </a:endParaRPr>
@@ -8761,19 +10307,19 @@
               <a:buNone/>
             </a:pPr>
             <a:r>
-              <a:rPr lang="en-US" dirty="0">
-                <a:latin typeface="Consolas" panose="020B0609020204030204" pitchFamily="49" charset="0"/>
-                <a:cs typeface="Consolas" panose="020B0609020204030204" pitchFamily="49" charset="0"/>
-              </a:rPr>
-              <a:t>Using Python version 3.8.9 (default, Feb 18 2022 07:45:34)</a:t>
-            </a:r>
-          </a:p>
-          <a:p>
-            <a:pPr marL="0" indent="0">
-              <a:buNone/>
-            </a:pPr>
-            <a:r>
-              <a:rPr lang="en-US" dirty="0">
+              <a:rPr lang="en-US" sz="2500" dirty="0">
+                <a:latin typeface="Consolas" panose="020B0609020204030204" pitchFamily="49" charset="0"/>
+                <a:cs typeface="Consolas" panose="020B0609020204030204" pitchFamily="49" charset="0"/>
+              </a:rPr>
+              <a:t>Using Python version 3.8.9 (default, Dec 18 2022 07:45:34)</a:t>
+            </a:r>
+          </a:p>
+          <a:p>
+            <a:pPr marL="0" indent="0">
+              <a:buNone/>
+            </a:pPr>
+            <a:r>
+              <a:rPr lang="en-US" sz="2500" dirty="0">
                 <a:latin typeface="Consolas" panose="020B0609020204030204" pitchFamily="49" charset="0"/>
                 <a:cs typeface="Consolas" panose="020B0609020204030204" pitchFamily="49" charset="0"/>
               </a:rPr>
@@ -8785,21 +10331,21 @@
               <a:buNone/>
             </a:pPr>
             <a:r>
-              <a:rPr lang="en-US" dirty="0">
+              <a:rPr lang="en-US" sz="2500" dirty="0">
                 <a:latin typeface="Consolas" panose="020B0609020204030204" pitchFamily="49" charset="0"/>
                 <a:cs typeface="Consolas" panose="020B0609020204030204" pitchFamily="49" charset="0"/>
               </a:rPr>
               <a:t>Spark context available as '</a:t>
             </a:r>
             <a:r>
-              <a:rPr lang="en-US" dirty="0" err="1">
+              <a:rPr lang="en-US" sz="2500" dirty="0" err="1">
                 <a:latin typeface="Consolas" panose="020B0609020204030204" pitchFamily="49" charset="0"/>
                 <a:cs typeface="Consolas" panose="020B0609020204030204" pitchFamily="49" charset="0"/>
               </a:rPr>
               <a:t>sc</a:t>
             </a:r>
             <a:r>
-              <a:rPr lang="en-US" dirty="0">
+              <a:rPr lang="en-US" sz="2500" dirty="0">
                 <a:latin typeface="Consolas" panose="020B0609020204030204" pitchFamily="49" charset="0"/>
                 <a:cs typeface="Consolas" panose="020B0609020204030204" pitchFamily="49" charset="0"/>
               </a:rPr>
@@ -8811,38 +10357,37 @@
               <a:buNone/>
             </a:pPr>
             <a:r>
-              <a:rPr lang="en-US" dirty="0" err="1">
-                <a:latin typeface="Consolas" panose="020B0609020204030204" pitchFamily="49" charset="0"/>
-                <a:cs typeface="Consolas" panose="020B0609020204030204" pitchFamily="49" charset="0"/>
-              </a:rPr>
-              <a:t>SparkSession</a:t>
-            </a:r>
-            <a:r>
-              <a:rPr lang="en-US" dirty="0">
-                <a:latin typeface="Consolas" panose="020B0609020204030204" pitchFamily="49" charset="0"/>
-                <a:cs typeface="Consolas" panose="020B0609020204030204" pitchFamily="49" charset="0"/>
-              </a:rPr>
-              <a:t> available as 'spark'.</a:t>
-            </a:r>
-          </a:p>
-          <a:p>
-            <a:pPr marL="0" indent="0">
-              <a:buNone/>
-            </a:pPr>
-            <a:r>
-              <a:rPr lang="en-US" dirty="0">
+              <a:rPr lang="en-US" sz="2500" dirty="0">
+                <a:latin typeface="Consolas" panose="020B0609020204030204" pitchFamily="49" charset="0"/>
+                <a:cs typeface="Consolas" panose="020B0609020204030204" pitchFamily="49" charset="0"/>
+              </a:rPr>
+              <a:t>SparkSession available as 'spark'.</a:t>
+            </a:r>
+          </a:p>
+          <a:p>
+            <a:pPr marL="0" indent="0">
+              <a:buNone/>
+            </a:pPr>
+            <a:r>
+              <a:rPr lang="en-US" sz="2500" dirty="0">
                 <a:latin typeface="Consolas" panose="020B0609020204030204" pitchFamily="49" charset="0"/>
                 <a:cs typeface="Consolas" panose="020B0609020204030204" pitchFamily="49" charset="0"/>
               </a:rPr>
               <a:t>&gt;&gt;&gt;</a:t>
             </a:r>
+          </a:p>
+          <a:p>
+            <a:pPr marL="0" indent="0">
+              <a:buNone/>
+            </a:pPr>
+            <a:endParaRPr lang="en-US" dirty="0"/>
           </a:p>
         </p:txBody>
       </p:sp>
     </p:spTree>
     <p:extLst>
       <p:ext uri="{BB962C8B-B14F-4D97-AF65-F5344CB8AC3E}">
-        <p14:creationId xmlns:p14="http://schemas.microsoft.com/office/powerpoint/2010/main" val="1515787495"/>
+        <p14:creationId xmlns:p14="http://schemas.microsoft.com/office/powerpoint/2010/main" val="590632479"/>
       </p:ext>
     </p:extLst>
   </p:cSld>
@@ -8887,8 +10432,8 @@
         </p:nvSpPr>
         <p:spPr>
           <a:xfrm>
-            <a:off x="628650" y="273844"/>
-            <a:ext cx="7886700" cy="527345"/>
+            <a:off x="628650" y="273845"/>
+            <a:ext cx="7886700" cy="483802"/>
           </a:xfrm>
         </p:spPr>
         <p:txBody>
@@ -8899,7 +10444,7 @@
           <a:p>
             <a:r>
               <a:rPr lang="en-US" dirty="0"/>
-              <a:t>Launch PySpark Shell Command: check version</a:t>
+              <a:t>Launch PySpark Shell Command: Alternate method</a:t>
             </a:r>
           </a:p>
         </p:txBody>
@@ -8922,13 +10467,13 @@
         </p:nvSpPr>
         <p:spPr>
           <a:xfrm>
-            <a:off x="628650" y="870857"/>
-            <a:ext cx="7886700" cy="3840480"/>
+            <a:off x="628650" y="757647"/>
+            <a:ext cx="7886700" cy="3953690"/>
           </a:xfrm>
         </p:spPr>
         <p:txBody>
           <a:bodyPr>
-            <a:normAutofit fontScale="85000" lnSpcReduction="20000"/>
+            <a:normAutofit fontScale="55000" lnSpcReduction="20000"/>
           </a:bodyPr>
           <a:lstStyle/>
           <a:p>
@@ -8936,166 +10481,69 @@
               <a:buNone/>
             </a:pPr>
             <a:r>
+              <a:rPr lang="en-US" sz="2900" b="1" dirty="0">
+                <a:solidFill>
+                  <a:srgbClr val="0070C0"/>
+                </a:solidFill>
+                <a:latin typeface="Consolas" panose="020B0609020204030204" pitchFamily="49" charset="0"/>
+                <a:cs typeface="Consolas" panose="020B0609020204030204" pitchFamily="49" charset="0"/>
+              </a:rPr>
+              <a:t>% cd /Users/</a:t>
+            </a:r>
+            <a:r>
+              <a:rPr lang="en-US" sz="2900" b="1" dirty="0" err="1">
+                <a:solidFill>
+                  <a:srgbClr val="0070C0"/>
+                </a:solidFill>
+                <a:latin typeface="Consolas" panose="020B0609020204030204" pitchFamily="49" charset="0"/>
+                <a:cs typeface="Consolas" panose="020B0609020204030204" pitchFamily="49" charset="0"/>
+              </a:rPr>
+              <a:t>mparsian</a:t>
+            </a:r>
+            <a:r>
+              <a:rPr lang="en-US" sz="2900" b="1" dirty="0">
+                <a:solidFill>
+                  <a:srgbClr val="0070C0"/>
+                </a:solidFill>
+                <a:latin typeface="Consolas" panose="020B0609020204030204" pitchFamily="49" charset="0"/>
+                <a:cs typeface="Consolas" panose="020B0609020204030204" pitchFamily="49" charset="0"/>
+              </a:rPr>
+              <a:t>/spark-3.3.1</a:t>
+            </a:r>
+          </a:p>
+          <a:p>
+            <a:pPr marL="0" indent="0">
+              <a:buNone/>
+            </a:pPr>
+            <a:r>
               <a:rPr lang="en-US" b="1" dirty="0">
+                <a:solidFill>
+                  <a:srgbClr val="0070C0"/>
+                </a:solidFill>
                 <a:latin typeface="Consolas" panose="020B0609020204030204" pitchFamily="49" charset="0"/>
                 <a:cs typeface="Consolas" panose="020B0609020204030204" pitchFamily="49" charset="0"/>
               </a:rPr>
               <a:t>% </a:t>
             </a:r>
             <a:r>
-              <a:rPr lang="en-US" b="1" dirty="0">
+              <a:rPr lang="en-US" sz="3200" b="1" dirty="0">
                 <a:solidFill>
                   <a:srgbClr val="0070C0"/>
                 </a:solidFill>
                 <a:latin typeface="Consolas" panose="020B0609020204030204" pitchFamily="49" charset="0"/>
                 <a:cs typeface="Consolas" panose="020B0609020204030204" pitchFamily="49" charset="0"/>
               </a:rPr>
-              <a:t>cd /Users/</a:t>
-            </a:r>
-            <a:r>
-              <a:rPr lang="en-US" b="1" dirty="0" err="1">
+              <a:t>./bin/</a:t>
+            </a:r>
+            <a:r>
+              <a:rPr lang="en-US" sz="3200" b="1" dirty="0" err="1">
                 <a:solidFill>
                   <a:srgbClr val="0070C0"/>
                 </a:solidFill>
                 <a:latin typeface="Consolas" panose="020B0609020204030204" pitchFamily="49" charset="0"/>
                 <a:cs typeface="Consolas" panose="020B0609020204030204" pitchFamily="49" charset="0"/>
               </a:rPr>
-              <a:t>mparsian</a:t>
-            </a:r>
-            <a:r>
-              <a:rPr lang="en-US" b="1" dirty="0">
-                <a:solidFill>
-                  <a:srgbClr val="0070C0"/>
-                </a:solidFill>
-                <a:latin typeface="Consolas" panose="020B0609020204030204" pitchFamily="49" charset="0"/>
-                <a:cs typeface="Consolas" panose="020B0609020204030204" pitchFamily="49" charset="0"/>
-              </a:rPr>
-              <a:t>/spark-3.2.0/</a:t>
-            </a:r>
-          </a:p>
-          <a:p>
-            <a:pPr marL="0" indent="0">
-              <a:buNone/>
-            </a:pPr>
-            <a:r>
-              <a:rPr lang="en-US" b="1" dirty="0">
-                <a:latin typeface="Consolas" panose="020B0609020204030204" pitchFamily="49" charset="0"/>
-                <a:cs typeface="Consolas" panose="020B0609020204030204" pitchFamily="49" charset="0"/>
-              </a:rPr>
-              <a:t>% </a:t>
-            </a:r>
-            <a:r>
-              <a:rPr lang="en-US" b="1" dirty="0">
-                <a:solidFill>
-                  <a:srgbClr val="0070C0"/>
-                </a:solidFill>
-                <a:latin typeface="Consolas" panose="020B0609020204030204" pitchFamily="49" charset="0"/>
-                <a:cs typeface="Consolas" panose="020B0609020204030204" pitchFamily="49" charset="0"/>
-              </a:rPr>
-              <a:t>./bin/pyspark</a:t>
-            </a:r>
-          </a:p>
-          <a:p>
-            <a:pPr marL="0" indent="0">
-              <a:buNone/>
-            </a:pPr>
-            <a:r>
-              <a:rPr lang="en-US" dirty="0">
-                <a:latin typeface="Consolas" panose="020B0609020204030204" pitchFamily="49" charset="0"/>
-                <a:cs typeface="Consolas" panose="020B0609020204030204" pitchFamily="49" charset="0"/>
-              </a:rPr>
-              <a:t>Python 3.8.9 (default, Feb 18 2022, 07:45:34)</a:t>
-            </a:r>
-          </a:p>
-          <a:p>
-            <a:pPr marL="0" indent="0">
-              <a:buNone/>
-            </a:pPr>
-            <a:r>
-              <a:rPr lang="en-US" dirty="0">
-                <a:latin typeface="Consolas" panose="020B0609020204030204" pitchFamily="49" charset="0"/>
-                <a:cs typeface="Consolas" panose="020B0609020204030204" pitchFamily="49" charset="0"/>
-              </a:rPr>
-              <a:t>Welcome to</a:t>
-            </a:r>
-          </a:p>
-          <a:p>
-            <a:pPr marL="0" indent="0">
-              <a:buNone/>
-            </a:pPr>
-            <a:r>
-              <a:rPr lang="en-US" dirty="0">
-                <a:latin typeface="Consolas" panose="020B0609020204030204" pitchFamily="49" charset="0"/>
-                <a:cs typeface="Consolas" panose="020B0609020204030204" pitchFamily="49" charset="0"/>
-              </a:rPr>
-              <a:t>…</a:t>
-            </a:r>
-          </a:p>
-          <a:p>
-            <a:pPr marL="0" indent="0">
-              <a:buNone/>
-            </a:pPr>
-            <a:r>
-              <a:rPr lang="en-US" dirty="0">
-                <a:latin typeface="Consolas" panose="020B0609020204030204" pitchFamily="49" charset="0"/>
-                <a:cs typeface="Consolas" panose="020B0609020204030204" pitchFamily="49" charset="0"/>
-              </a:rPr>
-              <a:t>Spark context available as '</a:t>
-            </a:r>
-            <a:r>
-              <a:rPr lang="en-US" dirty="0" err="1">
-                <a:latin typeface="Consolas" panose="020B0609020204030204" pitchFamily="49" charset="0"/>
-                <a:cs typeface="Consolas" panose="020B0609020204030204" pitchFamily="49" charset="0"/>
-              </a:rPr>
-              <a:t>sc</a:t>
-            </a:r>
-            <a:r>
-              <a:rPr lang="en-US" dirty="0">
-                <a:latin typeface="Consolas" panose="020B0609020204030204" pitchFamily="49" charset="0"/>
-                <a:cs typeface="Consolas" panose="020B0609020204030204" pitchFamily="49" charset="0"/>
-              </a:rPr>
-              <a:t>'</a:t>
-            </a:r>
-          </a:p>
-          <a:p>
-            <a:pPr marL="0" indent="0">
-              <a:buNone/>
-            </a:pPr>
-            <a:r>
-              <a:rPr lang="en-US" dirty="0" err="1">
-                <a:latin typeface="Consolas" panose="020B0609020204030204" pitchFamily="49" charset="0"/>
-                <a:cs typeface="Consolas" panose="020B0609020204030204" pitchFamily="49" charset="0"/>
-              </a:rPr>
-              <a:t>SparkSession</a:t>
-            </a:r>
-            <a:r>
-              <a:rPr lang="en-US" dirty="0">
-                <a:latin typeface="Consolas" panose="020B0609020204030204" pitchFamily="49" charset="0"/>
-                <a:cs typeface="Consolas" panose="020B0609020204030204" pitchFamily="49" charset="0"/>
-              </a:rPr>
-              <a:t> available as 'spark'.</a:t>
-            </a:r>
-          </a:p>
-          <a:p>
-            <a:pPr marL="0" indent="0">
-              <a:buNone/>
-            </a:pPr>
-            <a:r>
-              <a:rPr lang="en-US" dirty="0">
-                <a:latin typeface="Consolas" panose="020B0609020204030204" pitchFamily="49" charset="0"/>
-                <a:cs typeface="Consolas" panose="020B0609020204030204" pitchFamily="49" charset="0"/>
-              </a:rPr>
-              <a:t>&gt;&gt;&gt; </a:t>
-            </a:r>
-            <a:r>
-              <a:rPr lang="en-US" b="1" dirty="0" err="1">
-                <a:solidFill>
-                  <a:srgbClr val="0070C0"/>
-                </a:solidFill>
-                <a:latin typeface="Consolas" panose="020B0609020204030204" pitchFamily="49" charset="0"/>
-                <a:cs typeface="Consolas" panose="020B0609020204030204" pitchFamily="49" charset="0"/>
-              </a:rPr>
-              <a:t>sc.version</a:t>
+              <a:t>pyspark</a:t>
             </a:r>
             <a:endParaRPr lang="en-US" b="1" dirty="0">
               <a:solidFill>
@@ -9114,7 +10562,7 @@
                 <a:latin typeface="Consolas" panose="020B0609020204030204" pitchFamily="49" charset="0"/>
                 <a:cs typeface="Consolas" panose="020B0609020204030204" pitchFamily="49" charset="0"/>
               </a:rPr>
-              <a:t>'3.2.0'</a:t>
+              <a:t>Python 3.8.9 (default, Dec 18 2022, 07:45:34)</a:t>
             </a:r>
           </a:p>
           <a:p>
@@ -9126,22 +10574,74 @@
                 <a:latin typeface="Consolas" panose="020B0609020204030204" pitchFamily="49" charset="0"/>
                 <a:cs typeface="Consolas" panose="020B0609020204030204" pitchFamily="49" charset="0"/>
               </a:rPr>
-              <a:t>&gt;&gt;&gt; </a:t>
-            </a:r>
-            <a:r>
-              <a:rPr lang="en-US" b="1" dirty="0" err="1">
-                <a:solidFill>
-                  <a:srgbClr val="0070C0"/>
-                </a:solidFill>
-                <a:latin typeface="Consolas" panose="020B0609020204030204" pitchFamily="49" charset="0"/>
-                <a:cs typeface="Consolas" panose="020B0609020204030204" pitchFamily="49" charset="0"/>
-              </a:rPr>
-              <a:t>spark.version</a:t>
-            </a:r>
-            <a:endParaRPr lang="en-US" b="1" dirty="0">
-              <a:solidFill>
-                <a:srgbClr val="0070C0"/>
-              </a:solidFill>
+              <a:t>Welcome to</a:t>
+            </a:r>
+          </a:p>
+          <a:p>
+            <a:pPr marL="0" indent="0">
+              <a:buNone/>
+            </a:pPr>
+            <a:r>
+              <a:rPr lang="en-US" dirty="0">
+                <a:latin typeface="Consolas" panose="020B0609020204030204" pitchFamily="49" charset="0"/>
+                <a:cs typeface="Consolas" panose="020B0609020204030204" pitchFamily="49" charset="0"/>
+              </a:rPr>
+              <a:t>      ____              __</a:t>
+            </a:r>
+          </a:p>
+          <a:p>
+            <a:pPr marL="0" indent="0">
+              <a:buNone/>
+            </a:pPr>
+            <a:r>
+              <a:rPr lang="en-US" dirty="0">
+                <a:latin typeface="Consolas" panose="020B0609020204030204" pitchFamily="49" charset="0"/>
+                <a:cs typeface="Consolas" panose="020B0609020204030204" pitchFamily="49" charset="0"/>
+              </a:rPr>
+              <a:t>     / __/__  ___ _____/ /__</a:t>
+            </a:r>
+          </a:p>
+          <a:p>
+            <a:pPr marL="0" indent="0">
+              <a:buNone/>
+            </a:pPr>
+            <a:r>
+              <a:rPr lang="en-US" dirty="0">
+                <a:latin typeface="Consolas" panose="020B0609020204030204" pitchFamily="49" charset="0"/>
+                <a:cs typeface="Consolas" panose="020B0609020204030204" pitchFamily="49" charset="0"/>
+              </a:rPr>
+              <a:t>    _\ \/ _ \/ _ `/ __/  '_/</a:t>
+            </a:r>
+          </a:p>
+          <a:p>
+            <a:pPr marL="0" indent="0">
+              <a:buNone/>
+            </a:pPr>
+            <a:r>
+              <a:rPr lang="en-US" dirty="0">
+                <a:latin typeface="Consolas" panose="020B0609020204030204" pitchFamily="49" charset="0"/>
+                <a:cs typeface="Consolas" panose="020B0609020204030204" pitchFamily="49" charset="0"/>
+              </a:rPr>
+              <a:t>   /__ / .__/\_,_/_/ /_/\_\   version 3.3.1</a:t>
+            </a:r>
+          </a:p>
+          <a:p>
+            <a:pPr marL="0" indent="0">
+              <a:buNone/>
+            </a:pPr>
+            <a:r>
+              <a:rPr lang="en-US" dirty="0">
+                <a:latin typeface="Consolas" panose="020B0609020204030204" pitchFamily="49" charset="0"/>
+                <a:cs typeface="Consolas" panose="020B0609020204030204" pitchFamily="49" charset="0"/>
+              </a:rPr>
+              <a:t>      /_/</a:t>
+            </a:r>
+          </a:p>
+          <a:p>
+            <a:pPr marL="0" indent="0">
+              <a:buNone/>
+            </a:pPr>
+            <a:endParaRPr lang="en-US" dirty="0">
               <a:latin typeface="Consolas" panose="020B0609020204030204" pitchFamily="49" charset="0"/>
               <a:cs typeface="Consolas" panose="020B0609020204030204" pitchFamily="49" charset="0"/>
             </a:endParaRPr>
@@ -9155,7 +10655,7 @@
                 <a:latin typeface="Consolas" panose="020B0609020204030204" pitchFamily="49" charset="0"/>
                 <a:cs typeface="Consolas" panose="020B0609020204030204" pitchFamily="49" charset="0"/>
               </a:rPr>
-              <a:t>'3.2.0'</a:t>
+              <a:t>Using Python version 3.8.9 (default, Dec 18 2022 07:45:34)</a:t>
             </a:r>
           </a:p>
           <a:p>
@@ -9167,21 +10667,65 @@
                 <a:latin typeface="Consolas" panose="020B0609020204030204" pitchFamily="49" charset="0"/>
                 <a:cs typeface="Consolas" panose="020B0609020204030204" pitchFamily="49" charset="0"/>
               </a:rPr>
+              <a:t>Spark context Web UI available at http://10.0.0.234:4041</a:t>
+            </a:r>
+          </a:p>
+          <a:p>
+            <a:pPr marL="0" indent="0">
+              <a:buNone/>
+            </a:pPr>
+            <a:r>
+              <a:rPr lang="en-US" dirty="0">
+                <a:latin typeface="Consolas" panose="020B0609020204030204" pitchFamily="49" charset="0"/>
+                <a:cs typeface="Consolas" panose="020B0609020204030204" pitchFamily="49" charset="0"/>
+              </a:rPr>
+              <a:t>Spark context available as '</a:t>
+            </a:r>
+            <a:r>
+              <a:rPr lang="en-US" dirty="0" err="1">
+                <a:latin typeface="Consolas" panose="020B0609020204030204" pitchFamily="49" charset="0"/>
+                <a:cs typeface="Consolas" panose="020B0609020204030204" pitchFamily="49" charset="0"/>
+              </a:rPr>
+              <a:t>sc</a:t>
+            </a:r>
+            <a:r>
+              <a:rPr lang="en-US" dirty="0">
+                <a:latin typeface="Consolas" panose="020B0609020204030204" pitchFamily="49" charset="0"/>
+                <a:cs typeface="Consolas" panose="020B0609020204030204" pitchFamily="49" charset="0"/>
+              </a:rPr>
+              <a:t>' (master = local[*], app id = local-1649561327717).</a:t>
+            </a:r>
+          </a:p>
+          <a:p>
+            <a:pPr marL="0" indent="0">
+              <a:buNone/>
+            </a:pPr>
+            <a:r>
+              <a:rPr lang="en-US" dirty="0">
+                <a:latin typeface="Consolas" panose="020B0609020204030204" pitchFamily="49" charset="0"/>
+                <a:cs typeface="Consolas" panose="020B0609020204030204" pitchFamily="49" charset="0"/>
+              </a:rPr>
+              <a:t>SparkSession available as 'spark'.</a:t>
+            </a:r>
+          </a:p>
+          <a:p>
+            <a:pPr marL="0" indent="0">
+              <a:buNone/>
+            </a:pPr>
+            <a:r>
+              <a:rPr lang="en-US" dirty="0">
+                <a:latin typeface="Consolas" panose="020B0609020204030204" pitchFamily="49" charset="0"/>
+                <a:cs typeface="Consolas" panose="020B0609020204030204" pitchFamily="49" charset="0"/>
+              </a:rPr>
               <a:t>&gt;&gt;&gt;</a:t>
             </a:r>
-          </a:p>
-          <a:p>
-            <a:pPr marL="0" indent="0">
-              <a:buNone/>
-            </a:pPr>
-            <a:endParaRPr lang="en-US" dirty="0"/>
           </a:p>
         </p:txBody>
       </p:sp>
     </p:spTree>
     <p:extLst>
       <p:ext uri="{BB962C8B-B14F-4D97-AF65-F5344CB8AC3E}">
-        <p14:creationId xmlns:p14="http://schemas.microsoft.com/office/powerpoint/2010/main" val="3344410020"/>
+        <p14:creationId xmlns:p14="http://schemas.microsoft.com/office/powerpoint/2010/main" val="1515787495"/>
       </p:ext>
     </p:extLst>
   </p:cSld>
@@ -9226,17 +10770,19 @@
         </p:nvSpPr>
         <p:spPr>
           <a:xfrm>
-            <a:off x="628650" y="273845"/>
-            <a:ext cx="7886700" cy="579596"/>
-          </a:xfrm>
-        </p:spPr>
-        <p:txBody>
-          <a:bodyPr/>
+            <a:off x="628650" y="273844"/>
+            <a:ext cx="7886700" cy="527345"/>
+          </a:xfrm>
+        </p:spPr>
+        <p:txBody>
+          <a:bodyPr>
+            <a:normAutofit fontScale="90000"/>
+          </a:bodyPr>
           <a:lstStyle/>
           <a:p>
             <a:r>
               <a:rPr lang="en-US" dirty="0"/>
-              <a:t>Launch PySpark Shell Command: EXIT?</a:t>
+              <a:t>Launch PySpark Shell Command: check version</a:t>
             </a:r>
           </a:p>
         </p:txBody>
@@ -9259,13 +10805,13 @@
         </p:nvSpPr>
         <p:spPr>
           <a:xfrm>
-            <a:off x="628650" y="949234"/>
-            <a:ext cx="7886700" cy="3762103"/>
+            <a:off x="628650" y="870857"/>
+            <a:ext cx="7886700" cy="3840480"/>
           </a:xfrm>
         </p:spPr>
         <p:txBody>
           <a:bodyPr>
-            <a:normAutofit fontScale="92500" lnSpcReduction="20000"/>
+            <a:normAutofit fontScale="85000" lnSpcReduction="20000"/>
           </a:bodyPr>
           <a:lstStyle/>
           <a:p>
@@ -9273,150 +10819,73 @@
               <a:buNone/>
             </a:pPr>
             <a:r>
-              <a:rPr lang="en-US" dirty="0"/>
-              <a:t>To exit or quit from </a:t>
-            </a:r>
-            <a:r>
-              <a:rPr lang="en-US" u="sng" dirty="0">
-                <a:hlinkClick r:id="rId2"/>
+              <a:rPr lang="en-US" b="1" dirty="0">
+                <a:latin typeface="Consolas" panose="020B0609020204030204" pitchFamily="49" charset="0"/>
+                <a:cs typeface="Consolas" panose="020B0609020204030204" pitchFamily="49" charset="0"/>
+              </a:rPr>
+              <a:t>% </a:t>
+            </a:r>
+            <a:r>
+              <a:rPr lang="en-US" b="1" dirty="0">
+                <a:solidFill>
+                  <a:srgbClr val="0070C0"/>
+                </a:solidFill>
+                <a:latin typeface="Consolas" panose="020B0609020204030204" pitchFamily="49" charset="0"/>
+                <a:cs typeface="Consolas" panose="020B0609020204030204" pitchFamily="49" charset="0"/>
+              </a:rPr>
+              <a:t>cd /Users/</a:t>
+            </a:r>
+            <a:r>
+              <a:rPr lang="en-US" b="1" dirty="0" err="1">
+                <a:solidFill>
+                  <a:srgbClr val="0070C0"/>
+                </a:solidFill>
+                <a:latin typeface="Consolas" panose="020B0609020204030204" pitchFamily="49" charset="0"/>
+                <a:cs typeface="Consolas" panose="020B0609020204030204" pitchFamily="49" charset="0"/>
+              </a:rPr>
+              <a:t>mparsian</a:t>
+            </a:r>
+            <a:r>
+              <a:rPr lang="en-US" b="1" dirty="0">
+                <a:solidFill>
+                  <a:srgbClr val="0070C0"/>
+                </a:solidFill>
+                <a:latin typeface="Consolas" panose="020B0609020204030204" pitchFamily="49" charset="0"/>
+                <a:cs typeface="Consolas" panose="020B0609020204030204" pitchFamily="49" charset="0"/>
+              </a:rPr>
+              <a:t>/spark-3.3.1/</a:t>
+            </a:r>
+          </a:p>
+          <a:p>
+            <a:pPr marL="0" indent="0">
+              <a:buNone/>
+            </a:pPr>
+            <a:r>
+              <a:rPr lang="en-US" b="1" dirty="0">
+                <a:latin typeface="Consolas" panose="020B0609020204030204" pitchFamily="49" charset="0"/>
+                <a:cs typeface="Consolas" panose="020B0609020204030204" pitchFamily="49" charset="0"/>
+              </a:rPr>
+              <a:t>% </a:t>
+            </a:r>
+            <a:r>
+              <a:rPr lang="en-US" b="1" dirty="0">
+                <a:solidFill>
+                  <a:srgbClr val="0070C0"/>
+                </a:solidFill>
+                <a:latin typeface="Consolas" panose="020B0609020204030204" pitchFamily="49" charset="0"/>
+                <a:cs typeface="Consolas" panose="020B0609020204030204" pitchFamily="49" charset="0"/>
+              </a:rPr>
+              <a:t>./bin/</a:t>
+            </a:r>
+            <a:r>
+              <a:rPr lang="en-US" b="1" dirty="0" err="1">
+                <a:solidFill>
+                  <a:srgbClr val="0070C0"/>
+                </a:solidFill>
+                <a:latin typeface="Consolas" panose="020B0609020204030204" pitchFamily="49" charset="0"/>
+                <a:cs typeface="Consolas" panose="020B0609020204030204" pitchFamily="49" charset="0"/>
               </a:rPr>
               <a:t>pyspark</a:t>
-            </a:r>
-            <a:r>
-              <a:rPr lang="en-US" dirty="0"/>
-              <a:t> shell, you can use either quit() or exit() or CTRL-D from shell prompt.</a:t>
-            </a:r>
-          </a:p>
-          <a:p>
-            <a:pPr marL="0" indent="0">
-              <a:buNone/>
-            </a:pPr>
-            <a:endParaRPr lang="en-US" dirty="0"/>
-          </a:p>
-          <a:p>
-            <a:pPr marL="0" indent="0">
-              <a:buNone/>
-            </a:pPr>
-            <a:r>
-              <a:rPr lang="en-US" dirty="0">
-                <a:latin typeface="Consolas" panose="020B0609020204030204" pitchFamily="49" charset="0"/>
-                <a:cs typeface="Consolas" panose="020B0609020204030204" pitchFamily="49" charset="0"/>
-              </a:rPr>
-              <a:t>% ./bin/pyspark</a:t>
-            </a:r>
-          </a:p>
-          <a:p>
-            <a:pPr marL="0" indent="0">
-              <a:buNone/>
-            </a:pPr>
-            <a:r>
-              <a:rPr lang="en-US" dirty="0">
-                <a:latin typeface="Consolas" panose="020B0609020204030204" pitchFamily="49" charset="0"/>
-                <a:cs typeface="Consolas" panose="020B0609020204030204" pitchFamily="49" charset="0"/>
-              </a:rPr>
-              <a:t>Spark context available as '</a:t>
-            </a:r>
-            <a:r>
-              <a:rPr lang="en-US" dirty="0" err="1">
-                <a:latin typeface="Consolas" panose="020B0609020204030204" pitchFamily="49" charset="0"/>
-                <a:cs typeface="Consolas" panose="020B0609020204030204" pitchFamily="49" charset="0"/>
-              </a:rPr>
-              <a:t>sc</a:t>
-            </a:r>
-            <a:r>
-              <a:rPr lang="en-US" dirty="0">
-                <a:latin typeface="Consolas" panose="020B0609020204030204" pitchFamily="49" charset="0"/>
-                <a:cs typeface="Consolas" panose="020B0609020204030204" pitchFamily="49" charset="0"/>
-              </a:rPr>
-              <a:t>'</a:t>
-            </a:r>
-          </a:p>
-          <a:p>
-            <a:pPr marL="0" indent="0">
-              <a:buNone/>
-            </a:pPr>
-            <a:r>
-              <a:rPr lang="en-US" dirty="0" err="1">
-                <a:latin typeface="Consolas" panose="020B0609020204030204" pitchFamily="49" charset="0"/>
-                <a:cs typeface="Consolas" panose="020B0609020204030204" pitchFamily="49" charset="0"/>
-              </a:rPr>
-              <a:t>SparkSession</a:t>
-            </a:r>
-            <a:r>
-              <a:rPr lang="en-US" dirty="0">
-                <a:latin typeface="Consolas" panose="020B0609020204030204" pitchFamily="49" charset="0"/>
-                <a:cs typeface="Consolas" panose="020B0609020204030204" pitchFamily="49" charset="0"/>
-              </a:rPr>
-              <a:t> available as 'spark'.</a:t>
-            </a:r>
-          </a:p>
-          <a:p>
-            <a:pPr marL="0" indent="0">
-              <a:buNone/>
-            </a:pPr>
-            <a:r>
-              <a:rPr lang="en-US" dirty="0">
-                <a:latin typeface="Consolas" panose="020B0609020204030204" pitchFamily="49" charset="0"/>
-                <a:cs typeface="Consolas" panose="020B0609020204030204" pitchFamily="49" charset="0"/>
-              </a:rPr>
-              <a:t>&gt;&gt;&gt;</a:t>
-            </a:r>
-          </a:p>
-          <a:p>
-            <a:pPr marL="0" indent="0">
-              <a:buNone/>
-            </a:pPr>
-            <a:r>
-              <a:rPr lang="en-US" dirty="0">
-                <a:latin typeface="Consolas" panose="020B0609020204030204" pitchFamily="49" charset="0"/>
-                <a:cs typeface="Consolas" panose="020B0609020204030204" pitchFamily="49" charset="0"/>
-              </a:rPr>
-              <a:t>&gt;&gt;&gt; </a:t>
-            </a:r>
-            <a:r>
-              <a:rPr lang="en-US" dirty="0" err="1">
-                <a:latin typeface="Consolas" panose="020B0609020204030204" pitchFamily="49" charset="0"/>
-                <a:cs typeface="Consolas" panose="020B0609020204030204" pitchFamily="49" charset="0"/>
-              </a:rPr>
-              <a:t>spark.version</a:t>
-            </a:r>
-            <a:endParaRPr lang="en-US" dirty="0">
-              <a:latin typeface="Consolas" panose="020B0609020204030204" pitchFamily="49" charset="0"/>
-              <a:cs typeface="Consolas" panose="020B0609020204030204" pitchFamily="49" charset="0"/>
-            </a:endParaRPr>
-          </a:p>
-          <a:p>
-            <a:pPr marL="0" indent="0">
-              <a:buNone/>
-            </a:pPr>
-            <a:r>
-              <a:rPr lang="en-US" dirty="0">
-                <a:latin typeface="Consolas" panose="020B0609020204030204" pitchFamily="49" charset="0"/>
-                <a:cs typeface="Consolas" panose="020B0609020204030204" pitchFamily="49" charset="0"/>
-              </a:rPr>
-              <a:t>'3.2.0'</a:t>
-            </a:r>
-          </a:p>
-          <a:p>
-            <a:pPr marL="0" indent="0">
-              <a:buNone/>
-            </a:pPr>
-            <a:r>
-              <a:rPr lang="en-US" dirty="0">
-                <a:latin typeface="Consolas" panose="020B0609020204030204" pitchFamily="49" charset="0"/>
-                <a:cs typeface="Consolas" panose="020B0609020204030204" pitchFamily="49" charset="0"/>
-              </a:rPr>
-              <a:t>&gt;&gt;&gt; </a:t>
-            </a:r>
-            <a:r>
-              <a:rPr lang="en-US" sz="2200" b="1" dirty="0">
-                <a:solidFill>
-                  <a:srgbClr val="0070C0"/>
-                </a:solidFill>
-                <a:latin typeface="Consolas" panose="020B0609020204030204" pitchFamily="49" charset="0"/>
-                <a:cs typeface="Consolas" panose="020B0609020204030204" pitchFamily="49" charset="0"/>
-              </a:rPr>
-              <a:t>exit()</a:t>
             </a:r>
             <a:endParaRPr lang="en-US" b="1" dirty="0">
               <a:solidFill>
@@ -9435,15 +10904,177 @@
                 <a:latin typeface="Consolas" panose="020B0609020204030204" pitchFamily="49" charset="0"/>
                 <a:cs typeface="Consolas" panose="020B0609020204030204" pitchFamily="49" charset="0"/>
               </a:rPr>
-              <a:t>%</a:t>
-            </a:r>
+              <a:t>Python 3.8.9 (default, Dec 18 2022, 07:45:34)</a:t>
+            </a:r>
+          </a:p>
+          <a:p>
+            <a:pPr marL="0" indent="0">
+              <a:buNone/>
+            </a:pPr>
+            <a:r>
+              <a:rPr lang="en-US" dirty="0">
+                <a:latin typeface="Consolas" panose="020B0609020204030204" pitchFamily="49" charset="0"/>
+                <a:cs typeface="Consolas" panose="020B0609020204030204" pitchFamily="49" charset="0"/>
+              </a:rPr>
+              <a:t>Welcome to</a:t>
+            </a:r>
+          </a:p>
+          <a:p>
+            <a:pPr marL="0" indent="0">
+              <a:buNone/>
+            </a:pPr>
+            <a:r>
+              <a:rPr lang="en-US" dirty="0">
+                <a:latin typeface="Consolas" panose="020B0609020204030204" pitchFamily="49" charset="0"/>
+                <a:cs typeface="Consolas" panose="020B0609020204030204" pitchFamily="49" charset="0"/>
+              </a:rPr>
+              <a:t>…</a:t>
+            </a:r>
+          </a:p>
+          <a:p>
+            <a:pPr marL="0" indent="0">
+              <a:buNone/>
+            </a:pPr>
+            <a:r>
+              <a:rPr lang="en-US" dirty="0">
+                <a:latin typeface="Consolas" panose="020B0609020204030204" pitchFamily="49" charset="0"/>
+                <a:cs typeface="Consolas" panose="020B0609020204030204" pitchFamily="49" charset="0"/>
+              </a:rPr>
+              <a:t>Spark context available as '</a:t>
+            </a:r>
+            <a:r>
+              <a:rPr lang="en-US" dirty="0" err="1">
+                <a:latin typeface="Consolas" panose="020B0609020204030204" pitchFamily="49" charset="0"/>
+                <a:cs typeface="Consolas" panose="020B0609020204030204" pitchFamily="49" charset="0"/>
+              </a:rPr>
+              <a:t>sc</a:t>
+            </a:r>
+            <a:r>
+              <a:rPr lang="en-US" dirty="0">
+                <a:latin typeface="Consolas" panose="020B0609020204030204" pitchFamily="49" charset="0"/>
+                <a:cs typeface="Consolas" panose="020B0609020204030204" pitchFamily="49" charset="0"/>
+              </a:rPr>
+              <a:t>'</a:t>
+            </a:r>
+          </a:p>
+          <a:p>
+            <a:pPr marL="0" indent="0">
+              <a:buNone/>
+            </a:pPr>
+            <a:r>
+              <a:rPr lang="en-US" dirty="0">
+                <a:latin typeface="Consolas" panose="020B0609020204030204" pitchFamily="49" charset="0"/>
+                <a:cs typeface="Consolas" panose="020B0609020204030204" pitchFamily="49" charset="0"/>
+              </a:rPr>
+              <a:t>SparkSession available as 'spark'.</a:t>
+            </a:r>
+          </a:p>
+          <a:p>
+            <a:pPr marL="0" indent="0">
+              <a:buNone/>
+            </a:pPr>
+            <a:r>
+              <a:rPr lang="en-US" dirty="0">
+                <a:latin typeface="Consolas" panose="020B0609020204030204" pitchFamily="49" charset="0"/>
+                <a:cs typeface="Consolas" panose="020B0609020204030204" pitchFamily="49" charset="0"/>
+              </a:rPr>
+              <a:t>&gt;&gt;&gt; </a:t>
+            </a:r>
+            <a:r>
+              <a:rPr lang="en-US" b="1" dirty="0" err="1">
+                <a:solidFill>
+                  <a:srgbClr val="0070C0"/>
+                </a:solidFill>
+                <a:latin typeface="Consolas" panose="020B0609020204030204" pitchFamily="49" charset="0"/>
+                <a:cs typeface="Consolas" panose="020B0609020204030204" pitchFamily="49" charset="0"/>
+              </a:rPr>
+              <a:t>sc.version</a:t>
+            </a:r>
+            <a:endParaRPr lang="en-US" b="1" dirty="0">
+              <a:solidFill>
+                <a:srgbClr val="0070C0"/>
+              </a:solidFill>
+              <a:latin typeface="Consolas" panose="020B0609020204030204" pitchFamily="49" charset="0"/>
+              <a:cs typeface="Consolas" panose="020B0609020204030204" pitchFamily="49" charset="0"/>
+            </a:endParaRPr>
+          </a:p>
+          <a:p>
+            <a:pPr marL="0" indent="0">
+              <a:buNone/>
+            </a:pPr>
+            <a:r>
+              <a:rPr lang="en-US" dirty="0">
+                <a:latin typeface="Consolas" panose="020B0609020204030204" pitchFamily="49" charset="0"/>
+                <a:cs typeface="Consolas" panose="020B0609020204030204" pitchFamily="49" charset="0"/>
+              </a:rPr>
+              <a:t>‘3.3.1'</a:t>
+            </a:r>
+          </a:p>
+          <a:p>
+            <a:pPr marL="0" indent="0">
+              <a:buNone/>
+            </a:pPr>
+            <a:r>
+              <a:rPr lang="en-US" dirty="0">
+                <a:latin typeface="Consolas" panose="020B0609020204030204" pitchFamily="49" charset="0"/>
+                <a:cs typeface="Consolas" panose="020B0609020204030204" pitchFamily="49" charset="0"/>
+              </a:rPr>
+              <a:t>&gt;&gt;&gt; </a:t>
+            </a:r>
+            <a:r>
+              <a:rPr lang="en-US" b="1" dirty="0" err="1">
+                <a:solidFill>
+                  <a:srgbClr val="0070C0"/>
+                </a:solidFill>
+                <a:latin typeface="Consolas" panose="020B0609020204030204" pitchFamily="49" charset="0"/>
+                <a:cs typeface="Consolas" panose="020B0609020204030204" pitchFamily="49" charset="0"/>
+              </a:rPr>
+              <a:t>spark.version</a:t>
+            </a:r>
+            <a:endParaRPr lang="en-US" b="1" dirty="0">
+              <a:solidFill>
+                <a:srgbClr val="0070C0"/>
+              </a:solidFill>
+              <a:latin typeface="Consolas" panose="020B0609020204030204" pitchFamily="49" charset="0"/>
+              <a:cs typeface="Consolas" panose="020B0609020204030204" pitchFamily="49" charset="0"/>
+            </a:endParaRPr>
+          </a:p>
+          <a:p>
+            <a:pPr marL="0" indent="0">
+              <a:buNone/>
+            </a:pPr>
+            <a:r>
+              <a:rPr lang="en-US" dirty="0">
+                <a:latin typeface="Consolas" panose="020B0609020204030204" pitchFamily="49" charset="0"/>
+                <a:cs typeface="Consolas" panose="020B0609020204030204" pitchFamily="49" charset="0"/>
+              </a:rPr>
+              <a:t>‘3.3.1'</a:t>
+            </a:r>
+          </a:p>
+          <a:p>
+            <a:pPr marL="0" indent="0">
+              <a:buNone/>
+            </a:pPr>
+            <a:r>
+              <a:rPr lang="en-US" dirty="0">
+                <a:latin typeface="Consolas" panose="020B0609020204030204" pitchFamily="49" charset="0"/>
+                <a:cs typeface="Consolas" panose="020B0609020204030204" pitchFamily="49" charset="0"/>
+              </a:rPr>
+              <a:t>&gt;&gt;&gt;</a:t>
+            </a:r>
+          </a:p>
+          <a:p>
+            <a:pPr marL="0" indent="0">
+              <a:buNone/>
+            </a:pPr>
+            <a:endParaRPr lang="en-US" dirty="0"/>
           </a:p>
         </p:txBody>
       </p:sp>
     </p:spTree>
     <p:extLst>
       <p:ext uri="{BB962C8B-B14F-4D97-AF65-F5344CB8AC3E}">
-        <p14:creationId xmlns:p14="http://schemas.microsoft.com/office/powerpoint/2010/main" val="257575311"/>
+        <p14:creationId xmlns:p14="http://schemas.microsoft.com/office/powerpoint/2010/main" val="3344410020"/>
       </p:ext>
     </p:extLst>
   </p:cSld>
@@ -9486,14 +11117,19 @@
             <p:ph type="title"/>
           </p:nvPr>
         </p:nvSpPr>
-        <p:spPr/>
+        <p:spPr>
+          <a:xfrm>
+            <a:off x="628650" y="273845"/>
+            <a:ext cx="7886700" cy="579596"/>
+          </a:xfrm>
+        </p:spPr>
         <p:txBody>
           <a:bodyPr/>
           <a:lstStyle/>
           <a:p>
             <a:r>
               <a:rPr lang="en-US" dirty="0"/>
-              <a:t>PySpark Shell Command: created variables</a:t>
+              <a:t>Launch PySpark Shell Command: EXIT?</a:t>
             </a:r>
           </a:p>
         </p:txBody>
@@ -9516,13 +11152,13 @@
         </p:nvSpPr>
         <p:spPr>
           <a:xfrm>
-            <a:off x="628650" y="1179095"/>
-            <a:ext cx="7886700" cy="3532242"/>
+            <a:off x="628650" y="949234"/>
+            <a:ext cx="7886700" cy="3762103"/>
           </a:xfrm>
         </p:spPr>
         <p:txBody>
           <a:bodyPr>
-            <a:normAutofit/>
+            <a:normAutofit fontScale="92500" lnSpcReduction="20000"/>
           </a:bodyPr>
           <a:lstStyle/>
           <a:p>
@@ -9530,38 +11166,25 @@
               <a:buNone/>
             </a:pPr>
             <a:r>
-              <a:rPr lang="en-US" b="1" dirty="0">
-                <a:latin typeface="Consolas" panose="020B0609020204030204" pitchFamily="49" charset="0"/>
-                <a:cs typeface="Consolas" panose="020B0609020204030204" pitchFamily="49" charset="0"/>
-              </a:rPr>
-              <a:t>% cd /Users/</a:t>
-            </a:r>
-            <a:r>
-              <a:rPr lang="en-US" b="1" dirty="0" err="1">
-                <a:latin typeface="Consolas" panose="020B0609020204030204" pitchFamily="49" charset="0"/>
-                <a:cs typeface="Consolas" panose="020B0609020204030204" pitchFamily="49" charset="0"/>
-              </a:rPr>
-              <a:t>mparsian</a:t>
-            </a:r>
-            <a:r>
-              <a:rPr lang="en-US" b="1" dirty="0">
-                <a:latin typeface="Consolas" panose="020B0609020204030204" pitchFamily="49" charset="0"/>
-                <a:cs typeface="Consolas" panose="020B0609020204030204" pitchFamily="49" charset="0"/>
-              </a:rPr>
-              <a:t>/spark-3.2.0</a:t>
-            </a:r>
-          </a:p>
-          <a:p>
-            <a:pPr marL="0" indent="0">
-              <a:buNone/>
-            </a:pPr>
-            <a:r>
-              <a:rPr lang="en-US" b="1" dirty="0">
-                <a:latin typeface="Consolas" panose="020B0609020204030204" pitchFamily="49" charset="0"/>
-                <a:cs typeface="Consolas" panose="020B0609020204030204" pitchFamily="49" charset="0"/>
-              </a:rPr>
-              <a:t>% ./bin/pyspark</a:t>
-            </a:r>
+              <a:rPr lang="en-US" dirty="0"/>
+              <a:t>To exit or quit from </a:t>
+            </a:r>
+            <a:r>
+              <a:rPr lang="en-US" u="sng" dirty="0">
+                <a:hlinkClick r:id="rId2"/>
+              </a:rPr>
+              <a:t>pyspark</a:t>
+            </a:r>
+            <a:r>
+              <a:rPr lang="en-US" dirty="0"/>
+              <a:t> shell, you can use either quit() or exit() or CTRL-D from shell prompt.</a:t>
+            </a:r>
+          </a:p>
+          <a:p>
+            <a:pPr marL="0" indent="0">
+              <a:buNone/>
+            </a:pPr>
+            <a:endParaRPr lang="en-US" dirty="0"/>
           </a:p>
           <a:p>
             <a:pPr marL="0" indent="0">
@@ -9572,26 +11195,30 @@
                 <a:latin typeface="Consolas" panose="020B0609020204030204" pitchFamily="49" charset="0"/>
                 <a:cs typeface="Consolas" panose="020B0609020204030204" pitchFamily="49" charset="0"/>
               </a:rPr>
-              <a:t>…</a:t>
-            </a:r>
-          </a:p>
-          <a:p>
-            <a:pPr marL="0" indent="0">
-              <a:buNone/>
-            </a:pPr>
+              <a:t>% ./bin/</a:t>
+            </a:r>
             <a:r>
               <a:rPr lang="en-US" dirty="0" err="1">
                 <a:latin typeface="Consolas" panose="020B0609020204030204" pitchFamily="49" charset="0"/>
                 <a:cs typeface="Consolas" panose="020B0609020204030204" pitchFamily="49" charset="0"/>
               </a:rPr>
-              <a:t>SparkContext</a:t>
-            </a:r>
+              <a:t>pyspark</a:t>
+            </a:r>
+            <a:endParaRPr lang="en-US" dirty="0">
+              <a:latin typeface="Consolas" panose="020B0609020204030204" pitchFamily="49" charset="0"/>
+              <a:cs typeface="Consolas" panose="020B0609020204030204" pitchFamily="49" charset="0"/>
+            </a:endParaRPr>
+          </a:p>
+          <a:p>
+            <a:pPr marL="0" indent="0">
+              <a:buNone/>
+            </a:pPr>
             <a:r>
               <a:rPr lang="en-US" dirty="0">
                 <a:latin typeface="Consolas" panose="020B0609020204030204" pitchFamily="49" charset="0"/>
                 <a:cs typeface="Consolas" panose="020B0609020204030204" pitchFamily="49" charset="0"/>
               </a:rPr>
-              <a:t> available as '</a:t>
+              <a:t>Spark context available as '</a:t>
             </a:r>
             <a:r>
               <a:rPr lang="en-US" dirty="0" err="1">
@@ -9613,18 +11240,58 @@
               <a:buNone/>
             </a:pPr>
             <a:r>
+              <a:rPr lang="en-US" dirty="0">
+                <a:latin typeface="Consolas" panose="020B0609020204030204" pitchFamily="49" charset="0"/>
+                <a:cs typeface="Consolas" panose="020B0609020204030204" pitchFamily="49" charset="0"/>
+              </a:rPr>
+              <a:t>SparkSession available as 'spark'.</a:t>
+            </a:r>
+          </a:p>
+          <a:p>
+            <a:pPr marL="0" indent="0">
+              <a:buNone/>
+            </a:pPr>
+            <a:r>
+              <a:rPr lang="en-US" dirty="0">
+                <a:latin typeface="Consolas" panose="020B0609020204030204" pitchFamily="49" charset="0"/>
+                <a:cs typeface="Consolas" panose="020B0609020204030204" pitchFamily="49" charset="0"/>
+              </a:rPr>
+              <a:t>&gt;&gt;&gt;</a:t>
+            </a:r>
+          </a:p>
+          <a:p>
+            <a:pPr marL="0" indent="0">
+              <a:buNone/>
+            </a:pPr>
+            <a:r>
+              <a:rPr lang="en-US" dirty="0">
+                <a:latin typeface="Consolas" panose="020B0609020204030204" pitchFamily="49" charset="0"/>
+                <a:cs typeface="Consolas" panose="020B0609020204030204" pitchFamily="49" charset="0"/>
+              </a:rPr>
+              <a:t>&gt;&gt;&gt; </a:t>
+            </a:r>
+            <a:r>
               <a:rPr lang="en-US" dirty="0" err="1">
                 <a:latin typeface="Consolas" panose="020B0609020204030204" pitchFamily="49" charset="0"/>
                 <a:cs typeface="Consolas" panose="020B0609020204030204" pitchFamily="49" charset="0"/>
               </a:rPr>
-              <a:t>SparkSession</a:t>
-            </a:r>
+              <a:t>spark.version</a:t>
+            </a:r>
+            <a:endParaRPr lang="en-US" dirty="0">
+              <a:latin typeface="Consolas" panose="020B0609020204030204" pitchFamily="49" charset="0"/>
+              <a:cs typeface="Consolas" panose="020B0609020204030204" pitchFamily="49" charset="0"/>
+            </a:endParaRPr>
+          </a:p>
+          <a:p>
+            <a:pPr marL="0" indent="0">
+              <a:buNone/>
+            </a:pPr>
             <a:r>
               <a:rPr lang="en-US" dirty="0">
                 <a:latin typeface="Consolas" panose="020B0609020204030204" pitchFamily="49" charset="0"/>
                 <a:cs typeface="Consolas" panose="020B0609020204030204" pitchFamily="49" charset="0"/>
               </a:rPr>
-              <a:t> available as 'spark'</a:t>
+              <a:t>‘3.3.1'</a:t>
             </a:r>
           </a:p>
           <a:p>
@@ -9636,21 +11303,44 @@
                 <a:latin typeface="Consolas" panose="020B0609020204030204" pitchFamily="49" charset="0"/>
                 <a:cs typeface="Consolas" panose="020B0609020204030204" pitchFamily="49" charset="0"/>
               </a:rPr>
-              <a:t>&gt;&gt;&gt;</a:t>
-            </a:r>
-          </a:p>
-          <a:p>
-            <a:pPr marL="0" indent="0">
-              <a:buNone/>
-            </a:pPr>
-            <a:endParaRPr lang="en-US" dirty="0"/>
+              <a:t>&gt;&gt;&gt; </a:t>
+            </a:r>
+            <a:r>
+              <a:rPr lang="en-US" sz="2200" b="1" dirty="0">
+                <a:solidFill>
+                  <a:srgbClr val="0070C0"/>
+                </a:solidFill>
+                <a:latin typeface="Consolas" panose="020B0609020204030204" pitchFamily="49" charset="0"/>
+                <a:cs typeface="Consolas" panose="020B0609020204030204" pitchFamily="49" charset="0"/>
+              </a:rPr>
+              <a:t>exit()</a:t>
+            </a:r>
+            <a:endParaRPr lang="en-US" b="1" dirty="0">
+              <a:solidFill>
+                <a:srgbClr val="0070C0"/>
+              </a:solidFill>
+              <a:latin typeface="Consolas" panose="020B0609020204030204" pitchFamily="49" charset="0"/>
+              <a:cs typeface="Consolas" panose="020B0609020204030204" pitchFamily="49" charset="0"/>
+            </a:endParaRPr>
+          </a:p>
+          <a:p>
+            <a:pPr marL="0" indent="0">
+              <a:buNone/>
+            </a:pPr>
+            <a:r>
+              <a:rPr lang="en-US" dirty="0">
+                <a:latin typeface="Consolas" panose="020B0609020204030204" pitchFamily="49" charset="0"/>
+                <a:cs typeface="Consolas" panose="020B0609020204030204" pitchFamily="49" charset="0"/>
+              </a:rPr>
+              <a:t>%</a:t>
+            </a:r>
           </a:p>
         </p:txBody>
       </p:sp>
     </p:spTree>
     <p:extLst>
       <p:ext uri="{BB962C8B-B14F-4D97-AF65-F5344CB8AC3E}">
-        <p14:creationId xmlns:p14="http://schemas.microsoft.com/office/powerpoint/2010/main" val="410469547"/>
+        <p14:creationId xmlns:p14="http://schemas.microsoft.com/office/powerpoint/2010/main" val="257575311"/>
       </p:ext>
     </p:extLst>
   </p:cSld>
@@ -9700,19 +11390,7 @@
           <a:p>
             <a:r>
               <a:rPr lang="en-US" dirty="0"/>
-              <a:t>What is </a:t>
-            </a:r>
-            <a:r>
-              <a:rPr lang="en-US" dirty="0" err="1">
-                <a:solidFill>
-                  <a:srgbClr val="0070C0"/>
-                </a:solidFill>
-              </a:rPr>
-              <a:t>SparkContext</a:t>
-            </a:r>
-            <a:r>
-              <a:rPr lang="en-US" dirty="0"/>
-              <a:t>?</a:t>
+              <a:t>PySpark Shell Command: created variables</a:t>
             </a:r>
           </a:p>
         </p:txBody>
@@ -9749,83 +11427,124 @@
               <a:buNone/>
             </a:pPr>
             <a:r>
-              <a:rPr lang="en-US" sz="2800" b="1" dirty="0" err="1">
-                <a:solidFill>
-                  <a:srgbClr val="0070C0"/>
-                </a:solidFill>
-                <a:latin typeface="Consolas" panose="020B0609020204030204" pitchFamily="49" charset="0"/>
-                <a:cs typeface="Consolas" panose="020B0609020204030204" pitchFamily="49" charset="0"/>
-              </a:rPr>
-              <a:t>pyspark.SparkContext</a:t>
-            </a:r>
-            <a:endParaRPr lang="en-US" sz="2800" b="1" dirty="0">
-              <a:solidFill>
-                <a:srgbClr val="0070C0"/>
-              </a:solidFill>
+              <a:rPr lang="en-US" b="1" dirty="0">
+                <a:latin typeface="Consolas" panose="020B0609020204030204" pitchFamily="49" charset="0"/>
+                <a:cs typeface="Consolas" panose="020B0609020204030204" pitchFamily="49" charset="0"/>
+              </a:rPr>
+              <a:t>% cd /Users/</a:t>
+            </a:r>
+            <a:r>
+              <a:rPr lang="en-US" b="1" dirty="0" err="1">
+                <a:latin typeface="Consolas" panose="020B0609020204030204" pitchFamily="49" charset="0"/>
+                <a:cs typeface="Consolas" panose="020B0609020204030204" pitchFamily="49" charset="0"/>
+              </a:rPr>
+              <a:t>mparsian</a:t>
+            </a:r>
+            <a:r>
+              <a:rPr lang="en-US" b="1" dirty="0">
+                <a:latin typeface="Consolas" panose="020B0609020204030204" pitchFamily="49" charset="0"/>
+                <a:cs typeface="Consolas" panose="020B0609020204030204" pitchFamily="49" charset="0"/>
+              </a:rPr>
+              <a:t>/spark-3.3.1</a:t>
+            </a:r>
+          </a:p>
+          <a:p>
+            <a:pPr marL="0" indent="0">
+              <a:buNone/>
+            </a:pPr>
+            <a:r>
+              <a:rPr lang="en-US" b="1" dirty="0">
+                <a:latin typeface="Consolas" panose="020B0609020204030204" pitchFamily="49" charset="0"/>
+                <a:cs typeface="Consolas" panose="020B0609020204030204" pitchFamily="49" charset="0"/>
+              </a:rPr>
+              <a:t>% ./bin/</a:t>
+            </a:r>
+            <a:r>
+              <a:rPr lang="en-US" b="1" dirty="0" err="1">
+                <a:latin typeface="Consolas" panose="020B0609020204030204" pitchFamily="49" charset="0"/>
+                <a:cs typeface="Consolas" panose="020B0609020204030204" pitchFamily="49" charset="0"/>
+              </a:rPr>
+              <a:t>pyspark</a:t>
+            </a:r>
+            <a:endParaRPr lang="en-US" b="1" dirty="0">
               <a:latin typeface="Consolas" panose="020B0609020204030204" pitchFamily="49" charset="0"/>
               <a:cs typeface="Consolas" panose="020B0609020204030204" pitchFamily="49" charset="0"/>
             </a:endParaRPr>
           </a:p>
           <a:p>
-            <a:r>
-              <a:rPr lang="en-US" sz="2400" dirty="0"/>
-              <a:t>A </a:t>
-            </a:r>
-            <a:r>
-              <a:rPr lang="en-US" sz="2400" dirty="0" err="1">
-                <a:solidFill>
-                  <a:srgbClr val="0070C0"/>
-                </a:solidFill>
-                <a:latin typeface="Consolas" panose="020B0609020204030204" pitchFamily="49" charset="0"/>
-                <a:cs typeface="Consolas" panose="020B0609020204030204" pitchFamily="49" charset="0"/>
-              </a:rPr>
-              <a:t>SparkContext</a:t>
-            </a:r>
-            <a:r>
-              <a:rPr lang="en-US" sz="2400" dirty="0"/>
-              <a:t> </a:t>
-            </a:r>
-            <a:r>
-              <a:rPr lang="en-US" sz="2400" b="1" dirty="0"/>
-              <a:t>represents the connection to a Spark cluster</a:t>
-            </a:r>
-          </a:p>
-          <a:p>
-            <a:r>
-              <a:rPr lang="en-US" sz="2400" b="1" dirty="0"/>
-              <a:t>Can be used to create RDDs, accumulators and broadcast variables on that cluster</a:t>
-            </a:r>
-            <a:r>
-              <a:rPr lang="en-US" sz="2400" dirty="0"/>
-              <a:t>.</a:t>
-            </a:r>
-          </a:p>
-          <a:p>
-            <a:r>
-              <a:rPr lang="en-US" sz="2400" dirty="0"/>
-              <a:t>Only one </a:t>
-            </a:r>
-            <a:r>
-              <a:rPr lang="en-US" sz="2400" dirty="0" err="1">
-                <a:solidFill>
-                  <a:srgbClr val="0070C0"/>
-                </a:solidFill>
-                <a:latin typeface="Consolas" panose="020B0609020204030204" pitchFamily="49" charset="0"/>
-                <a:cs typeface="Consolas" panose="020B0609020204030204" pitchFamily="49" charset="0"/>
-              </a:rPr>
-              <a:t>SparkContext</a:t>
-            </a:r>
-            <a:r>
-              <a:rPr lang="en-US" sz="2400" dirty="0"/>
-              <a:t> should be active per JVM. </a:t>
-            </a:r>
+            <a:pPr marL="0" indent="0">
+              <a:buNone/>
+            </a:pPr>
+            <a:r>
+              <a:rPr lang="en-US" dirty="0">
+                <a:latin typeface="Consolas" panose="020B0609020204030204" pitchFamily="49" charset="0"/>
+                <a:cs typeface="Consolas" panose="020B0609020204030204" pitchFamily="49" charset="0"/>
+              </a:rPr>
+              <a:t>…</a:t>
+            </a:r>
+          </a:p>
+          <a:p>
+            <a:pPr marL="0" indent="0">
+              <a:buNone/>
+            </a:pPr>
+            <a:r>
+              <a:rPr lang="en-US" dirty="0">
+                <a:latin typeface="Consolas" panose="020B0609020204030204" pitchFamily="49" charset="0"/>
+                <a:cs typeface="Consolas" panose="020B0609020204030204" pitchFamily="49" charset="0"/>
+              </a:rPr>
+              <a:t>SparkContext available as '</a:t>
+            </a:r>
+            <a:r>
+              <a:rPr lang="en-US" dirty="0" err="1">
+                <a:latin typeface="Consolas" panose="020B0609020204030204" pitchFamily="49" charset="0"/>
+                <a:cs typeface="Consolas" panose="020B0609020204030204" pitchFamily="49" charset="0"/>
+              </a:rPr>
+              <a:t>sc</a:t>
+            </a:r>
+            <a:r>
+              <a:rPr lang="en-US" dirty="0">
+                <a:latin typeface="Consolas" panose="020B0609020204030204" pitchFamily="49" charset="0"/>
+                <a:cs typeface="Consolas" panose="020B0609020204030204" pitchFamily="49" charset="0"/>
+              </a:rPr>
+              <a:t>'</a:t>
+            </a:r>
+          </a:p>
+          <a:p>
+            <a:pPr marL="0" indent="0">
+              <a:buNone/>
+            </a:pPr>
+            <a:r>
+              <a:rPr lang="en-US" dirty="0">
+                <a:latin typeface="Consolas" panose="020B0609020204030204" pitchFamily="49" charset="0"/>
+                <a:cs typeface="Consolas" panose="020B0609020204030204" pitchFamily="49" charset="0"/>
+              </a:rPr>
+              <a:t>SparkSession available as 'spark'</a:t>
+            </a:r>
+          </a:p>
+          <a:p>
+            <a:pPr marL="0" indent="0">
+              <a:buNone/>
+            </a:pPr>
+            <a:r>
+              <a:rPr lang="en-US" dirty="0">
+                <a:latin typeface="Consolas" panose="020B0609020204030204" pitchFamily="49" charset="0"/>
+                <a:cs typeface="Consolas" panose="020B0609020204030204" pitchFamily="49" charset="0"/>
+              </a:rPr>
+              <a:t>&gt;&gt;&gt;</a:t>
+            </a:r>
+          </a:p>
+          <a:p>
+            <a:pPr marL="0" indent="0">
+              <a:buNone/>
+            </a:pPr>
+            <a:endParaRPr lang="en-US" dirty="0"/>
           </a:p>
         </p:txBody>
       </p:sp>
     </p:spTree>
     <p:extLst>
       <p:ext uri="{BB962C8B-B14F-4D97-AF65-F5344CB8AC3E}">
-        <p14:creationId xmlns:p14="http://schemas.microsoft.com/office/powerpoint/2010/main" val="505459497"/>
+        <p14:creationId xmlns:p14="http://schemas.microsoft.com/office/powerpoint/2010/main" val="410469547"/>
       </p:ext>
     </p:extLst>
   </p:cSld>
